--- a/Proje Sunumu.pptx
+++ b/Proje Sunumu.pptx
@@ -152,6 +152,9 @@
         </p14:section>
       </p14:sectionLst>
     </p:ext>
+    <p:ext uri="{EFAFB233-063F-42B5-8137-9DF3F51BA10A}">
+      <p15:sldGuideLst xmlns:p15="http://schemas.microsoft.com/office/powerpoint/2012/main"/>
+    </p:ext>
   </p:extLst>
 </p:presentation>
 </file>
@@ -295,7 +298,7 @@
           <a:p>
             <a:fld id="{C552CE98-0042-4F25-843E-EDC648036A31}" type="datetimeFigureOut">
               <a:rPr lang="tr-TR" smtClean="0"/>
-              <a:t>8.09.2020</a:t>
+              <a:t>9.09.2020</a:t>
             </a:fld>
             <a:endParaRPr lang="tr-TR"/>
           </a:p>
@@ -506,7 +509,7 @@
           <a:p>
             <a:fld id="{C552CE98-0042-4F25-843E-EDC648036A31}" type="datetimeFigureOut">
               <a:rPr lang="tr-TR" smtClean="0"/>
-              <a:t>8.09.2020</a:t>
+              <a:t>9.09.2020</a:t>
             </a:fld>
             <a:endParaRPr lang="tr-TR"/>
           </a:p>
@@ -721,7 +724,7 @@
           <a:p>
             <a:fld id="{C552CE98-0042-4F25-843E-EDC648036A31}" type="datetimeFigureOut">
               <a:rPr lang="tr-TR" smtClean="0"/>
-              <a:t>8.09.2020</a:t>
+              <a:t>9.09.2020</a:t>
             </a:fld>
             <a:endParaRPr lang="tr-TR"/>
           </a:p>
@@ -922,7 +925,7 @@
           <a:p>
             <a:fld id="{C552CE98-0042-4F25-843E-EDC648036A31}" type="datetimeFigureOut">
               <a:rPr lang="tr-TR" smtClean="0"/>
-              <a:t>8.09.2020</a:t>
+              <a:t>9.09.2020</a:t>
             </a:fld>
             <a:endParaRPr lang="tr-TR"/>
           </a:p>
@@ -1201,7 +1204,7 @@
           <a:p>
             <a:fld id="{C552CE98-0042-4F25-843E-EDC648036A31}" type="datetimeFigureOut">
               <a:rPr lang="tr-TR" smtClean="0"/>
-              <a:t>8.09.2020</a:t>
+              <a:t>9.09.2020</a:t>
             </a:fld>
             <a:endParaRPr lang="tr-TR"/>
           </a:p>
@@ -1469,7 +1472,7 @@
           <a:p>
             <a:fld id="{C552CE98-0042-4F25-843E-EDC648036A31}" type="datetimeFigureOut">
               <a:rPr lang="tr-TR" smtClean="0"/>
-              <a:t>8.09.2020</a:t>
+              <a:t>9.09.2020</a:t>
             </a:fld>
             <a:endParaRPr lang="tr-TR"/>
           </a:p>
@@ -1885,7 +1888,7 @@
           <a:p>
             <a:fld id="{C552CE98-0042-4F25-843E-EDC648036A31}" type="datetimeFigureOut">
               <a:rPr lang="tr-TR" smtClean="0"/>
-              <a:t>8.09.2020</a:t>
+              <a:t>9.09.2020</a:t>
             </a:fld>
             <a:endParaRPr lang="tr-TR"/>
           </a:p>
@@ -2034,7 +2037,7 @@
           <a:p>
             <a:fld id="{C552CE98-0042-4F25-843E-EDC648036A31}" type="datetimeFigureOut">
               <a:rPr lang="tr-TR" smtClean="0"/>
-              <a:t>8.09.2020</a:t>
+              <a:t>9.09.2020</a:t>
             </a:fld>
             <a:endParaRPr lang="tr-TR"/>
           </a:p>
@@ -2160,7 +2163,7 @@
           <a:p>
             <a:fld id="{C552CE98-0042-4F25-843E-EDC648036A31}" type="datetimeFigureOut">
               <a:rPr lang="tr-TR" smtClean="0"/>
-              <a:t>8.09.2020</a:t>
+              <a:t>9.09.2020</a:t>
             </a:fld>
             <a:endParaRPr lang="tr-TR"/>
           </a:p>
@@ -2411,7 +2414,7 @@
           <a:p>
             <a:fld id="{C552CE98-0042-4F25-843E-EDC648036A31}" type="datetimeFigureOut">
               <a:rPr lang="tr-TR" smtClean="0"/>
-              <a:t>8.09.2020</a:t>
+              <a:t>9.09.2020</a:t>
             </a:fld>
             <a:endParaRPr lang="tr-TR"/>
           </a:p>
@@ -2856,7 +2859,7 @@
           <a:p>
             <a:fld id="{C552CE98-0042-4F25-843E-EDC648036A31}" type="datetimeFigureOut">
               <a:rPr lang="tr-TR" smtClean="0"/>
-              <a:t>8.09.2020</a:t>
+              <a:t>9.09.2020</a:t>
             </a:fld>
             <a:endParaRPr lang="tr-TR"/>
           </a:p>
@@ -3183,7 +3186,7 @@
           <a:p>
             <a:fld id="{C552CE98-0042-4F25-843E-EDC648036A31}" type="datetimeFigureOut">
               <a:rPr lang="tr-TR" smtClean="0"/>
-              <a:t>8.09.2020</a:t>
+              <a:t>9.09.2020</a:t>
             </a:fld>
             <a:endParaRPr lang="tr-TR"/>
           </a:p>
@@ -3738,8 +3741,8 @@
         </p:nvSpPr>
         <p:spPr>
           <a:xfrm>
-            <a:off x="4598058" y="1768983"/>
-            <a:ext cx="3485185" cy="369332"/>
+            <a:off x="2659740" y="1289826"/>
+            <a:ext cx="5187446" cy="1846659"/>
           </a:xfrm>
           <a:prstGeom prst="rect">
             <a:avLst/>
@@ -3752,10 +3755,37 @@
           </a:bodyPr>
           <a:lstStyle/>
           <a:p>
+            <a:pPr algn="ctr"/>
             <a:r>
               <a:rPr lang="tr-TR" dirty="0"/>
+              <a:t>GRUP 8</a:t>
+            </a:r>
+          </a:p>
+          <a:p>
+            <a:pPr algn="ctr"/>
+            <a:endParaRPr lang="tr-TR" dirty="0"/>
+          </a:p>
+          <a:p>
+            <a:pPr algn="ctr"/>
+            <a:r>
+              <a:rPr lang="tr-TR" sz="2400" b="1" dirty="0"/>
               <a:t>PROJE : OPTİK FORM OKUYUCU</a:t>
             </a:r>
+          </a:p>
+          <a:p>
+            <a:pPr algn="ctr"/>
+            <a:endParaRPr lang="tr-TR" dirty="0"/>
+          </a:p>
+          <a:p>
+            <a:pPr algn="ctr"/>
+            <a:r>
+              <a:rPr lang="tr-TR" dirty="0"/>
+              <a:t>TEŞEKKÜRLER</a:t>
+            </a:r>
+          </a:p>
+          <a:p>
+            <a:pPr algn="ctr"/>
+            <a:endParaRPr lang="tr-TR" dirty="0"/>
           </a:p>
         </p:txBody>
       </p:sp>
@@ -3841,41 +3871,6 @@
       </p:sp>
       <p:sp>
         <p:nvSpPr>
-          <p:cNvPr id="8" name="Metin kutusu 7">
-            <a:extLst>
-              <a:ext uri="{FF2B5EF4-FFF2-40B4-BE49-F238E27FC236}">
-                <a16:creationId xmlns:a16="http://schemas.microsoft.com/office/drawing/2014/main" id="{2E289A17-A508-4F84-95C4-A4FF30D2E0F7}"/>
-              </a:ext>
-            </a:extLst>
-          </p:cNvPr>
-          <p:cNvSpPr txBox="1"/>
-          <p:nvPr/>
-        </p:nvSpPr>
-        <p:spPr>
-          <a:xfrm>
-            <a:off x="5941253" y="1399651"/>
-            <a:ext cx="948849" cy="369332"/>
-          </a:xfrm>
-          <a:prstGeom prst="rect">
-            <a:avLst/>
-          </a:prstGeom>
-          <a:noFill/>
-        </p:spPr>
-        <p:txBody>
-          <a:bodyPr wrap="none" rtlCol="0">
-            <a:spAutoFit/>
-          </a:bodyPr>
-          <a:lstStyle/>
-          <a:p>
-            <a:r>
-              <a:rPr lang="tr-TR" dirty="0"/>
-              <a:t>GRUP 8</a:t>
-            </a:r>
-          </a:p>
-        </p:txBody>
-      </p:sp>
-      <p:sp>
-        <p:nvSpPr>
           <p:cNvPr id="10" name="Metin kutusu 9">
             <a:extLst>
               <a:ext uri="{FF2B5EF4-FFF2-40B4-BE49-F238E27FC236}">
@@ -3888,8 +3883,8 @@
         </p:nvSpPr>
         <p:spPr>
           <a:xfrm>
-            <a:off x="6096000" y="3587598"/>
-            <a:ext cx="2250831" cy="2585323"/>
+            <a:off x="5350414" y="3587598"/>
+            <a:ext cx="2250831" cy="1754326"/>
           </a:xfrm>
           <a:prstGeom prst="rect">
             <a:avLst/>
@@ -3911,46 +3906,23 @@
               </a:rPr>
               <a:t>Grup Üyeleri :</a:t>
             </a:r>
+          </a:p>
+          <a:p>
+            <a:r>
+              <a:rPr lang="tr-TR" dirty="0">
+                <a:solidFill>
+                  <a:srgbClr val="58585B"/>
+                </a:solidFill>
+                <a:latin typeface="Arial" panose="020B0604020202020204" pitchFamily="34" charset="0"/>
+              </a:rPr>
+              <a:t>( Masaüstü – OFO)</a:t>
+            </a:r>
             <a:br>
               <a:rPr lang="tr-TR" dirty="0"/>
             </a:br>
             <a:r>
               <a:rPr lang="tr-TR" dirty="0"/>
               <a:t>Celal AKSU</a:t>
-            </a:r>
-          </a:p>
-          <a:p>
-            <a:r>
-              <a:rPr lang="tr-TR" sz="1800" dirty="0">
-                <a:effectLst/>
-                <a:latin typeface="Calibri" panose="020F0502020204030204" pitchFamily="34" charset="0"/>
-                <a:ea typeface="Calibri" panose="020F0502020204030204" pitchFamily="34" charset="0"/>
-                <a:cs typeface="Times New Roman" panose="02020603050405020304" pitchFamily="18" charset="0"/>
-              </a:rPr>
-              <a:t>Şahin MANSUROĞLU</a:t>
-            </a:r>
-            <a:endParaRPr lang="tr-TR" dirty="0"/>
-          </a:p>
-          <a:p>
-            <a:r>
-              <a:rPr lang="tr-TR" sz="1800" dirty="0">
-                <a:effectLst/>
-                <a:latin typeface="Calibri" panose="020F0502020204030204" pitchFamily="34" charset="0"/>
-                <a:ea typeface="Calibri" panose="020F0502020204030204" pitchFamily="34" charset="0"/>
-                <a:cs typeface="Times New Roman" panose="02020603050405020304" pitchFamily="18" charset="0"/>
-              </a:rPr>
-              <a:t>İbrahim KILIÇ</a:t>
-            </a:r>
-          </a:p>
-          <a:p>
-            <a:r>
-              <a:rPr lang="tr-TR" sz="1800" dirty="0">
-                <a:effectLst/>
-                <a:latin typeface="Calibri" panose="020F0502020204030204" pitchFamily="34" charset="0"/>
-                <a:ea typeface="Calibri" panose="020F0502020204030204" pitchFamily="34" charset="0"/>
-                <a:cs typeface="Times New Roman" panose="02020603050405020304" pitchFamily="18" charset="0"/>
-              </a:rPr>
-              <a:t>Nihat Bal</a:t>
             </a:r>
           </a:p>
           <a:p>
@@ -3977,22 +3949,6 @@
                 <a:ea typeface="Calibri" panose="020F0502020204030204" pitchFamily="34" charset="0"/>
                 <a:cs typeface="Times New Roman" panose="02020603050405020304" pitchFamily="18" charset="0"/>
               </a:rPr>
-              <a:t>Tunahan ONCEL</a:t>
-            </a:r>
-            <a:endParaRPr lang="tr-TR" dirty="0">
-              <a:latin typeface="Calibri" panose="020F0502020204030204" pitchFamily="34" charset="0"/>
-              <a:ea typeface="Calibri" panose="020F0502020204030204" pitchFamily="34" charset="0"/>
-              <a:cs typeface="Times New Roman" panose="02020603050405020304" pitchFamily="18" charset="0"/>
-            </a:endParaRPr>
-          </a:p>
-          <a:p>
-            <a:r>
-              <a:rPr lang="tr-TR" sz="1800" dirty="0">
-                <a:effectLst/>
-                <a:latin typeface="Calibri" panose="020F0502020204030204" pitchFamily="34" charset="0"/>
-                <a:ea typeface="Calibri" panose="020F0502020204030204" pitchFamily="34" charset="0"/>
-                <a:cs typeface="Times New Roman" panose="02020603050405020304" pitchFamily="18" charset="0"/>
-              </a:rPr>
               <a:t>Mustafa ÖZER</a:t>
             </a:r>
           </a:p>
@@ -4012,10 +3968,10 @@
       </p:sp>
       <p:pic>
         <p:nvPicPr>
-          <p:cNvPr id="12" name="Resim 11" descr="tabak çanak, yemek takımı, tabak, yiyecek içeren bir resim&#10;&#10;Açıklama otomatik olarak oluşturuldu">
+          <p:cNvPr id="14" name="Resim 13">
             <a:extLst>
               <a:ext uri="{FF2B5EF4-FFF2-40B4-BE49-F238E27FC236}">
-                <a16:creationId xmlns:a16="http://schemas.microsoft.com/office/drawing/2014/main" id="{F6B329D5-8A9F-4E6F-B033-9DDF9998083D}"/>
+                <a16:creationId xmlns:a16="http://schemas.microsoft.com/office/drawing/2014/main" id="{D0236A78-FD48-4D1E-A093-1F52742619C5}"/>
               </a:ext>
             </a:extLst>
           </p:cNvPr>
@@ -4038,8 +3994,8 @@
         </p:blipFill>
         <p:spPr>
           <a:xfrm>
-            <a:off x="8946417" y="1616555"/>
-            <a:ext cx="2683512" cy="1417230"/>
+            <a:off x="635398" y="1301346"/>
+            <a:ext cx="1722119" cy="1722119"/>
           </a:xfrm>
           <a:prstGeom prst="rect">
             <a:avLst/>
@@ -4048,10 +4004,10 @@
       </p:pic>
       <p:pic>
         <p:nvPicPr>
-          <p:cNvPr id="14" name="Resim 13">
+          <p:cNvPr id="3" name="Resim 2">
             <a:extLst>
               <a:ext uri="{FF2B5EF4-FFF2-40B4-BE49-F238E27FC236}">
-                <a16:creationId xmlns:a16="http://schemas.microsoft.com/office/drawing/2014/main" id="{D0236A78-FD48-4D1E-A093-1F52742619C5}"/>
+                <a16:creationId xmlns:a16="http://schemas.microsoft.com/office/drawing/2014/main" id="{9A068C1C-4E7F-41D9-9703-50401A05261C}"/>
               </a:ext>
             </a:extLst>
           </p:cNvPr>
@@ -4060,7 +4016,7 @@
           </p:cNvPicPr>
           <p:nvPr/>
         </p:nvPicPr>
-        <p:blipFill>
+        <p:blipFill rotWithShape="1">
           <a:blip r:embed="rId3">
             <a:extLst>
               <a:ext uri="{28A0092B-C50C-407E-A947-70E740481C1C}">
@@ -4068,14 +4024,13 @@
               </a:ext>
             </a:extLst>
           </a:blip>
-          <a:stretch>
-            <a:fillRect/>
-          </a:stretch>
+          <a:srcRect r="57851"/>
+          <a:stretch/>
         </p:blipFill>
         <p:spPr>
           <a:xfrm>
-            <a:off x="635398" y="1301346"/>
-            <a:ext cx="1722119" cy="1722119"/>
+            <a:off x="8149408" y="1289826"/>
+            <a:ext cx="3725821" cy="1733639"/>
           </a:xfrm>
           <a:prstGeom prst="rect">
             <a:avLst/>
@@ -4084,10 +4039,10 @@
       </p:pic>
       <p:sp>
         <p:nvSpPr>
-          <p:cNvPr id="15" name="Metin kutusu 14">
+          <p:cNvPr id="6" name="Metin kutusu 5">
             <a:extLst>
               <a:ext uri="{FF2B5EF4-FFF2-40B4-BE49-F238E27FC236}">
-                <a16:creationId xmlns:a16="http://schemas.microsoft.com/office/drawing/2014/main" id="{05536B68-F697-4C72-A786-1D05A1F17908}"/>
+                <a16:creationId xmlns:a16="http://schemas.microsoft.com/office/drawing/2014/main" id="{7CD9292F-8E2A-4178-9775-69577FA288F0}"/>
               </a:ext>
             </a:extLst>
           </p:cNvPr>
@@ -4096,8 +4051,8 @@
         </p:nvSpPr>
         <p:spPr>
           <a:xfrm>
-            <a:off x="5279109" y="2493624"/>
-            <a:ext cx="1633781" cy="369332"/>
+            <a:off x="8581292" y="3587934"/>
+            <a:ext cx="2715065" cy="1754326"/>
           </a:xfrm>
           <a:prstGeom prst="rect">
             <a:avLst/>
@@ -4105,15 +4060,105 @@
           <a:noFill/>
         </p:spPr>
         <p:txBody>
-          <a:bodyPr wrap="square" rtlCol="0">
+          <a:bodyPr wrap="square">
             <a:spAutoFit/>
           </a:bodyPr>
           <a:lstStyle/>
           <a:p>
             <a:r>
-              <a:rPr lang="tr-TR" dirty="0"/>
-              <a:t>TEŞEKKÜRLER</a:t>
-            </a:r>
+              <a:rPr lang="tr-TR" dirty="0">
+                <a:solidFill>
+                  <a:srgbClr val="58585B"/>
+                </a:solidFill>
+                <a:latin typeface="Arial" panose="020B0604020202020204" pitchFamily="34" charset="0"/>
+              </a:rPr>
+              <a:t>Grup Üyeleri :</a:t>
+            </a:r>
+          </a:p>
+          <a:p>
+            <a:r>
+              <a:rPr lang="tr-TR" dirty="0">
+                <a:solidFill>
+                  <a:srgbClr val="58585B"/>
+                </a:solidFill>
+                <a:latin typeface="Arial" panose="020B0604020202020204" pitchFamily="34" charset="0"/>
+              </a:rPr>
+              <a:t>( Rest-API – Web </a:t>
+            </a:r>
+            <a:r>
+              <a:rPr lang="tr-TR" dirty="0" err="1">
+                <a:solidFill>
+                  <a:srgbClr val="58585B"/>
+                </a:solidFill>
+                <a:latin typeface="Arial" panose="020B0604020202020204" pitchFamily="34" charset="0"/>
+              </a:rPr>
+              <a:t>Uyg</a:t>
+            </a:r>
+            <a:r>
+              <a:rPr lang="tr-TR" dirty="0">
+                <a:solidFill>
+                  <a:srgbClr val="58585B"/>
+                </a:solidFill>
+                <a:latin typeface="Arial" panose="020B0604020202020204" pitchFamily="34" charset="0"/>
+              </a:rPr>
+              <a:t>. )</a:t>
+            </a:r>
+            <a:endParaRPr lang="tr-TR" dirty="0"/>
+          </a:p>
+          <a:p>
+            <a:r>
+              <a:rPr lang="tr-TR" sz="1800" dirty="0">
+                <a:effectLst/>
+                <a:latin typeface="Calibri" panose="020F0502020204030204" pitchFamily="34" charset="0"/>
+                <a:ea typeface="Calibri" panose="020F0502020204030204" pitchFamily="34" charset="0"/>
+                <a:cs typeface="Times New Roman" panose="02020603050405020304" pitchFamily="18" charset="0"/>
+              </a:rPr>
+              <a:t>Şahin MANSUROĞLU</a:t>
+            </a:r>
+            <a:endParaRPr lang="tr-TR" dirty="0"/>
+          </a:p>
+          <a:p>
+            <a:r>
+              <a:rPr lang="tr-TR" sz="1800" dirty="0">
+                <a:effectLst/>
+                <a:latin typeface="Calibri" panose="020F0502020204030204" pitchFamily="34" charset="0"/>
+                <a:ea typeface="Calibri" panose="020F0502020204030204" pitchFamily="34" charset="0"/>
+                <a:cs typeface="Times New Roman" panose="02020603050405020304" pitchFamily="18" charset="0"/>
+              </a:rPr>
+              <a:t>İbrahim KILIÇ</a:t>
+            </a:r>
+          </a:p>
+          <a:p>
+            <a:r>
+              <a:rPr lang="tr-TR" sz="1800" dirty="0">
+                <a:effectLst/>
+                <a:latin typeface="Calibri" panose="020F0502020204030204" pitchFamily="34" charset="0"/>
+                <a:ea typeface="Calibri" panose="020F0502020204030204" pitchFamily="34" charset="0"/>
+                <a:cs typeface="Times New Roman" panose="02020603050405020304" pitchFamily="18" charset="0"/>
+              </a:rPr>
+              <a:t>Nihat Bal</a:t>
+            </a:r>
+            <a:endParaRPr lang="tr-TR" dirty="0">
+              <a:latin typeface="Calibri" panose="020F0502020204030204" pitchFamily="34" charset="0"/>
+              <a:ea typeface="Calibri" panose="020F0502020204030204" pitchFamily="34" charset="0"/>
+              <a:cs typeface="Times New Roman" panose="02020603050405020304" pitchFamily="18" charset="0"/>
+            </a:endParaRPr>
+          </a:p>
+          <a:p>
+            <a:r>
+              <a:rPr lang="tr-TR" sz="1800" dirty="0">
+                <a:effectLst/>
+                <a:latin typeface="Calibri" panose="020F0502020204030204" pitchFamily="34" charset="0"/>
+                <a:ea typeface="Calibri" panose="020F0502020204030204" pitchFamily="34" charset="0"/>
+                <a:cs typeface="Times New Roman" panose="02020603050405020304" pitchFamily="18" charset="0"/>
+              </a:rPr>
+              <a:t>Tunahan ONCEL</a:t>
+            </a:r>
+            <a:endParaRPr lang="tr-TR" dirty="0">
+              <a:latin typeface="Calibri" panose="020F0502020204030204" pitchFamily="34" charset="0"/>
+              <a:ea typeface="Calibri" panose="020F0502020204030204" pitchFamily="34" charset="0"/>
+              <a:cs typeface="Times New Roman" panose="02020603050405020304" pitchFamily="18" charset="0"/>
+            </a:endParaRPr>
           </a:p>
         </p:txBody>
       </p:sp>
@@ -4170,7 +4215,14 @@
           <a:p>
             <a:r>
               <a:rPr lang="tr-TR" dirty="0"/>
-              <a:t>form işlemleri</a:t>
+              <a:t>optik form</a:t>
+            </a:r>
+            <a:br>
+              <a:rPr lang="tr-TR" dirty="0"/>
+            </a:br>
+            <a:r>
+              <a:rPr lang="tr-TR" dirty="0"/>
+              <a:t>işlemleri</a:t>
             </a:r>
           </a:p>
         </p:txBody>
@@ -5353,7 +5405,7 @@
           <a:graphicData uri="http://schemas.openxmlformats.org/presentationml/2006/ole">
             <mc:AlternateContent xmlns:mc="http://schemas.openxmlformats.org/markup-compatibility/2006">
               <mc:Choice xmlns:v="urn:schemas-microsoft-com:vml" Requires="v">
-                <p:oleObj spid="_x0000_s1029" name="Paketleyici Kabuk Nesnesi" showAsIcon="1" r:id="rId5" imgW="825120" imgH="491040" progId="Package">
+                <p:oleObj spid="_x0000_s1033" name="Paketleyici Kabuk Nesnesi" showAsIcon="1" r:id="rId5" imgW="825120" imgH="491040" progId="Package">
                   <p:embed/>
                 </p:oleObj>
               </mc:Choice>

--- a/Proje Sunumu.pptx
+++ b/Proje Sunumu.pptx
@@ -7,16 +7,19 @@
   <p:sldIdLst>
     <p:sldId id="256" r:id="rId2"/>
     <p:sldId id="257" r:id="rId3"/>
-    <p:sldId id="258" r:id="rId4"/>
-    <p:sldId id="261" r:id="rId5"/>
-    <p:sldId id="262" r:id="rId6"/>
-    <p:sldId id="263" r:id="rId7"/>
-    <p:sldId id="264" r:id="rId8"/>
-    <p:sldId id="265" r:id="rId9"/>
-    <p:sldId id="259" r:id="rId10"/>
-    <p:sldId id="260" r:id="rId11"/>
-    <p:sldId id="266" r:id="rId12"/>
-    <p:sldId id="267" r:id="rId13"/>
+    <p:sldId id="268" r:id="rId4"/>
+    <p:sldId id="258" r:id="rId5"/>
+    <p:sldId id="261" r:id="rId6"/>
+    <p:sldId id="262" r:id="rId7"/>
+    <p:sldId id="263" r:id="rId8"/>
+    <p:sldId id="264" r:id="rId9"/>
+    <p:sldId id="265" r:id="rId10"/>
+    <p:sldId id="259" r:id="rId11"/>
+    <p:sldId id="260" r:id="rId12"/>
+    <p:sldId id="266" r:id="rId13"/>
+    <p:sldId id="269" r:id="rId14"/>
+    <p:sldId id="270" r:id="rId15"/>
+    <p:sldId id="267" r:id="rId16"/>
   </p:sldIdLst>
   <p:sldSz cx="12192000" cy="6858000"/>
   <p:notesSz cx="6858000" cy="9144000"/>
@@ -122,6 +125,7 @@
           <p14:sldIdLst>
             <p14:sldId id="256"/>
             <p14:sldId id="257"/>
+            <p14:sldId id="268"/>
             <p14:sldId id="258"/>
           </p14:sldIdLst>
         </p14:section>
@@ -147,6 +151,8 @@
         <p14:section name="DEMO" id="{6B44D727-E56D-4B6C-8415-ED3D79E56562}">
           <p14:sldIdLst>
             <p14:sldId id="266"/>
+            <p14:sldId id="269"/>
+            <p14:sldId id="270"/>
             <p14:sldId id="267"/>
           </p14:sldIdLst>
         </p14:section>
@@ -4162,6 +4168,41 @@
           </a:p>
         </p:txBody>
       </p:sp>
+      <p:sp>
+        <p:nvSpPr>
+          <p:cNvPr id="2" name="Metin kutusu 1">
+            <a:extLst>
+              <a:ext uri="{FF2B5EF4-FFF2-40B4-BE49-F238E27FC236}">
+                <a16:creationId xmlns:a16="http://schemas.microsoft.com/office/drawing/2014/main" id="{AD481C48-3EE2-4DE5-8569-59F360B5B829}"/>
+              </a:ext>
+            </a:extLst>
+          </p:cNvPr>
+          <p:cNvSpPr txBox="1"/>
+          <p:nvPr/>
+        </p:nvSpPr>
+        <p:spPr>
+          <a:xfrm>
+            <a:off x="458378" y="5793037"/>
+            <a:ext cx="6046207" cy="369332"/>
+          </a:xfrm>
+          <a:prstGeom prst="rect">
+            <a:avLst/>
+          </a:prstGeom>
+          <a:noFill/>
+        </p:spPr>
+        <p:txBody>
+          <a:bodyPr wrap="none" rtlCol="0">
+            <a:spAutoFit/>
+          </a:bodyPr>
+          <a:lstStyle/>
+          <a:p>
+            <a:r>
+              <a:rPr lang="tr-TR" b="1" dirty="0"/>
+              <a:t>https://github.com/Python-Egitici-Egitimi-OOP-Grup-8</a:t>
+            </a:r>
+          </a:p>
+        </p:txBody>
+      </p:sp>
     </p:spTree>
     <p:extLst>
       <p:ext uri="{BB962C8B-B14F-4D97-AF65-F5344CB8AC3E}">
@@ -4197,7 +4238,7 @@
           <p:cNvPr id="2" name="Başlık 1">
             <a:extLst>
               <a:ext uri="{FF2B5EF4-FFF2-40B4-BE49-F238E27FC236}">
-                <a16:creationId xmlns:a16="http://schemas.microsoft.com/office/drawing/2014/main" id="{1F5AFE5F-9AA8-4D6E-A25B-C4D99DAE4840}"/>
+                <a16:creationId xmlns:a16="http://schemas.microsoft.com/office/drawing/2014/main" id="{85F3963A-1D4E-4306-B04C-8FF6A60EB33B}"/>
               </a:ext>
             </a:extLst>
           </p:cNvPr>
@@ -4215,15 +4256,42 @@
           <a:p>
             <a:r>
               <a:rPr lang="tr-TR" dirty="0"/>
-              <a:t>optik form</a:t>
-            </a:r>
-            <a:br>
+              <a:t>MASAÜSÜTÜ ARAYÜZÜ</a:t>
+            </a:r>
+          </a:p>
+        </p:txBody>
+      </p:sp>
+      <p:sp>
+        <p:nvSpPr>
+          <p:cNvPr id="3" name="İçerik Yer Tutucusu 2">
+            <a:extLst>
+              <a:ext uri="{FF2B5EF4-FFF2-40B4-BE49-F238E27FC236}">
+                <a16:creationId xmlns:a16="http://schemas.microsoft.com/office/drawing/2014/main" id="{47710F72-9082-4833-BEA4-ED272BED9678}"/>
+              </a:ext>
+            </a:extLst>
+          </p:cNvPr>
+          <p:cNvSpPr>
+            <a:spLocks noGrp="1"/>
+          </p:cNvSpPr>
+          <p:nvPr>
+            <p:ph idx="1"/>
+          </p:nvPr>
+        </p:nvSpPr>
+        <p:spPr/>
+        <p:txBody>
+          <a:bodyPr/>
+          <a:lstStyle/>
+          <a:p>
+            <a:r>
               <a:rPr lang="tr-TR" dirty="0"/>
-            </a:br>
-            <a:r>
-              <a:rPr lang="tr-TR" dirty="0"/>
-              <a:t>işlemleri</a:t>
-            </a:r>
+              <a:t>Kullanıcı Giriş Ekranı:</a:t>
+            </a:r>
+          </a:p>
+          <a:p>
+            <a:pPr marL="0" indent="0">
+              <a:buNone/>
+            </a:pPr>
+            <a:endParaRPr lang="tr-TR" dirty="0"/>
           </a:p>
         </p:txBody>
       </p:sp>
@@ -4232,7 +4300,7 @@
           <p:cNvPr id="4" name="Resim 3" descr="ekran görüntüsü içeren bir resim&#10;&#10;Açıklama otomatik olarak oluşturuldu">
             <a:extLst>
               <a:ext uri="{FF2B5EF4-FFF2-40B4-BE49-F238E27FC236}">
-                <a16:creationId xmlns:a16="http://schemas.microsoft.com/office/drawing/2014/main" id="{B90F1C5B-5753-47DE-82B8-477CA5CA44F9}"/>
+                <a16:creationId xmlns:a16="http://schemas.microsoft.com/office/drawing/2014/main" id="{2533905A-6514-49F5-BA94-60E05FAFB188}"/>
               </a:ext>
             </a:extLst>
           </p:cNvPr>
@@ -4253,8 +4321,8 @@
         </p:blipFill>
         <p:spPr>
           <a:xfrm>
-            <a:off x="4987924" y="263452"/>
-            <a:ext cx="6603853" cy="6489040"/>
+            <a:off x="5219383" y="1853754"/>
+            <a:ext cx="4191904" cy="4199727"/>
           </a:xfrm>
           <a:prstGeom prst="rect">
             <a:avLst/>
@@ -4264,7 +4332,7 @@
     </p:spTree>
     <p:extLst>
       <p:ext uri="{BB962C8B-B14F-4D97-AF65-F5344CB8AC3E}">
-        <p14:creationId xmlns:p14="http://schemas.microsoft.com/office/powerpoint/2010/main" val="137358782"/>
+        <p14:creationId xmlns:p14="http://schemas.microsoft.com/office/powerpoint/2010/main" val="2894857076"/>
       </p:ext>
     </p:extLst>
   </p:cSld>
@@ -4296,7 +4364,7 @@
           <p:cNvPr id="2" name="Başlık 1">
             <a:extLst>
               <a:ext uri="{FF2B5EF4-FFF2-40B4-BE49-F238E27FC236}">
-                <a16:creationId xmlns:a16="http://schemas.microsoft.com/office/drawing/2014/main" id="{20168531-7332-4BAA-9E13-76E5313A1A8A}"/>
+                <a16:creationId xmlns:a16="http://schemas.microsoft.com/office/drawing/2014/main" id="{1F5AFE5F-9AA8-4D6E-A25B-C4D99DAE4840}"/>
               </a:ext>
             </a:extLst>
           </p:cNvPr>
@@ -4313,17 +4381,57 @@
           <a:lstStyle/>
           <a:p>
             <a:r>
-              <a:rPr lang="tr-TR" dirty="0" err="1"/>
-              <a:t>demo</a:t>
-            </a:r>
-            <a:endParaRPr lang="tr-TR" dirty="0"/>
-          </a:p>
-        </p:txBody>
-      </p:sp>
+              <a:rPr lang="tr-TR" dirty="0"/>
+              <a:t>optik form</a:t>
+            </a:r>
+            <a:br>
+              <a:rPr lang="tr-TR" dirty="0"/>
+            </a:br>
+            <a:r>
+              <a:rPr lang="tr-TR" dirty="0"/>
+              <a:t>işlemleri</a:t>
+            </a:r>
+          </a:p>
+        </p:txBody>
+      </p:sp>
+      <p:pic>
+        <p:nvPicPr>
+          <p:cNvPr id="4" name="Resim 3" descr="ekran görüntüsü içeren bir resim&#10;&#10;Açıklama otomatik olarak oluşturuldu">
+            <a:extLst>
+              <a:ext uri="{FF2B5EF4-FFF2-40B4-BE49-F238E27FC236}">
+                <a16:creationId xmlns:a16="http://schemas.microsoft.com/office/drawing/2014/main" id="{B90F1C5B-5753-47DE-82B8-477CA5CA44F9}"/>
+              </a:ext>
+            </a:extLst>
+          </p:cNvPr>
+          <p:cNvPicPr/>
+          <p:nvPr/>
+        </p:nvPicPr>
+        <p:blipFill>
+          <a:blip r:embed="rId2">
+            <a:extLst>
+              <a:ext uri="{28A0092B-C50C-407E-A947-70E740481C1C}">
+                <a14:useLocalDpi xmlns:a14="http://schemas.microsoft.com/office/drawing/2010/main" val="0"/>
+              </a:ext>
+            </a:extLst>
+          </a:blip>
+          <a:stretch>
+            <a:fillRect/>
+          </a:stretch>
+        </p:blipFill>
+        <p:spPr>
+          <a:xfrm>
+            <a:off x="4987924" y="263452"/>
+            <a:ext cx="6603853" cy="6489040"/>
+          </a:xfrm>
+          <a:prstGeom prst="rect">
+            <a:avLst/>
+          </a:prstGeom>
+        </p:spPr>
+      </p:pic>
     </p:spTree>
     <p:extLst>
       <p:ext uri="{BB962C8B-B14F-4D97-AF65-F5344CB8AC3E}">
-        <p14:creationId xmlns:p14="http://schemas.microsoft.com/office/powerpoint/2010/main" val="4186698889"/>
+        <p14:creationId xmlns:p14="http://schemas.microsoft.com/office/powerpoint/2010/main" val="137358782"/>
       </p:ext>
     </p:extLst>
   </p:cSld>
@@ -4372,8 +4480,716 @@
           <a:lstStyle/>
           <a:p>
             <a:r>
+              <a:rPr lang="tr-TR" dirty="0" err="1"/>
+              <a:t>demo</a:t>
+            </a:r>
+            <a:endParaRPr lang="tr-TR" dirty="0"/>
+          </a:p>
+        </p:txBody>
+      </p:sp>
+      <p:sp>
+        <p:nvSpPr>
+          <p:cNvPr id="3" name="Metin kutusu 2">
+            <a:extLst>
+              <a:ext uri="{FF2B5EF4-FFF2-40B4-BE49-F238E27FC236}">
+                <a16:creationId xmlns:a16="http://schemas.microsoft.com/office/drawing/2014/main" id="{996B5356-D793-4561-8000-D5BC9F1A5FFF}"/>
+              </a:ext>
+            </a:extLst>
+          </p:cNvPr>
+          <p:cNvSpPr txBox="1"/>
+          <p:nvPr/>
+        </p:nvSpPr>
+        <p:spPr>
+          <a:xfrm>
+            <a:off x="4913977" y="2367170"/>
+            <a:ext cx="2364045" cy="923330"/>
+          </a:xfrm>
+          <a:prstGeom prst="rect">
+            <a:avLst/>
+          </a:prstGeom>
+          <a:noFill/>
+        </p:spPr>
+        <p:txBody>
+          <a:bodyPr wrap="none" rtlCol="0">
+            <a:spAutoFit/>
+          </a:bodyPr>
+          <a:lstStyle/>
+          <a:p>
+            <a:r>
+              <a:rPr lang="tr-TR" b="1" dirty="0"/>
+              <a:t>İKİNCİ ADIM</a:t>
+            </a:r>
+          </a:p>
+          <a:p>
+            <a:r>
               <a:rPr lang="tr-TR" dirty="0"/>
-              <a:t>teşekkürler</a:t>
+              <a:t>Öğretmen Kullanıcı Adı</a:t>
+            </a:r>
+          </a:p>
+          <a:p>
+            <a:r>
+              <a:rPr lang="tr-TR" dirty="0"/>
+              <a:t>Öğretmen Parola</a:t>
+            </a:r>
+          </a:p>
+        </p:txBody>
+      </p:sp>
+      <p:sp>
+        <p:nvSpPr>
+          <p:cNvPr id="4" name="Metin kutusu 3">
+            <a:extLst>
+              <a:ext uri="{FF2B5EF4-FFF2-40B4-BE49-F238E27FC236}">
+                <a16:creationId xmlns:a16="http://schemas.microsoft.com/office/drawing/2014/main" id="{DA49494C-81F6-4DBD-9367-4C72BBE06E7D}"/>
+              </a:ext>
+            </a:extLst>
+          </p:cNvPr>
+          <p:cNvSpPr txBox="1"/>
+          <p:nvPr/>
+        </p:nvSpPr>
+        <p:spPr>
+          <a:xfrm>
+            <a:off x="1313260" y="2367170"/>
+            <a:ext cx="2560381" cy="2031325"/>
+          </a:xfrm>
+          <a:prstGeom prst="rect">
+            <a:avLst/>
+          </a:prstGeom>
+          <a:noFill/>
+        </p:spPr>
+        <p:txBody>
+          <a:bodyPr wrap="none" rtlCol="0">
+            <a:spAutoFit/>
+          </a:bodyPr>
+          <a:lstStyle/>
+          <a:p>
+            <a:r>
+              <a:rPr lang="tr-TR" b="1" dirty="0"/>
+              <a:t>BİRİNCİ ADIM</a:t>
+            </a:r>
+          </a:p>
+          <a:p>
+            <a:r>
+              <a:rPr lang="tr-TR" dirty="0"/>
+              <a:t>Öğrenci </a:t>
+            </a:r>
+            <a:r>
+              <a:rPr lang="tr-TR" dirty="0" err="1"/>
+              <a:t>idleri</a:t>
+            </a:r>
+            <a:r>
+              <a:rPr lang="tr-TR" dirty="0"/>
+              <a:t>:</a:t>
+            </a:r>
+          </a:p>
+          <a:p>
+            <a:endParaRPr lang="tr-TR" dirty="0"/>
+          </a:p>
+          <a:p>
+            <a:r>
+              <a:rPr lang="tr-TR" dirty="0"/>
+              <a:t>Öğrenciler sınavdan önce</a:t>
+            </a:r>
+          </a:p>
+          <a:p>
+            <a:r>
+              <a:rPr lang="tr-TR" dirty="0"/>
+              <a:t>sisteme kayıt olmalı ve</a:t>
+            </a:r>
+          </a:p>
+          <a:p>
+            <a:r>
+              <a:rPr lang="tr-TR" dirty="0"/>
+              <a:t>aldıkları ID bilgisini optik</a:t>
+            </a:r>
+          </a:p>
+          <a:p>
+            <a:r>
+              <a:rPr lang="tr-TR" dirty="0"/>
+              <a:t>forma kodlamalıdır.</a:t>
+            </a:r>
+          </a:p>
+        </p:txBody>
+      </p:sp>
+      <p:sp>
+        <p:nvSpPr>
+          <p:cNvPr id="6" name="Metin kutusu 5">
+            <a:extLst>
+              <a:ext uri="{FF2B5EF4-FFF2-40B4-BE49-F238E27FC236}">
+                <a16:creationId xmlns:a16="http://schemas.microsoft.com/office/drawing/2014/main" id="{3F289083-42E0-448B-B613-DBF92709D00D}"/>
+              </a:ext>
+            </a:extLst>
+          </p:cNvPr>
+          <p:cNvSpPr txBox="1"/>
+          <p:nvPr/>
+        </p:nvSpPr>
+        <p:spPr>
+          <a:xfrm>
+            <a:off x="8318358" y="2367170"/>
+            <a:ext cx="2234138" cy="1754326"/>
+          </a:xfrm>
+          <a:prstGeom prst="rect">
+            <a:avLst/>
+          </a:prstGeom>
+          <a:noFill/>
+        </p:spPr>
+        <p:txBody>
+          <a:bodyPr wrap="none" rtlCol="0">
+            <a:spAutoFit/>
+          </a:bodyPr>
+          <a:lstStyle/>
+          <a:p>
+            <a:r>
+              <a:rPr lang="tr-TR" b="1" dirty="0"/>
+              <a:t>ÜÇÜNCÜ ADIM</a:t>
+            </a:r>
+          </a:p>
+          <a:p>
+            <a:r>
+              <a:rPr lang="tr-TR" dirty="0"/>
+              <a:t>Sınav Kodu : 43</a:t>
+            </a:r>
+          </a:p>
+          <a:p>
+            <a:endParaRPr lang="tr-TR" dirty="0"/>
+          </a:p>
+          <a:p>
+            <a:r>
+              <a:rPr lang="tr-TR" dirty="0"/>
+              <a:t>Sınavdan önce sınav</a:t>
+            </a:r>
+          </a:p>
+          <a:p>
+            <a:r>
+              <a:rPr lang="tr-TR" dirty="0"/>
+              <a:t>oluşturulmalı ve optik</a:t>
+            </a:r>
+          </a:p>
+          <a:p>
+            <a:r>
+              <a:rPr lang="tr-TR" dirty="0"/>
+              <a:t>formda kodlanmalıdır. </a:t>
+            </a:r>
+          </a:p>
+        </p:txBody>
+      </p:sp>
+    </p:spTree>
+    <p:extLst>
+      <p:ext uri="{BB962C8B-B14F-4D97-AF65-F5344CB8AC3E}">
+        <p14:creationId xmlns:p14="http://schemas.microsoft.com/office/powerpoint/2010/main" val="4186698889"/>
+      </p:ext>
+    </p:extLst>
+  </p:cSld>
+  <p:clrMapOvr>
+    <a:masterClrMapping/>
+  </p:clrMapOvr>
+</p:sld>
+</file>
+
+<file path=ppt/slides/slide13.xml><?xml version="1.0" encoding="utf-8"?>
+<p:sld xmlns:a="http://schemas.openxmlformats.org/drawingml/2006/main" xmlns:r="http://schemas.openxmlformats.org/officeDocument/2006/relationships" xmlns:p="http://schemas.openxmlformats.org/presentationml/2006/main">
+  <p:cSld>
+    <p:spTree>
+      <p:nvGrpSpPr>
+        <p:cNvPr id="1" name=""/>
+        <p:cNvGrpSpPr/>
+        <p:nvPr/>
+      </p:nvGrpSpPr>
+      <p:grpSpPr>
+        <a:xfrm>
+          <a:off x="0" y="0"/>
+          <a:ext cx="0" cy="0"/>
+          <a:chOff x="0" y="0"/>
+          <a:chExt cx="0" cy="0"/>
+        </a:xfrm>
+      </p:grpSpPr>
+      <p:sp>
+        <p:nvSpPr>
+          <p:cNvPr id="2" name="Başlık 1">
+            <a:extLst>
+              <a:ext uri="{FF2B5EF4-FFF2-40B4-BE49-F238E27FC236}">
+                <a16:creationId xmlns:a16="http://schemas.microsoft.com/office/drawing/2014/main" id="{20168531-7332-4BAA-9E13-76E5313A1A8A}"/>
+              </a:ext>
+            </a:extLst>
+          </p:cNvPr>
+          <p:cNvSpPr>
+            <a:spLocks noGrp="1"/>
+          </p:cNvSpPr>
+          <p:nvPr>
+            <p:ph type="title"/>
+          </p:nvPr>
+        </p:nvSpPr>
+        <p:spPr/>
+        <p:txBody>
+          <a:bodyPr/>
+          <a:lstStyle/>
+          <a:p>
+            <a:r>
+              <a:rPr lang="tr-TR" dirty="0" err="1"/>
+              <a:t>demo</a:t>
+            </a:r>
+            <a:endParaRPr lang="tr-TR" dirty="0"/>
+          </a:p>
+        </p:txBody>
+      </p:sp>
+      <p:sp>
+        <p:nvSpPr>
+          <p:cNvPr id="3" name="Metin kutusu 2">
+            <a:extLst>
+              <a:ext uri="{FF2B5EF4-FFF2-40B4-BE49-F238E27FC236}">
+                <a16:creationId xmlns:a16="http://schemas.microsoft.com/office/drawing/2014/main" id="{996B5356-D793-4561-8000-D5BC9F1A5FFF}"/>
+              </a:ext>
+            </a:extLst>
+          </p:cNvPr>
+          <p:cNvSpPr txBox="1"/>
+          <p:nvPr/>
+        </p:nvSpPr>
+        <p:spPr>
+          <a:xfrm>
+            <a:off x="4913977" y="2367170"/>
+            <a:ext cx="2034596" cy="1200329"/>
+          </a:xfrm>
+          <a:prstGeom prst="rect">
+            <a:avLst/>
+          </a:prstGeom>
+          <a:noFill/>
+        </p:spPr>
+        <p:txBody>
+          <a:bodyPr wrap="none" rtlCol="0">
+            <a:spAutoFit/>
+          </a:bodyPr>
+          <a:lstStyle/>
+          <a:p>
+            <a:r>
+              <a:rPr lang="tr-TR" b="1" dirty="0"/>
+              <a:t>BEŞİNCİ  ADIM</a:t>
+            </a:r>
+          </a:p>
+          <a:p>
+            <a:endParaRPr lang="tr-TR" b="1" dirty="0"/>
+          </a:p>
+          <a:p>
+            <a:r>
+              <a:rPr lang="tr-TR" dirty="0"/>
+              <a:t>Formaların fotoğrafı</a:t>
+            </a:r>
+          </a:p>
+          <a:p>
+            <a:r>
+              <a:rPr lang="tr-TR" dirty="0"/>
+              <a:t>çekilir.</a:t>
+            </a:r>
+          </a:p>
+        </p:txBody>
+      </p:sp>
+      <p:sp>
+        <p:nvSpPr>
+          <p:cNvPr id="4" name="Metin kutusu 3">
+            <a:extLst>
+              <a:ext uri="{FF2B5EF4-FFF2-40B4-BE49-F238E27FC236}">
+                <a16:creationId xmlns:a16="http://schemas.microsoft.com/office/drawing/2014/main" id="{DA49494C-81F6-4DBD-9367-4C72BBE06E7D}"/>
+              </a:ext>
+            </a:extLst>
+          </p:cNvPr>
+          <p:cNvSpPr txBox="1"/>
+          <p:nvPr/>
+        </p:nvSpPr>
+        <p:spPr>
+          <a:xfrm>
+            <a:off x="1313260" y="2367170"/>
+            <a:ext cx="2351285" cy="923330"/>
+          </a:xfrm>
+          <a:prstGeom prst="rect">
+            <a:avLst/>
+          </a:prstGeom>
+          <a:noFill/>
+        </p:spPr>
+        <p:txBody>
+          <a:bodyPr wrap="none" rtlCol="0">
+            <a:spAutoFit/>
+          </a:bodyPr>
+          <a:lstStyle/>
+          <a:p>
+            <a:r>
+              <a:rPr lang="tr-TR" b="1" dirty="0"/>
+              <a:t>DÖRDÜNCÜ ADIM</a:t>
+            </a:r>
+          </a:p>
+          <a:p>
+            <a:endParaRPr lang="tr-TR" dirty="0"/>
+          </a:p>
+          <a:p>
+            <a:r>
+              <a:rPr lang="tr-TR" dirty="0"/>
+              <a:t>Sınav yapılır</a:t>
+            </a:r>
+          </a:p>
+        </p:txBody>
+      </p:sp>
+      <p:pic>
+        <p:nvPicPr>
+          <p:cNvPr id="8" name="Resim 7" descr="metin içeren bir resim&#10;&#10;Açıklama otomatik olarak oluşturuldu">
+            <a:extLst>
+              <a:ext uri="{FF2B5EF4-FFF2-40B4-BE49-F238E27FC236}">
+                <a16:creationId xmlns:a16="http://schemas.microsoft.com/office/drawing/2014/main" id="{9D3B6A76-4495-4B5B-BCBA-1FC0A3913FB1}"/>
+              </a:ext>
+            </a:extLst>
+          </p:cNvPr>
+          <p:cNvPicPr>
+            <a:picLocks noChangeAspect="1"/>
+          </p:cNvPicPr>
+          <p:nvPr/>
+        </p:nvPicPr>
+        <p:blipFill>
+          <a:blip r:embed="rId2">
+            <a:extLst>
+              <a:ext uri="{28A0092B-C50C-407E-A947-70E740481C1C}">
+                <a14:useLocalDpi xmlns:a14="http://schemas.microsoft.com/office/drawing/2010/main" val="0"/>
+              </a:ext>
+            </a:extLst>
+          </a:blip>
+          <a:stretch>
+            <a:fillRect/>
+          </a:stretch>
+        </p:blipFill>
+        <p:spPr>
+          <a:xfrm>
+            <a:off x="7572228" y="712595"/>
+            <a:ext cx="3866857" cy="5155809"/>
+          </a:xfrm>
+          <a:prstGeom prst="rect">
+            <a:avLst/>
+          </a:prstGeom>
+        </p:spPr>
+      </p:pic>
+    </p:spTree>
+    <p:extLst>
+      <p:ext uri="{BB962C8B-B14F-4D97-AF65-F5344CB8AC3E}">
+        <p14:creationId xmlns:p14="http://schemas.microsoft.com/office/powerpoint/2010/main" val="773467658"/>
+      </p:ext>
+    </p:extLst>
+  </p:cSld>
+  <p:clrMapOvr>
+    <a:masterClrMapping/>
+  </p:clrMapOvr>
+</p:sld>
+</file>
+
+<file path=ppt/slides/slide14.xml><?xml version="1.0" encoding="utf-8"?>
+<p:sld xmlns:a="http://schemas.openxmlformats.org/drawingml/2006/main" xmlns:r="http://schemas.openxmlformats.org/officeDocument/2006/relationships" xmlns:p="http://schemas.openxmlformats.org/presentationml/2006/main">
+  <p:cSld>
+    <p:spTree>
+      <p:nvGrpSpPr>
+        <p:cNvPr id="1" name=""/>
+        <p:cNvGrpSpPr/>
+        <p:nvPr/>
+      </p:nvGrpSpPr>
+      <p:grpSpPr>
+        <a:xfrm>
+          <a:off x="0" y="0"/>
+          <a:ext cx="0" cy="0"/>
+          <a:chOff x="0" y="0"/>
+          <a:chExt cx="0" cy="0"/>
+        </a:xfrm>
+      </p:grpSpPr>
+      <p:sp>
+        <p:nvSpPr>
+          <p:cNvPr id="2" name="Başlık 1">
+            <a:extLst>
+              <a:ext uri="{FF2B5EF4-FFF2-40B4-BE49-F238E27FC236}">
+                <a16:creationId xmlns:a16="http://schemas.microsoft.com/office/drawing/2014/main" id="{20168531-7332-4BAA-9E13-76E5313A1A8A}"/>
+              </a:ext>
+            </a:extLst>
+          </p:cNvPr>
+          <p:cNvSpPr>
+            <a:spLocks noGrp="1"/>
+          </p:cNvSpPr>
+          <p:nvPr>
+            <p:ph type="title"/>
+          </p:nvPr>
+        </p:nvSpPr>
+        <p:spPr/>
+        <p:txBody>
+          <a:bodyPr/>
+          <a:lstStyle/>
+          <a:p>
+            <a:r>
+              <a:rPr lang="tr-TR" dirty="0" err="1"/>
+              <a:t>demo</a:t>
+            </a:r>
+            <a:endParaRPr lang="tr-TR" dirty="0"/>
+          </a:p>
+        </p:txBody>
+      </p:sp>
+      <p:sp>
+        <p:nvSpPr>
+          <p:cNvPr id="4" name="Metin kutusu 3">
+            <a:extLst>
+              <a:ext uri="{FF2B5EF4-FFF2-40B4-BE49-F238E27FC236}">
+                <a16:creationId xmlns:a16="http://schemas.microsoft.com/office/drawing/2014/main" id="{DA49494C-81F6-4DBD-9367-4C72BBE06E7D}"/>
+              </a:ext>
+            </a:extLst>
+          </p:cNvPr>
+          <p:cNvSpPr txBox="1"/>
+          <p:nvPr/>
+        </p:nvSpPr>
+        <p:spPr>
+          <a:xfrm>
+            <a:off x="1313260" y="2367170"/>
+            <a:ext cx="2046714" cy="1754326"/>
+          </a:xfrm>
+          <a:prstGeom prst="rect">
+            <a:avLst/>
+          </a:prstGeom>
+          <a:noFill/>
+        </p:spPr>
+        <p:txBody>
+          <a:bodyPr wrap="none" rtlCol="0">
+            <a:spAutoFit/>
+          </a:bodyPr>
+          <a:lstStyle/>
+          <a:p>
+            <a:r>
+              <a:rPr lang="tr-TR" b="1" dirty="0"/>
+              <a:t>ALTINCI ADIM</a:t>
+            </a:r>
+          </a:p>
+          <a:p>
+            <a:endParaRPr lang="tr-TR" b="1" dirty="0"/>
+          </a:p>
+          <a:p>
+            <a:r>
+              <a:rPr lang="tr-TR" dirty="0"/>
+              <a:t>Masaüstü ara yüzü </a:t>
+            </a:r>
+          </a:p>
+          <a:p>
+            <a:r>
+              <a:rPr lang="tr-TR" dirty="0"/>
+              <a:t>kullanılarak formlar </a:t>
+            </a:r>
+          </a:p>
+          <a:p>
+            <a:r>
+              <a:rPr lang="tr-TR" dirty="0"/>
+              <a:t>okunur ve sunucuya</a:t>
+            </a:r>
+          </a:p>
+          <a:p>
+            <a:r>
+              <a:rPr lang="tr-TR" dirty="0"/>
+              <a:t>gönderilir.</a:t>
+            </a:r>
+          </a:p>
+        </p:txBody>
+      </p:sp>
+      <p:sp>
+        <p:nvSpPr>
+          <p:cNvPr id="7" name="Metin kutusu 6">
+            <a:extLst>
+              <a:ext uri="{FF2B5EF4-FFF2-40B4-BE49-F238E27FC236}">
+                <a16:creationId xmlns:a16="http://schemas.microsoft.com/office/drawing/2014/main" id="{940289FA-3942-4119-9211-32C528CE7F69}"/>
+              </a:ext>
+            </a:extLst>
+          </p:cNvPr>
+          <p:cNvSpPr txBox="1"/>
+          <p:nvPr/>
+        </p:nvSpPr>
+        <p:spPr>
+          <a:xfrm>
+            <a:off x="4787368" y="2367170"/>
+            <a:ext cx="5703356" cy="923330"/>
+          </a:xfrm>
+          <a:prstGeom prst="rect">
+            <a:avLst/>
+          </a:prstGeom>
+          <a:noFill/>
+        </p:spPr>
+        <p:txBody>
+          <a:bodyPr wrap="none" rtlCol="0">
+            <a:spAutoFit/>
+          </a:bodyPr>
+          <a:lstStyle/>
+          <a:p>
+            <a:r>
+              <a:rPr lang="tr-TR" b="1" dirty="0"/>
+              <a:t>SON OLARAK</a:t>
+            </a:r>
+          </a:p>
+          <a:p>
+            <a:endParaRPr lang="tr-TR" b="1" dirty="0"/>
+          </a:p>
+          <a:p>
+            <a:r>
+              <a:rPr lang="tr-TR" dirty="0"/>
+              <a:t>Web ara yüzü ile sonuçlara ve sınav analizlerine ulaşabiliriz.</a:t>
+            </a:r>
+          </a:p>
+        </p:txBody>
+      </p:sp>
+    </p:spTree>
+    <p:extLst>
+      <p:ext uri="{BB962C8B-B14F-4D97-AF65-F5344CB8AC3E}">
+        <p14:creationId xmlns:p14="http://schemas.microsoft.com/office/powerpoint/2010/main" val="1208345272"/>
+      </p:ext>
+    </p:extLst>
+  </p:cSld>
+  <p:clrMapOvr>
+    <a:masterClrMapping/>
+  </p:clrMapOvr>
+</p:sld>
+</file>
+
+<file path=ppt/slides/slide15.xml><?xml version="1.0" encoding="utf-8"?>
+<p:sld xmlns:a="http://schemas.openxmlformats.org/drawingml/2006/main" xmlns:r="http://schemas.openxmlformats.org/officeDocument/2006/relationships" xmlns:p="http://schemas.openxmlformats.org/presentationml/2006/main">
+  <p:cSld>
+    <p:spTree>
+      <p:nvGrpSpPr>
+        <p:cNvPr id="1" name=""/>
+        <p:cNvGrpSpPr/>
+        <p:nvPr/>
+      </p:nvGrpSpPr>
+      <p:grpSpPr>
+        <a:xfrm>
+          <a:off x="0" y="0"/>
+          <a:ext cx="0" cy="0"/>
+          <a:chOff x="0" y="0"/>
+          <a:chExt cx="0" cy="0"/>
+        </a:xfrm>
+      </p:grpSpPr>
+      <p:sp>
+        <p:nvSpPr>
+          <p:cNvPr id="2" name="Başlık 1">
+            <a:extLst>
+              <a:ext uri="{FF2B5EF4-FFF2-40B4-BE49-F238E27FC236}">
+                <a16:creationId xmlns:a16="http://schemas.microsoft.com/office/drawing/2014/main" id="{20168531-7332-4BAA-9E13-76E5313A1A8A}"/>
+              </a:ext>
+            </a:extLst>
+          </p:cNvPr>
+          <p:cNvSpPr>
+            <a:spLocks noGrp="1"/>
+          </p:cNvSpPr>
+          <p:nvPr>
+            <p:ph type="title"/>
+          </p:nvPr>
+        </p:nvSpPr>
+        <p:spPr/>
+        <p:txBody>
+          <a:bodyPr/>
+          <a:lstStyle/>
+          <a:p>
+            <a:r>
+              <a:rPr lang="tr-TR" dirty="0"/>
+              <a:t>katılımlarınız için teşekkürler ederiz.</a:t>
+            </a:r>
+          </a:p>
+        </p:txBody>
+      </p:sp>
+      <p:sp>
+        <p:nvSpPr>
+          <p:cNvPr id="3" name="Başlık 1">
+            <a:extLst>
+              <a:ext uri="{FF2B5EF4-FFF2-40B4-BE49-F238E27FC236}">
+                <a16:creationId xmlns:a16="http://schemas.microsoft.com/office/drawing/2014/main" id="{E5C9BD16-1CFC-44CF-A5F3-EC680DD040AB}"/>
+              </a:ext>
+            </a:extLst>
+          </p:cNvPr>
+          <p:cNvSpPr txBox="1">
+            <a:spLocks/>
+          </p:cNvSpPr>
+          <p:nvPr/>
+        </p:nvSpPr>
+        <p:spPr>
+          <a:xfrm>
+            <a:off x="1451578" y="2110470"/>
+            <a:ext cx="9603275" cy="1049235"/>
+          </a:xfrm>
+          <a:prstGeom prst="rect">
+            <a:avLst/>
+          </a:prstGeom>
+        </p:spPr>
+        <p:txBody>
+          <a:bodyPr vert="horz" lIns="91440" tIns="45720" rIns="91440" bIns="45720" rtlCol="0" anchor="t">
+            <a:normAutofit/>
+          </a:bodyPr>
+          <a:lstStyle>
+            <a:lvl1pPr algn="l" defTabSz="914400" rtl="0" eaLnBrk="1" latinLnBrk="0" hangingPunct="1">
+              <a:lnSpc>
+                <a:spcPct val="90000"/>
+              </a:lnSpc>
+              <a:spcBef>
+                <a:spcPct val="0"/>
+              </a:spcBef>
+              <a:buNone/>
+              <a:defRPr sz="3200" b="0" i="0" kern="1200" cap="all">
+                <a:solidFill>
+                  <a:schemeClr val="tx1"/>
+                </a:solidFill>
+                <a:effectLst/>
+                <a:latin typeface="+mj-lt"/>
+                <a:ea typeface="+mj-ea"/>
+                <a:cs typeface="+mj-cs"/>
+              </a:defRPr>
+            </a:lvl1pPr>
+          </a:lstStyle>
+          <a:p>
+            <a:r>
+              <a:rPr lang="tr-TR" dirty="0"/>
+              <a:t>önerileriniz ?</a:t>
+            </a:r>
+          </a:p>
+        </p:txBody>
+      </p:sp>
+      <p:sp>
+        <p:nvSpPr>
+          <p:cNvPr id="5" name="Başlık 1">
+            <a:extLst>
+              <a:ext uri="{FF2B5EF4-FFF2-40B4-BE49-F238E27FC236}">
+                <a16:creationId xmlns:a16="http://schemas.microsoft.com/office/drawing/2014/main" id="{54F7DB12-40CB-4BDC-AE4D-4B9D1DBF3232}"/>
+              </a:ext>
+            </a:extLst>
+          </p:cNvPr>
+          <p:cNvSpPr txBox="1">
+            <a:spLocks/>
+          </p:cNvSpPr>
+          <p:nvPr/>
+        </p:nvSpPr>
+        <p:spPr>
+          <a:xfrm>
+            <a:off x="1294362" y="4479629"/>
+            <a:ext cx="9603275" cy="1049235"/>
+          </a:xfrm>
+          <a:prstGeom prst="rect">
+            <a:avLst/>
+          </a:prstGeom>
+        </p:spPr>
+        <p:txBody>
+          <a:bodyPr vert="horz" lIns="91440" tIns="45720" rIns="91440" bIns="45720" rtlCol="0" anchor="t">
+            <a:normAutofit/>
+          </a:bodyPr>
+          <a:lstStyle>
+            <a:lvl1pPr algn="l" defTabSz="914400" rtl="0" eaLnBrk="1" latinLnBrk="0" hangingPunct="1">
+              <a:lnSpc>
+                <a:spcPct val="90000"/>
+              </a:lnSpc>
+              <a:spcBef>
+                <a:spcPct val="0"/>
+              </a:spcBef>
+              <a:buNone/>
+              <a:defRPr sz="3200" b="0" i="0" kern="1200" cap="all">
+                <a:solidFill>
+                  <a:schemeClr val="tx1"/>
+                </a:solidFill>
+                <a:effectLst/>
+                <a:latin typeface="+mj-lt"/>
+                <a:ea typeface="+mj-ea"/>
+                <a:cs typeface="+mj-cs"/>
+              </a:defRPr>
+            </a:lvl1pPr>
+          </a:lstStyle>
+          <a:p>
+            <a:r>
+              <a:rPr lang="tr-TR" dirty="0"/>
+              <a:t>sorularınız ?</a:t>
             </a:r>
           </a:p>
         </p:txBody>
@@ -4465,13 +5281,8 @@
           <a:p>
             <a:r>
               <a:rPr lang="tr-TR" sz="2400" b="1" dirty="0"/>
-              <a:t>Optik Sınav Formu </a:t>
-            </a:r>
-            <a:r>
-              <a:rPr lang="tr-TR" sz="2400" b="1" dirty="0" err="1"/>
-              <a:t>Okuyusucu</a:t>
-            </a:r>
-            <a:endParaRPr lang="tr-TR" sz="2400" b="1" dirty="0"/>
+              <a:t>Optik Sınav Formu Okuyucusu</a:t>
+            </a:r>
           </a:p>
           <a:p>
             <a:r>
@@ -4486,11 +5297,11 @@
             </a:r>
             <a:r>
               <a:rPr lang="tr-TR" dirty="0" err="1"/>
-              <a:t>To-Du</a:t>
+              <a:t>To</a:t>
             </a:r>
             <a:r>
               <a:rPr lang="tr-TR" dirty="0"/>
-              <a:t> Uygulaması</a:t>
+              <a:t>-Do Uygulaması</a:t>
             </a:r>
           </a:p>
           <a:p>
@@ -4542,7 +5353,7 @@
           <p:cNvPr id="2" name="Başlık 1">
             <a:extLst>
               <a:ext uri="{FF2B5EF4-FFF2-40B4-BE49-F238E27FC236}">
-                <a16:creationId xmlns:a16="http://schemas.microsoft.com/office/drawing/2014/main" id="{68EFB24A-AF48-4A54-812F-9CC1D40C635D}"/>
+                <a16:creationId xmlns:a16="http://schemas.microsoft.com/office/drawing/2014/main" id="{BFC0D1B8-2782-4030-A046-ADEA20CF86C9}"/>
               </a:ext>
             </a:extLst>
           </p:cNvPr>
@@ -4559,8 +5370,12 @@
           <a:lstStyle/>
           <a:p>
             <a:r>
+              <a:rPr lang="tr-TR" dirty="0" err="1"/>
+              <a:t>PROJEnin</a:t>
+            </a:r>
+            <a:r>
               <a:rPr lang="tr-TR" dirty="0"/>
-              <a:t>OPTİK FORM OKUYUCU</a:t>
+              <a:t> amacı : </a:t>
             </a:r>
           </a:p>
         </p:txBody>
@@ -4570,7 +5385,7 @@
           <p:cNvPr id="3" name="İçerik Yer Tutucusu 2">
             <a:extLst>
               <a:ext uri="{FF2B5EF4-FFF2-40B4-BE49-F238E27FC236}">
-                <a16:creationId xmlns:a16="http://schemas.microsoft.com/office/drawing/2014/main" id="{3952E0CE-8413-461F-B74A-F3242B7B1B5E}"/>
+                <a16:creationId xmlns:a16="http://schemas.microsoft.com/office/drawing/2014/main" id="{7F1EEC49-7964-4DD0-8C41-CB4C6F8C20F0}"/>
               </a:ext>
             </a:extLst>
           </p:cNvPr>
@@ -4581,7 +5396,12 @@
             <p:ph idx="1"/>
           </p:nvPr>
         </p:nvSpPr>
-        <p:spPr/>
+        <p:spPr>
+          <a:xfrm>
+            <a:off x="1451579" y="2015732"/>
+            <a:ext cx="9603275" cy="2499997"/>
+          </a:xfrm>
+        </p:spPr>
         <p:txBody>
           <a:bodyPr/>
           <a:lstStyle/>
@@ -4591,61 +5411,45 @@
             </a:pPr>
             <a:r>
               <a:rPr lang="tr-TR" dirty="0"/>
-              <a:t>Üç Bölümden Oluşmaktadır.</a:t>
-            </a:r>
-            <a:endParaRPr lang="tr-TR" sz="2800" dirty="0"/>
-          </a:p>
-          <a:p>
-            <a:pPr lvl="1"/>
-            <a:r>
-              <a:rPr lang="tr-TR" sz="2800" dirty="0"/>
-              <a:t>REST-API ve Web Uygulaması</a:t>
-            </a:r>
-          </a:p>
-          <a:p>
-            <a:pPr marL="457200" lvl="1" indent="0">
-              <a:buNone/>
+              <a:t>-  Öğretmen ve öğrencilerin hazırladıkları sınavları hızlı bir şekilde değerlendirebilmeleri</a:t>
+            </a:r>
+          </a:p>
+          <a:p>
+            <a:pPr>
+              <a:buFontTx/>
+              <a:buChar char="-"/>
             </a:pPr>
-            <a:endParaRPr lang="tr-TR" sz="2800" dirty="0"/>
-          </a:p>
-          <a:p>
-            <a:pPr lvl="1"/>
-            <a:r>
-              <a:rPr lang="tr-TR" sz="2800" dirty="0"/>
-              <a:t>Optik Form Okuma</a:t>
-            </a:r>
-          </a:p>
-          <a:p>
-            <a:pPr marL="457200" lvl="1" indent="0">
-              <a:buNone/>
+            <a:r>
+              <a:rPr lang="tr-TR" dirty="0"/>
+              <a:t>Ek donanıma ihtiyaç duymadan, cep telefonu ile kamerası veya tarayıcı ile okunacak formların bilgisayar ortamına aktarılabilmek</a:t>
+            </a:r>
+          </a:p>
+          <a:p>
+            <a:pPr>
+              <a:buFontTx/>
+              <a:buChar char="-"/>
             </a:pPr>
-            <a:endParaRPr lang="tr-TR" sz="2800" dirty="0"/>
-          </a:p>
-          <a:p>
-            <a:pPr lvl="1"/>
-            <a:r>
-              <a:rPr lang="tr-TR" sz="2800" dirty="0"/>
-              <a:t>Masaüstü Ara Yüzü</a:t>
-            </a:r>
-          </a:p>
-          <a:p>
-            <a:pPr marL="457200" lvl="1" indent="0">
-              <a:buNone/>
+            <a:r>
+              <a:rPr lang="tr-TR" dirty="0"/>
+              <a:t>Sınavların değerlendirilmesindeki maliyeti ortadan kaldırmak</a:t>
+            </a:r>
+          </a:p>
+          <a:p>
+            <a:pPr>
+              <a:buFontTx/>
+              <a:buChar char="-"/>
             </a:pPr>
-            <a:endParaRPr lang="tr-TR" sz="2800" dirty="0"/>
-          </a:p>
-          <a:p>
-            <a:pPr marL="457200" lvl="1" indent="0">
-              <a:buNone/>
-            </a:pPr>
-            <a:endParaRPr lang="tr-TR" sz="2800" dirty="0"/>
+            <a:r>
+              <a:rPr lang="tr-TR" dirty="0"/>
+              <a:t>Sınav analizleri ve raporlarının hazırlanmasını kolaylaştırmak</a:t>
+            </a:r>
           </a:p>
         </p:txBody>
       </p:sp>
     </p:spTree>
     <p:extLst>
       <p:ext uri="{BB962C8B-B14F-4D97-AF65-F5344CB8AC3E}">
-        <p14:creationId xmlns:p14="http://schemas.microsoft.com/office/powerpoint/2010/main" val="622964702"/>
+        <p14:creationId xmlns:p14="http://schemas.microsoft.com/office/powerpoint/2010/main" val="2707560527"/>
       </p:ext>
     </p:extLst>
   </p:cSld>
@@ -4677,6 +5481,159 @@
           <p:cNvPr id="2" name="Başlık 1">
             <a:extLst>
               <a:ext uri="{FF2B5EF4-FFF2-40B4-BE49-F238E27FC236}">
+                <a16:creationId xmlns:a16="http://schemas.microsoft.com/office/drawing/2014/main" id="{68EFB24A-AF48-4A54-812F-9CC1D40C635D}"/>
+              </a:ext>
+            </a:extLst>
+          </p:cNvPr>
+          <p:cNvSpPr>
+            <a:spLocks noGrp="1"/>
+          </p:cNvSpPr>
+          <p:nvPr>
+            <p:ph type="title"/>
+          </p:nvPr>
+        </p:nvSpPr>
+        <p:spPr/>
+        <p:txBody>
+          <a:bodyPr/>
+          <a:lstStyle/>
+          <a:p>
+            <a:r>
+              <a:rPr lang="tr-TR" dirty="0"/>
+              <a:t>OPTİK FORM OKUYUCU</a:t>
+            </a:r>
+          </a:p>
+        </p:txBody>
+      </p:sp>
+      <p:sp>
+        <p:nvSpPr>
+          <p:cNvPr id="3" name="İçerik Yer Tutucusu 2">
+            <a:extLst>
+              <a:ext uri="{FF2B5EF4-FFF2-40B4-BE49-F238E27FC236}">
+                <a16:creationId xmlns:a16="http://schemas.microsoft.com/office/drawing/2014/main" id="{3952E0CE-8413-461F-B74A-F3242B7B1B5E}"/>
+              </a:ext>
+            </a:extLst>
+          </p:cNvPr>
+          <p:cNvSpPr>
+            <a:spLocks noGrp="1"/>
+          </p:cNvSpPr>
+          <p:nvPr>
+            <p:ph idx="1"/>
+          </p:nvPr>
+        </p:nvSpPr>
+        <p:spPr/>
+        <p:txBody>
+          <a:bodyPr>
+            <a:normAutofit/>
+          </a:bodyPr>
+          <a:lstStyle/>
+          <a:p>
+            <a:pPr marL="0" indent="0">
+              <a:buNone/>
+            </a:pPr>
+            <a:r>
+              <a:rPr lang="tr-TR" dirty="0"/>
+              <a:t>Üç Bölümden Oluşmaktadır.</a:t>
+            </a:r>
+            <a:endParaRPr lang="tr-TR" sz="2800" dirty="0"/>
+          </a:p>
+          <a:p>
+            <a:pPr lvl="1"/>
+            <a:r>
+              <a:rPr lang="tr-TR" sz="2800" dirty="0"/>
+              <a:t>REST-API ve Web Uygulaması  ( </a:t>
+            </a:r>
+            <a:r>
+              <a:rPr lang="tr-TR" sz="2800" dirty="0" err="1"/>
+              <a:t>django</a:t>
+            </a:r>
+            <a:r>
+              <a:rPr lang="tr-TR" sz="2800" dirty="0"/>
+              <a:t> )</a:t>
+            </a:r>
+          </a:p>
+          <a:p>
+            <a:pPr marL="457200" lvl="1" indent="0">
+              <a:buNone/>
+            </a:pPr>
+            <a:endParaRPr lang="tr-TR" sz="2800" dirty="0"/>
+          </a:p>
+          <a:p>
+            <a:pPr lvl="1"/>
+            <a:r>
+              <a:rPr lang="tr-TR" sz="2800" dirty="0"/>
+              <a:t>Optik Form Okuma ( </a:t>
+            </a:r>
+            <a:r>
+              <a:rPr lang="tr-TR" sz="2800" dirty="0" err="1"/>
+              <a:t>opencv</a:t>
+            </a:r>
+            <a:r>
+              <a:rPr lang="tr-TR" sz="2800" dirty="0"/>
+              <a:t> )</a:t>
+            </a:r>
+          </a:p>
+          <a:p>
+            <a:pPr marL="457200" lvl="1" indent="0">
+              <a:buNone/>
+            </a:pPr>
+            <a:endParaRPr lang="tr-TR" sz="2800" dirty="0"/>
+          </a:p>
+          <a:p>
+            <a:pPr lvl="1"/>
+            <a:r>
+              <a:rPr lang="tr-TR" sz="2800" dirty="0"/>
+              <a:t>Masaüstü Ara Yüzü ( pyqt5 )</a:t>
+            </a:r>
+          </a:p>
+          <a:p>
+            <a:pPr marL="457200" lvl="1" indent="0">
+              <a:buNone/>
+            </a:pPr>
+            <a:endParaRPr lang="tr-TR" sz="2800" dirty="0"/>
+          </a:p>
+          <a:p>
+            <a:pPr marL="457200" lvl="1" indent="0">
+              <a:buNone/>
+            </a:pPr>
+            <a:endParaRPr lang="tr-TR" sz="2800" dirty="0"/>
+          </a:p>
+        </p:txBody>
+      </p:sp>
+    </p:spTree>
+    <p:extLst>
+      <p:ext uri="{BB962C8B-B14F-4D97-AF65-F5344CB8AC3E}">
+        <p14:creationId xmlns:p14="http://schemas.microsoft.com/office/powerpoint/2010/main" val="622964702"/>
+      </p:ext>
+    </p:extLst>
+  </p:cSld>
+  <p:clrMapOvr>
+    <a:masterClrMapping/>
+  </p:clrMapOvr>
+</p:sld>
+</file>
+
+<file path=ppt/slides/slide5.xml><?xml version="1.0" encoding="utf-8"?>
+<p:sld xmlns:a="http://schemas.openxmlformats.org/drawingml/2006/main" xmlns:r="http://schemas.openxmlformats.org/officeDocument/2006/relationships" xmlns:p="http://schemas.openxmlformats.org/presentationml/2006/main">
+  <p:cSld>
+    <p:spTree>
+      <p:nvGrpSpPr>
+        <p:cNvPr id="1" name=""/>
+        <p:cNvGrpSpPr/>
+        <p:nvPr/>
+      </p:nvGrpSpPr>
+      <p:grpSpPr>
+        <a:xfrm>
+          <a:off x="0" y="0"/>
+          <a:ext cx="0" cy="0"/>
+          <a:chOff x="0" y="0"/>
+          <a:chExt cx="0" cy="0"/>
+        </a:xfrm>
+      </p:grpSpPr>
+      <p:sp>
+        <p:nvSpPr>
+          <p:cNvPr id="2" name="Başlık 1">
+            <a:extLst>
+              <a:ext uri="{FF2B5EF4-FFF2-40B4-BE49-F238E27FC236}">
                 <a16:creationId xmlns:a16="http://schemas.microsoft.com/office/drawing/2014/main" id="{97905E91-C2F8-49BB-8997-738F1AA9A1E7}"/>
               </a:ext>
             </a:extLst>
@@ -4753,7 +5710,7 @@
 </p:sld>
 </file>
 
-<file path=ppt/slides/slide5.xml><?xml version="1.0" encoding="utf-8"?>
+<file path=ppt/slides/slide6.xml><?xml version="1.0" encoding="utf-8"?>
 <p:sld xmlns:a="http://schemas.openxmlformats.org/drawingml/2006/main" xmlns:r="http://schemas.openxmlformats.org/officeDocument/2006/relationships" xmlns:p="http://schemas.openxmlformats.org/presentationml/2006/main">
   <p:cSld>
     <p:spTree>
@@ -4816,8 +5773,8 @@
         </p:nvSpPr>
         <p:spPr>
           <a:xfrm>
-            <a:off x="1451579" y="2405575"/>
-            <a:ext cx="5428474" cy="1477328"/>
+            <a:off x="1083212" y="2089370"/>
+            <a:ext cx="9971641" cy="1631216"/>
           </a:xfrm>
           <a:prstGeom prst="rect">
             <a:avLst/>
@@ -4825,59 +5782,40 @@
           <a:noFill/>
         </p:spPr>
         <p:txBody>
-          <a:bodyPr wrap="none" rtlCol="0">
+          <a:bodyPr wrap="square" rtlCol="0">
             <a:spAutoFit/>
           </a:bodyPr>
           <a:lstStyle/>
           <a:p>
             <a:r>
-              <a:rPr lang="tr-TR" dirty="0"/>
+              <a:rPr lang="tr-TR" sz="2000" dirty="0"/>
               <a:t>ÖĞRENCİ GİRİŞİ:</a:t>
             </a:r>
           </a:p>
           <a:p>
-            <a:endParaRPr lang="tr-TR" dirty="0"/>
-          </a:p>
-          <a:p>
-            <a:r>
-              <a:rPr lang="tr-TR" dirty="0"/>
-              <a:t>Öğrenciye verilen </a:t>
-            </a:r>
-            <a:r>
-              <a:rPr lang="tr-TR" dirty="0" err="1"/>
+            <a:endParaRPr lang="tr-TR" sz="2000" dirty="0"/>
+          </a:p>
+          <a:p>
+            <a:r>
+              <a:rPr lang="tr-TR" sz="2000" dirty="0"/>
+              <a:t>- Öğrenciye verilen KİMLİK (ID) optik formalarda öğrenciyi tanımlamak için kullanılacaktır. </a:t>
+            </a:r>
+          </a:p>
+          <a:p>
+            <a:endParaRPr lang="tr-TR" sz="2000" dirty="0"/>
+          </a:p>
+          <a:p>
+            <a:r>
+              <a:rPr lang="tr-TR" sz="2000" dirty="0"/>
+              <a:t>- Bu yüzden öğrenci sınava girmeden sisteme kayıt olarak </a:t>
+            </a:r>
+            <a:r>
+              <a:rPr lang="tr-TR" sz="2000" dirty="0" err="1"/>
               <a:t>id</a:t>
             </a:r>
             <a:r>
-              <a:rPr lang="tr-TR" dirty="0"/>
-              <a:t> optik formalarda öğrenciyi </a:t>
-            </a:r>
-          </a:p>
-          <a:p>
-            <a:r>
-              <a:rPr lang="tr-TR" dirty="0"/>
-              <a:t>tanımlamak için kullanılacaktır. Bu yüzden öğrenci sınava </a:t>
-            </a:r>
-          </a:p>
-          <a:p>
-            <a:r>
-              <a:rPr lang="tr-TR" dirty="0"/>
-              <a:t>girmeden </a:t>
-            </a:r>
-            <a:r>
-              <a:rPr lang="tr-TR" dirty="0" err="1"/>
-              <a:t>id</a:t>
-            </a:r>
-            <a:r>
-              <a:rPr lang="tr-TR" dirty="0"/>
-              <a:t> </a:t>
-            </a:r>
-            <a:r>
-              <a:rPr lang="tr-TR" dirty="0" err="1"/>
-              <a:t>nosu</a:t>
-            </a:r>
-            <a:r>
-              <a:rPr lang="tr-TR" dirty="0"/>
-              <a:t> almalı ve forma işlemelidir.</a:t>
+              <a:rPr lang="tr-TR" sz="2000" dirty="0"/>
+              <a:t>  almalı ve sınavda forma işlemelidir.</a:t>
             </a:r>
           </a:p>
         </p:txBody>
@@ -4931,7 +5869,7 @@
 </p:sld>
 </file>
 
-<file path=ppt/slides/slide6.xml><?xml version="1.0" encoding="utf-8"?>
+<file path=ppt/slides/slide7.xml><?xml version="1.0" encoding="utf-8"?>
 <p:sld xmlns:a="http://schemas.openxmlformats.org/drawingml/2006/main" xmlns:r="http://schemas.openxmlformats.org/officeDocument/2006/relationships" xmlns:p="http://schemas.openxmlformats.org/presentationml/2006/main">
   <p:cSld>
     <p:spTree>
@@ -4994,8 +5932,8 @@
         </p:nvSpPr>
         <p:spPr>
           <a:xfrm>
-            <a:off x="1451579" y="2405575"/>
-            <a:ext cx="10261271" cy="1200329"/>
+            <a:off x="1102073" y="1914221"/>
+            <a:ext cx="9987854" cy="1631216"/>
           </a:xfrm>
           <a:prstGeom prst="rect">
             <a:avLst/>
@@ -5003,29 +5941,39 @@
           <a:noFill/>
         </p:spPr>
         <p:txBody>
-          <a:bodyPr wrap="none" rtlCol="0">
+          <a:bodyPr wrap="square" rtlCol="0">
             <a:spAutoFit/>
           </a:bodyPr>
           <a:lstStyle/>
           <a:p>
             <a:r>
-              <a:rPr lang="tr-TR" dirty="0"/>
+              <a:rPr lang="tr-TR" sz="2000" dirty="0"/>
               <a:t>ÖĞRETMEN GİRİŞİ:</a:t>
             </a:r>
           </a:p>
           <a:p>
-            <a:endParaRPr lang="tr-TR" dirty="0"/>
-          </a:p>
-          <a:p>
-            <a:r>
-              <a:rPr lang="tr-TR" dirty="0"/>
-              <a:t>Öğretmen sınav yapmadan önce, web üzerinde sınav tanımlamalıdır. Kendisine verilen sınav kodu optik forma</a:t>
-            </a:r>
-          </a:p>
-          <a:p>
-            <a:r>
-              <a:rPr lang="tr-TR" dirty="0"/>
-              <a:t>işlenmelidir.</a:t>
+            <a:endParaRPr lang="tr-TR" sz="2000" dirty="0"/>
+          </a:p>
+          <a:p>
+            <a:pPr marL="342900" indent="-342900">
+              <a:buFontTx/>
+              <a:buChar char="-"/>
+            </a:pPr>
+            <a:r>
+              <a:rPr lang="tr-TR" sz="2000" dirty="0"/>
+              <a:t>Öğretmen sınav yapmadan önce, web üzerinde sınav tanımlamalıdır.</a:t>
+            </a:r>
+          </a:p>
+          <a:p>
+            <a:r>
+              <a:rPr lang="tr-TR" sz="2000" dirty="0"/>
+              <a:t> </a:t>
+            </a:r>
+          </a:p>
+          <a:p>
+            <a:r>
+              <a:rPr lang="tr-TR" sz="2000" dirty="0"/>
+              <a:t>-    Kendisine verilen sınav kodu optik forma işlenmelidir.</a:t>
             </a:r>
           </a:p>
         </p:txBody>
@@ -5079,7 +6027,7 @@
 </p:sld>
 </file>
 
-<file path=ppt/slides/slide7.xml><?xml version="1.0" encoding="utf-8"?>
+<file path=ppt/slides/slide8.xml><?xml version="1.0" encoding="utf-8"?>
 <p:sld xmlns:a="http://schemas.openxmlformats.org/drawingml/2006/main" xmlns:r="http://schemas.openxmlformats.org/officeDocument/2006/relationships" xmlns:p="http://schemas.openxmlformats.org/presentationml/2006/main">
   <p:cSld>
     <p:spTree>
@@ -5142,8 +6090,8 @@
         </p:nvSpPr>
         <p:spPr>
           <a:xfrm>
-            <a:off x="1451579" y="2405575"/>
-            <a:ext cx="4609211" cy="1477328"/>
+            <a:off x="1282767" y="2459504"/>
+            <a:ext cx="6089359" cy="1200329"/>
           </a:xfrm>
           <a:prstGeom prst="rect">
             <a:avLst/>
@@ -5157,35 +6105,29 @@
           <a:lstStyle/>
           <a:p>
             <a:r>
-              <a:rPr lang="tr-TR" dirty="0">
+              <a:rPr lang="tr-TR" sz="2400" dirty="0">
                 <a:hlinkClick r:id="rId2"/>
               </a:rPr>
               <a:t>https://github.com/Udayraj123/OMRChecker.git</a:t>
             </a:r>
-            <a:endParaRPr lang="tr-TR" dirty="0"/>
-          </a:p>
-          <a:p>
-            <a:endParaRPr lang="tr-TR" dirty="0"/>
-          </a:p>
-          <a:p>
-            <a:r>
-              <a:rPr lang="tr-TR" dirty="0"/>
+            <a:endParaRPr lang="tr-TR" sz="2400" dirty="0"/>
+          </a:p>
+          <a:p>
+            <a:endParaRPr lang="tr-TR" sz="2400" dirty="0"/>
+          </a:p>
+          <a:p>
+            <a:r>
+              <a:rPr lang="tr-TR" sz="2400" dirty="0"/>
               <a:t>adresinden </a:t>
             </a:r>
             <a:r>
-              <a:rPr lang="tr-TR" dirty="0" err="1"/>
+              <a:rPr lang="tr-TR" sz="2400" dirty="0" err="1"/>
               <a:t>fork</a:t>
             </a:r>
             <a:r>
-              <a:rPr lang="tr-TR" dirty="0"/>
+              <a:rPr lang="tr-TR" sz="2400" dirty="0"/>
               <a:t> edildi.</a:t>
             </a:r>
-          </a:p>
-          <a:p>
-            <a:endParaRPr lang="tr-TR" dirty="0"/>
-          </a:p>
-          <a:p>
-            <a:endParaRPr lang="tr-TR" dirty="0"/>
           </a:p>
         </p:txBody>
       </p:sp>
@@ -5202,7 +6144,7 @@
 </p:sld>
 </file>
 
-<file path=ppt/slides/slide8.xml><?xml version="1.0" encoding="utf-8"?>
+<file path=ppt/slides/slide9.xml><?xml version="1.0" encoding="utf-8"?>
 <p:sld xmlns:a="http://schemas.openxmlformats.org/drawingml/2006/main" xmlns:r="http://schemas.openxmlformats.org/officeDocument/2006/relationships" xmlns:p="http://schemas.openxmlformats.org/presentationml/2006/main">
   <p:cSld>
     <p:spTree>
@@ -5279,7 +6221,7 @@
         </p:blipFill>
         <p:spPr>
           <a:xfrm>
-            <a:off x="8015509" y="804519"/>
+            <a:off x="8631099" y="804518"/>
             <a:ext cx="3177502" cy="4494628"/>
           </a:xfrm>
           <a:prstGeom prst="rect">
@@ -5301,8 +6243,8 @@
         </p:nvSpPr>
         <p:spPr>
           <a:xfrm>
-            <a:off x="1268699" y="2053883"/>
-            <a:ext cx="6226769" cy="646331"/>
+            <a:off x="1025512" y="1942049"/>
+            <a:ext cx="7327134" cy="1631216"/>
           </a:xfrm>
           <a:prstGeom prst="rect">
             <a:avLst/>
@@ -5315,28 +6257,51 @@
           </a:bodyPr>
           <a:lstStyle/>
           <a:p>
-            <a:r>
-              <a:rPr lang="tr-TR" dirty="0"/>
-              <a:t>Hazırladığımız optik cevap kağıdına göre </a:t>
-            </a:r>
-            <a:r>
-              <a:rPr lang="tr-TR" dirty="0" err="1"/>
+            <a:pPr marL="285750" indent="-285750">
+              <a:buFontTx/>
+              <a:buChar char="-"/>
+            </a:pPr>
+            <a:r>
+              <a:rPr lang="tr-TR" sz="2000" dirty="0"/>
+              <a:t>Optik form hazırladık.</a:t>
+            </a:r>
+          </a:p>
+          <a:p>
+            <a:endParaRPr lang="tr-TR" sz="2000" dirty="0"/>
+          </a:p>
+          <a:p>
+            <a:pPr marL="285750" indent="-285750">
+              <a:buFontTx/>
+              <a:buChar char="-"/>
+            </a:pPr>
+            <a:r>
+              <a:rPr lang="tr-TR" sz="2000" dirty="0" err="1"/>
               <a:t>template.json</a:t>
             </a:r>
-            <a:endParaRPr lang="tr-TR" dirty="0"/>
-          </a:p>
-          <a:p>
-            <a:r>
-              <a:rPr lang="tr-TR" dirty="0"/>
-              <a:t>dosyası oluşturuldu ve </a:t>
-            </a:r>
-            <a:r>
-              <a:rPr lang="tr-TR" dirty="0" err="1"/>
-              <a:t>fork</a:t>
-            </a:r>
-            <a:r>
-              <a:rPr lang="tr-TR" dirty="0"/>
-              <a:t> edilen proje bunlara göre düzenlendi.</a:t>
+            <a:r>
+              <a:rPr lang="tr-TR" sz="2000" dirty="0"/>
+              <a:t> dosyası hazırladık.</a:t>
+            </a:r>
+          </a:p>
+          <a:p>
+            <a:endParaRPr lang="tr-TR" sz="2000" dirty="0"/>
+          </a:p>
+          <a:p>
+            <a:pPr marL="285750" indent="-285750">
+              <a:buFontTx/>
+              <a:buChar char="-"/>
+            </a:pPr>
+            <a:r>
+              <a:rPr lang="tr-TR" sz="2000" dirty="0"/>
+              <a:t>Optik forma ve </a:t>
+            </a:r>
+            <a:r>
+              <a:rPr lang="tr-TR" sz="2000" dirty="0" err="1"/>
+              <a:t>template.json</a:t>
+            </a:r>
+            <a:r>
+              <a:rPr lang="tr-TR" sz="2000" dirty="0"/>
+              <a:t> dosyasına göre düzenlemeler yaptık.</a:t>
             </a:r>
           </a:p>
         </p:txBody>
@@ -5369,7 +6334,7 @@
         </p:blipFill>
         <p:spPr>
           <a:xfrm>
-            <a:off x="6096000" y="3784672"/>
+            <a:off x="6185691" y="3784671"/>
             <a:ext cx="1524000" cy="1514475"/>
           </a:xfrm>
           <a:prstGeom prst="rect">
@@ -5392,20 +6357,20 @@
           <p:nvPr>
             <p:extLst>
               <p:ext uri="{D42A27DB-BD31-4B8C-83A1-F6EECF244321}">
-                <p14:modId xmlns:p14="http://schemas.microsoft.com/office/powerpoint/2010/main" val="826988122"/>
+                <p14:modId xmlns:p14="http://schemas.microsoft.com/office/powerpoint/2010/main" val="3539887384"/>
               </p:ext>
             </p:extLst>
           </p:nvPr>
         </p:nvGraphicFramePr>
         <p:xfrm>
-          <a:off x="1268699" y="3784671"/>
+          <a:off x="3176359" y="3969336"/>
           <a:ext cx="2548628" cy="1514475"/>
         </p:xfrm>
         <a:graphic>
           <a:graphicData uri="http://schemas.openxmlformats.org/presentationml/2006/ole">
             <mc:AlternateContent xmlns:mc="http://schemas.openxmlformats.org/markup-compatibility/2006">
               <mc:Choice xmlns:v="urn:schemas-microsoft-com:vml" Requires="v">
-                <p:oleObj spid="_x0000_s1033" name="Paketleyici Kabuk Nesnesi" showAsIcon="1" r:id="rId5" imgW="825120" imgH="491040" progId="Package">
+                <p:oleObj spid="_x0000_s1064" name="Paketleyici Kabuk Nesnesi" showAsIcon="1" r:id="rId5" imgW="825120" imgH="491040" progId="Package">
                   <p:embed/>
                 </p:oleObj>
               </mc:Choice>
@@ -5426,7 +6391,7 @@
                     </p:blipFill>
                     <p:spPr>
                       <a:xfrm>
-                        <a:off x="1268699" y="3784671"/>
+                        <a:off x="3176359" y="3969336"/>
                         <a:ext cx="2548628" cy="1514475"/>
                       </a:xfrm>
                       <a:prstGeom prst="rect">
@@ -5444,132 +6409,6 @@
     <p:extLst>
       <p:ext uri="{BB962C8B-B14F-4D97-AF65-F5344CB8AC3E}">
         <p14:creationId xmlns:p14="http://schemas.microsoft.com/office/powerpoint/2010/main" val="2609831053"/>
-      </p:ext>
-    </p:extLst>
-  </p:cSld>
-  <p:clrMapOvr>
-    <a:masterClrMapping/>
-  </p:clrMapOvr>
-</p:sld>
-</file>
-
-<file path=ppt/slides/slide9.xml><?xml version="1.0" encoding="utf-8"?>
-<p:sld xmlns:a="http://schemas.openxmlformats.org/drawingml/2006/main" xmlns:r="http://schemas.openxmlformats.org/officeDocument/2006/relationships" xmlns:p="http://schemas.openxmlformats.org/presentationml/2006/main">
-  <p:cSld>
-    <p:spTree>
-      <p:nvGrpSpPr>
-        <p:cNvPr id="1" name=""/>
-        <p:cNvGrpSpPr/>
-        <p:nvPr/>
-      </p:nvGrpSpPr>
-      <p:grpSpPr>
-        <a:xfrm>
-          <a:off x="0" y="0"/>
-          <a:ext cx="0" cy="0"/>
-          <a:chOff x="0" y="0"/>
-          <a:chExt cx="0" cy="0"/>
-        </a:xfrm>
-      </p:grpSpPr>
-      <p:sp>
-        <p:nvSpPr>
-          <p:cNvPr id="2" name="Başlık 1">
-            <a:extLst>
-              <a:ext uri="{FF2B5EF4-FFF2-40B4-BE49-F238E27FC236}">
-                <a16:creationId xmlns:a16="http://schemas.microsoft.com/office/drawing/2014/main" id="{85F3963A-1D4E-4306-B04C-8FF6A60EB33B}"/>
-              </a:ext>
-            </a:extLst>
-          </p:cNvPr>
-          <p:cNvSpPr>
-            <a:spLocks noGrp="1"/>
-          </p:cNvSpPr>
-          <p:nvPr>
-            <p:ph type="title"/>
-          </p:nvPr>
-        </p:nvSpPr>
-        <p:spPr/>
-        <p:txBody>
-          <a:bodyPr/>
-          <a:lstStyle/>
-          <a:p>
-            <a:r>
-              <a:rPr lang="tr-TR" dirty="0"/>
-              <a:t>MASAÜSÜTÜ ARAYÜZÜ</a:t>
-            </a:r>
-          </a:p>
-        </p:txBody>
-      </p:sp>
-      <p:sp>
-        <p:nvSpPr>
-          <p:cNvPr id="3" name="İçerik Yer Tutucusu 2">
-            <a:extLst>
-              <a:ext uri="{FF2B5EF4-FFF2-40B4-BE49-F238E27FC236}">
-                <a16:creationId xmlns:a16="http://schemas.microsoft.com/office/drawing/2014/main" id="{47710F72-9082-4833-BEA4-ED272BED9678}"/>
-              </a:ext>
-            </a:extLst>
-          </p:cNvPr>
-          <p:cNvSpPr>
-            <a:spLocks noGrp="1"/>
-          </p:cNvSpPr>
-          <p:nvPr>
-            <p:ph idx="1"/>
-          </p:nvPr>
-        </p:nvSpPr>
-        <p:spPr/>
-        <p:txBody>
-          <a:bodyPr/>
-          <a:lstStyle/>
-          <a:p>
-            <a:r>
-              <a:rPr lang="tr-TR" dirty="0"/>
-              <a:t>Kullanıcı Giriş Ekranı:</a:t>
-            </a:r>
-          </a:p>
-          <a:p>
-            <a:pPr marL="0" indent="0">
-              <a:buNone/>
-            </a:pPr>
-            <a:endParaRPr lang="tr-TR" dirty="0"/>
-          </a:p>
-        </p:txBody>
-      </p:sp>
-      <p:pic>
-        <p:nvPicPr>
-          <p:cNvPr id="4" name="Resim 3" descr="ekran görüntüsü içeren bir resim&#10;&#10;Açıklama otomatik olarak oluşturuldu">
-            <a:extLst>
-              <a:ext uri="{FF2B5EF4-FFF2-40B4-BE49-F238E27FC236}">
-                <a16:creationId xmlns:a16="http://schemas.microsoft.com/office/drawing/2014/main" id="{2533905A-6514-49F5-BA94-60E05FAFB188}"/>
-              </a:ext>
-            </a:extLst>
-          </p:cNvPr>
-          <p:cNvPicPr/>
-          <p:nvPr/>
-        </p:nvPicPr>
-        <p:blipFill>
-          <a:blip r:embed="rId2">
-            <a:extLst>
-              <a:ext uri="{28A0092B-C50C-407E-A947-70E740481C1C}">
-                <a14:useLocalDpi xmlns:a14="http://schemas.microsoft.com/office/drawing/2010/main" val="0"/>
-              </a:ext>
-            </a:extLst>
-          </a:blip>
-          <a:stretch>
-            <a:fillRect/>
-          </a:stretch>
-        </p:blipFill>
-        <p:spPr>
-          <a:xfrm>
-            <a:off x="5219383" y="1853754"/>
-            <a:ext cx="4191904" cy="4199727"/>
-          </a:xfrm>
-          <a:prstGeom prst="rect">
-            <a:avLst/>
-          </a:prstGeom>
-        </p:spPr>
-      </p:pic>
-    </p:spTree>
-    <p:extLst>
-      <p:ext uri="{BB962C8B-B14F-4D97-AF65-F5344CB8AC3E}">
-        <p14:creationId xmlns:p14="http://schemas.microsoft.com/office/powerpoint/2010/main" val="2894857076"/>
       </p:ext>
     </p:extLst>
   </p:cSld>

--- a/Proje Sunumu.pptx
+++ b/Proje Sunumu.pptx
@@ -12,14 +12,15 @@
     <p:sldId id="261" r:id="rId6"/>
     <p:sldId id="262" r:id="rId7"/>
     <p:sldId id="263" r:id="rId8"/>
-    <p:sldId id="264" r:id="rId9"/>
-    <p:sldId id="265" r:id="rId10"/>
-    <p:sldId id="259" r:id="rId11"/>
-    <p:sldId id="260" r:id="rId12"/>
-    <p:sldId id="266" r:id="rId13"/>
-    <p:sldId id="269" r:id="rId14"/>
-    <p:sldId id="270" r:id="rId15"/>
-    <p:sldId id="267" r:id="rId16"/>
+    <p:sldId id="271" r:id="rId9"/>
+    <p:sldId id="264" r:id="rId10"/>
+    <p:sldId id="265" r:id="rId11"/>
+    <p:sldId id="259" r:id="rId12"/>
+    <p:sldId id="260" r:id="rId13"/>
+    <p:sldId id="266" r:id="rId14"/>
+    <p:sldId id="269" r:id="rId15"/>
+    <p:sldId id="270" r:id="rId16"/>
+    <p:sldId id="267" r:id="rId17"/>
   </p:sldIdLst>
   <p:sldSz cx="12192000" cy="6858000"/>
   <p:notesSz cx="6858000" cy="9144000"/>
@@ -134,6 +135,7 @@
             <p14:sldId id="261"/>
             <p14:sldId id="262"/>
             <p14:sldId id="263"/>
+            <p14:sldId id="271"/>
           </p14:sldIdLst>
         </p14:section>
         <p14:section name="OPTİK FORM OKUMA" id="{FA5D5768-371C-4D40-A57D-C05710D63666}">
@@ -304,7 +306,7 @@
           <a:p>
             <a:fld id="{C552CE98-0042-4F25-843E-EDC648036A31}" type="datetimeFigureOut">
               <a:rPr lang="tr-TR" smtClean="0"/>
-              <a:t>9.09.2020</a:t>
+              <a:t>14.09.2020</a:t>
             </a:fld>
             <a:endParaRPr lang="tr-TR"/>
           </a:p>
@@ -515,7 +517,7 @@
           <a:p>
             <a:fld id="{C552CE98-0042-4F25-843E-EDC648036A31}" type="datetimeFigureOut">
               <a:rPr lang="tr-TR" smtClean="0"/>
-              <a:t>9.09.2020</a:t>
+              <a:t>14.09.2020</a:t>
             </a:fld>
             <a:endParaRPr lang="tr-TR"/>
           </a:p>
@@ -730,7 +732,7 @@
           <a:p>
             <a:fld id="{C552CE98-0042-4F25-843E-EDC648036A31}" type="datetimeFigureOut">
               <a:rPr lang="tr-TR" smtClean="0"/>
-              <a:t>9.09.2020</a:t>
+              <a:t>14.09.2020</a:t>
             </a:fld>
             <a:endParaRPr lang="tr-TR"/>
           </a:p>
@@ -931,7 +933,7 @@
           <a:p>
             <a:fld id="{C552CE98-0042-4F25-843E-EDC648036A31}" type="datetimeFigureOut">
               <a:rPr lang="tr-TR" smtClean="0"/>
-              <a:t>9.09.2020</a:t>
+              <a:t>14.09.2020</a:t>
             </a:fld>
             <a:endParaRPr lang="tr-TR"/>
           </a:p>
@@ -1210,7 +1212,7 @@
           <a:p>
             <a:fld id="{C552CE98-0042-4F25-843E-EDC648036A31}" type="datetimeFigureOut">
               <a:rPr lang="tr-TR" smtClean="0"/>
-              <a:t>9.09.2020</a:t>
+              <a:t>14.09.2020</a:t>
             </a:fld>
             <a:endParaRPr lang="tr-TR"/>
           </a:p>
@@ -1478,7 +1480,7 @@
           <a:p>
             <a:fld id="{C552CE98-0042-4F25-843E-EDC648036A31}" type="datetimeFigureOut">
               <a:rPr lang="tr-TR" smtClean="0"/>
-              <a:t>9.09.2020</a:t>
+              <a:t>14.09.2020</a:t>
             </a:fld>
             <a:endParaRPr lang="tr-TR"/>
           </a:p>
@@ -1894,7 +1896,7 @@
           <a:p>
             <a:fld id="{C552CE98-0042-4F25-843E-EDC648036A31}" type="datetimeFigureOut">
               <a:rPr lang="tr-TR" smtClean="0"/>
-              <a:t>9.09.2020</a:t>
+              <a:t>14.09.2020</a:t>
             </a:fld>
             <a:endParaRPr lang="tr-TR"/>
           </a:p>
@@ -2043,7 +2045,7 @@
           <a:p>
             <a:fld id="{C552CE98-0042-4F25-843E-EDC648036A31}" type="datetimeFigureOut">
               <a:rPr lang="tr-TR" smtClean="0"/>
-              <a:t>9.09.2020</a:t>
+              <a:t>14.09.2020</a:t>
             </a:fld>
             <a:endParaRPr lang="tr-TR"/>
           </a:p>
@@ -2169,7 +2171,7 @@
           <a:p>
             <a:fld id="{C552CE98-0042-4F25-843E-EDC648036A31}" type="datetimeFigureOut">
               <a:rPr lang="tr-TR" smtClean="0"/>
-              <a:t>9.09.2020</a:t>
+              <a:t>14.09.2020</a:t>
             </a:fld>
             <a:endParaRPr lang="tr-TR"/>
           </a:p>
@@ -2420,7 +2422,7 @@
           <a:p>
             <a:fld id="{C552CE98-0042-4F25-843E-EDC648036A31}" type="datetimeFigureOut">
               <a:rPr lang="tr-TR" smtClean="0"/>
-              <a:t>9.09.2020</a:t>
+              <a:t>14.09.2020</a:t>
             </a:fld>
             <a:endParaRPr lang="tr-TR"/>
           </a:p>
@@ -2865,7 +2867,7 @@
           <a:p>
             <a:fld id="{C552CE98-0042-4F25-843E-EDC648036A31}" type="datetimeFigureOut">
               <a:rPr lang="tr-TR" smtClean="0"/>
-              <a:t>9.09.2020</a:t>
+              <a:t>14.09.2020</a:t>
             </a:fld>
             <a:endParaRPr lang="tr-TR"/>
           </a:p>
@@ -3192,7 +3194,7 @@
           <a:p>
             <a:fld id="{C552CE98-0042-4F25-843E-EDC648036A31}" type="datetimeFigureOut">
               <a:rPr lang="tr-TR" smtClean="0"/>
-              <a:t>9.09.2020</a:t>
+              <a:t>14.09.2020</a:t>
             </a:fld>
             <a:endParaRPr lang="tr-TR"/>
           </a:p>
@@ -4238,1934 +4240,6 @@
           <p:cNvPr id="2" name="Başlık 1">
             <a:extLst>
               <a:ext uri="{FF2B5EF4-FFF2-40B4-BE49-F238E27FC236}">
-                <a16:creationId xmlns:a16="http://schemas.microsoft.com/office/drawing/2014/main" id="{85F3963A-1D4E-4306-B04C-8FF6A60EB33B}"/>
-              </a:ext>
-            </a:extLst>
-          </p:cNvPr>
-          <p:cNvSpPr>
-            <a:spLocks noGrp="1"/>
-          </p:cNvSpPr>
-          <p:nvPr>
-            <p:ph type="title"/>
-          </p:nvPr>
-        </p:nvSpPr>
-        <p:spPr/>
-        <p:txBody>
-          <a:bodyPr/>
-          <a:lstStyle/>
-          <a:p>
-            <a:r>
-              <a:rPr lang="tr-TR" dirty="0"/>
-              <a:t>MASAÜSÜTÜ ARAYÜZÜ</a:t>
-            </a:r>
-          </a:p>
-        </p:txBody>
-      </p:sp>
-      <p:sp>
-        <p:nvSpPr>
-          <p:cNvPr id="3" name="İçerik Yer Tutucusu 2">
-            <a:extLst>
-              <a:ext uri="{FF2B5EF4-FFF2-40B4-BE49-F238E27FC236}">
-                <a16:creationId xmlns:a16="http://schemas.microsoft.com/office/drawing/2014/main" id="{47710F72-9082-4833-BEA4-ED272BED9678}"/>
-              </a:ext>
-            </a:extLst>
-          </p:cNvPr>
-          <p:cNvSpPr>
-            <a:spLocks noGrp="1"/>
-          </p:cNvSpPr>
-          <p:nvPr>
-            <p:ph idx="1"/>
-          </p:nvPr>
-        </p:nvSpPr>
-        <p:spPr/>
-        <p:txBody>
-          <a:bodyPr/>
-          <a:lstStyle/>
-          <a:p>
-            <a:r>
-              <a:rPr lang="tr-TR" dirty="0"/>
-              <a:t>Kullanıcı Giriş Ekranı:</a:t>
-            </a:r>
-          </a:p>
-          <a:p>
-            <a:pPr marL="0" indent="0">
-              <a:buNone/>
-            </a:pPr>
-            <a:endParaRPr lang="tr-TR" dirty="0"/>
-          </a:p>
-        </p:txBody>
-      </p:sp>
-      <p:pic>
-        <p:nvPicPr>
-          <p:cNvPr id="4" name="Resim 3" descr="ekran görüntüsü içeren bir resim&#10;&#10;Açıklama otomatik olarak oluşturuldu">
-            <a:extLst>
-              <a:ext uri="{FF2B5EF4-FFF2-40B4-BE49-F238E27FC236}">
-                <a16:creationId xmlns:a16="http://schemas.microsoft.com/office/drawing/2014/main" id="{2533905A-6514-49F5-BA94-60E05FAFB188}"/>
-              </a:ext>
-            </a:extLst>
-          </p:cNvPr>
-          <p:cNvPicPr/>
-          <p:nvPr/>
-        </p:nvPicPr>
-        <p:blipFill>
-          <a:blip r:embed="rId2">
-            <a:extLst>
-              <a:ext uri="{28A0092B-C50C-407E-A947-70E740481C1C}">
-                <a14:useLocalDpi xmlns:a14="http://schemas.microsoft.com/office/drawing/2010/main" val="0"/>
-              </a:ext>
-            </a:extLst>
-          </a:blip>
-          <a:stretch>
-            <a:fillRect/>
-          </a:stretch>
-        </p:blipFill>
-        <p:spPr>
-          <a:xfrm>
-            <a:off x="5219383" y="1853754"/>
-            <a:ext cx="4191904" cy="4199727"/>
-          </a:xfrm>
-          <a:prstGeom prst="rect">
-            <a:avLst/>
-          </a:prstGeom>
-        </p:spPr>
-      </p:pic>
-    </p:spTree>
-    <p:extLst>
-      <p:ext uri="{BB962C8B-B14F-4D97-AF65-F5344CB8AC3E}">
-        <p14:creationId xmlns:p14="http://schemas.microsoft.com/office/powerpoint/2010/main" val="2894857076"/>
-      </p:ext>
-    </p:extLst>
-  </p:cSld>
-  <p:clrMapOvr>
-    <a:masterClrMapping/>
-  </p:clrMapOvr>
-</p:sld>
-</file>
-
-<file path=ppt/slides/slide11.xml><?xml version="1.0" encoding="utf-8"?>
-<p:sld xmlns:a="http://schemas.openxmlformats.org/drawingml/2006/main" xmlns:r="http://schemas.openxmlformats.org/officeDocument/2006/relationships" xmlns:p="http://schemas.openxmlformats.org/presentationml/2006/main">
-  <p:cSld>
-    <p:spTree>
-      <p:nvGrpSpPr>
-        <p:cNvPr id="1" name=""/>
-        <p:cNvGrpSpPr/>
-        <p:nvPr/>
-      </p:nvGrpSpPr>
-      <p:grpSpPr>
-        <a:xfrm>
-          <a:off x="0" y="0"/>
-          <a:ext cx="0" cy="0"/>
-          <a:chOff x="0" y="0"/>
-          <a:chExt cx="0" cy="0"/>
-        </a:xfrm>
-      </p:grpSpPr>
-      <p:sp>
-        <p:nvSpPr>
-          <p:cNvPr id="2" name="Başlık 1">
-            <a:extLst>
-              <a:ext uri="{FF2B5EF4-FFF2-40B4-BE49-F238E27FC236}">
-                <a16:creationId xmlns:a16="http://schemas.microsoft.com/office/drawing/2014/main" id="{1F5AFE5F-9AA8-4D6E-A25B-C4D99DAE4840}"/>
-              </a:ext>
-            </a:extLst>
-          </p:cNvPr>
-          <p:cNvSpPr>
-            <a:spLocks noGrp="1"/>
-          </p:cNvSpPr>
-          <p:nvPr>
-            <p:ph type="title"/>
-          </p:nvPr>
-        </p:nvSpPr>
-        <p:spPr/>
-        <p:txBody>
-          <a:bodyPr/>
-          <a:lstStyle/>
-          <a:p>
-            <a:r>
-              <a:rPr lang="tr-TR" dirty="0"/>
-              <a:t>optik form</a:t>
-            </a:r>
-            <a:br>
-              <a:rPr lang="tr-TR" dirty="0"/>
-            </a:br>
-            <a:r>
-              <a:rPr lang="tr-TR" dirty="0"/>
-              <a:t>işlemleri</a:t>
-            </a:r>
-          </a:p>
-        </p:txBody>
-      </p:sp>
-      <p:pic>
-        <p:nvPicPr>
-          <p:cNvPr id="4" name="Resim 3" descr="ekran görüntüsü içeren bir resim&#10;&#10;Açıklama otomatik olarak oluşturuldu">
-            <a:extLst>
-              <a:ext uri="{FF2B5EF4-FFF2-40B4-BE49-F238E27FC236}">
-                <a16:creationId xmlns:a16="http://schemas.microsoft.com/office/drawing/2014/main" id="{B90F1C5B-5753-47DE-82B8-477CA5CA44F9}"/>
-              </a:ext>
-            </a:extLst>
-          </p:cNvPr>
-          <p:cNvPicPr/>
-          <p:nvPr/>
-        </p:nvPicPr>
-        <p:blipFill>
-          <a:blip r:embed="rId2">
-            <a:extLst>
-              <a:ext uri="{28A0092B-C50C-407E-A947-70E740481C1C}">
-                <a14:useLocalDpi xmlns:a14="http://schemas.microsoft.com/office/drawing/2010/main" val="0"/>
-              </a:ext>
-            </a:extLst>
-          </a:blip>
-          <a:stretch>
-            <a:fillRect/>
-          </a:stretch>
-        </p:blipFill>
-        <p:spPr>
-          <a:xfrm>
-            <a:off x="4987924" y="263452"/>
-            <a:ext cx="6603853" cy="6489040"/>
-          </a:xfrm>
-          <a:prstGeom prst="rect">
-            <a:avLst/>
-          </a:prstGeom>
-        </p:spPr>
-      </p:pic>
-    </p:spTree>
-    <p:extLst>
-      <p:ext uri="{BB962C8B-B14F-4D97-AF65-F5344CB8AC3E}">
-        <p14:creationId xmlns:p14="http://schemas.microsoft.com/office/powerpoint/2010/main" val="137358782"/>
-      </p:ext>
-    </p:extLst>
-  </p:cSld>
-  <p:clrMapOvr>
-    <a:masterClrMapping/>
-  </p:clrMapOvr>
-</p:sld>
-</file>
-
-<file path=ppt/slides/slide12.xml><?xml version="1.0" encoding="utf-8"?>
-<p:sld xmlns:a="http://schemas.openxmlformats.org/drawingml/2006/main" xmlns:r="http://schemas.openxmlformats.org/officeDocument/2006/relationships" xmlns:p="http://schemas.openxmlformats.org/presentationml/2006/main">
-  <p:cSld>
-    <p:spTree>
-      <p:nvGrpSpPr>
-        <p:cNvPr id="1" name=""/>
-        <p:cNvGrpSpPr/>
-        <p:nvPr/>
-      </p:nvGrpSpPr>
-      <p:grpSpPr>
-        <a:xfrm>
-          <a:off x="0" y="0"/>
-          <a:ext cx="0" cy="0"/>
-          <a:chOff x="0" y="0"/>
-          <a:chExt cx="0" cy="0"/>
-        </a:xfrm>
-      </p:grpSpPr>
-      <p:sp>
-        <p:nvSpPr>
-          <p:cNvPr id="2" name="Başlık 1">
-            <a:extLst>
-              <a:ext uri="{FF2B5EF4-FFF2-40B4-BE49-F238E27FC236}">
-                <a16:creationId xmlns:a16="http://schemas.microsoft.com/office/drawing/2014/main" id="{20168531-7332-4BAA-9E13-76E5313A1A8A}"/>
-              </a:ext>
-            </a:extLst>
-          </p:cNvPr>
-          <p:cNvSpPr>
-            <a:spLocks noGrp="1"/>
-          </p:cNvSpPr>
-          <p:nvPr>
-            <p:ph type="title"/>
-          </p:nvPr>
-        </p:nvSpPr>
-        <p:spPr/>
-        <p:txBody>
-          <a:bodyPr/>
-          <a:lstStyle/>
-          <a:p>
-            <a:r>
-              <a:rPr lang="tr-TR" dirty="0" err="1"/>
-              <a:t>demo</a:t>
-            </a:r>
-            <a:endParaRPr lang="tr-TR" dirty="0"/>
-          </a:p>
-        </p:txBody>
-      </p:sp>
-      <p:sp>
-        <p:nvSpPr>
-          <p:cNvPr id="3" name="Metin kutusu 2">
-            <a:extLst>
-              <a:ext uri="{FF2B5EF4-FFF2-40B4-BE49-F238E27FC236}">
-                <a16:creationId xmlns:a16="http://schemas.microsoft.com/office/drawing/2014/main" id="{996B5356-D793-4561-8000-D5BC9F1A5FFF}"/>
-              </a:ext>
-            </a:extLst>
-          </p:cNvPr>
-          <p:cNvSpPr txBox="1"/>
-          <p:nvPr/>
-        </p:nvSpPr>
-        <p:spPr>
-          <a:xfrm>
-            <a:off x="4913977" y="2367170"/>
-            <a:ext cx="2364045" cy="923330"/>
-          </a:xfrm>
-          <a:prstGeom prst="rect">
-            <a:avLst/>
-          </a:prstGeom>
-          <a:noFill/>
-        </p:spPr>
-        <p:txBody>
-          <a:bodyPr wrap="none" rtlCol="0">
-            <a:spAutoFit/>
-          </a:bodyPr>
-          <a:lstStyle/>
-          <a:p>
-            <a:r>
-              <a:rPr lang="tr-TR" b="1" dirty="0"/>
-              <a:t>İKİNCİ ADIM</a:t>
-            </a:r>
-          </a:p>
-          <a:p>
-            <a:r>
-              <a:rPr lang="tr-TR" dirty="0"/>
-              <a:t>Öğretmen Kullanıcı Adı</a:t>
-            </a:r>
-          </a:p>
-          <a:p>
-            <a:r>
-              <a:rPr lang="tr-TR" dirty="0"/>
-              <a:t>Öğretmen Parola</a:t>
-            </a:r>
-          </a:p>
-        </p:txBody>
-      </p:sp>
-      <p:sp>
-        <p:nvSpPr>
-          <p:cNvPr id="4" name="Metin kutusu 3">
-            <a:extLst>
-              <a:ext uri="{FF2B5EF4-FFF2-40B4-BE49-F238E27FC236}">
-                <a16:creationId xmlns:a16="http://schemas.microsoft.com/office/drawing/2014/main" id="{DA49494C-81F6-4DBD-9367-4C72BBE06E7D}"/>
-              </a:ext>
-            </a:extLst>
-          </p:cNvPr>
-          <p:cNvSpPr txBox="1"/>
-          <p:nvPr/>
-        </p:nvSpPr>
-        <p:spPr>
-          <a:xfrm>
-            <a:off x="1313260" y="2367170"/>
-            <a:ext cx="2560381" cy="2031325"/>
-          </a:xfrm>
-          <a:prstGeom prst="rect">
-            <a:avLst/>
-          </a:prstGeom>
-          <a:noFill/>
-        </p:spPr>
-        <p:txBody>
-          <a:bodyPr wrap="none" rtlCol="0">
-            <a:spAutoFit/>
-          </a:bodyPr>
-          <a:lstStyle/>
-          <a:p>
-            <a:r>
-              <a:rPr lang="tr-TR" b="1" dirty="0"/>
-              <a:t>BİRİNCİ ADIM</a:t>
-            </a:r>
-          </a:p>
-          <a:p>
-            <a:r>
-              <a:rPr lang="tr-TR" dirty="0"/>
-              <a:t>Öğrenci </a:t>
-            </a:r>
-            <a:r>
-              <a:rPr lang="tr-TR" dirty="0" err="1"/>
-              <a:t>idleri</a:t>
-            </a:r>
-            <a:r>
-              <a:rPr lang="tr-TR" dirty="0"/>
-              <a:t>:</a:t>
-            </a:r>
-          </a:p>
-          <a:p>
-            <a:endParaRPr lang="tr-TR" dirty="0"/>
-          </a:p>
-          <a:p>
-            <a:r>
-              <a:rPr lang="tr-TR" dirty="0"/>
-              <a:t>Öğrenciler sınavdan önce</a:t>
-            </a:r>
-          </a:p>
-          <a:p>
-            <a:r>
-              <a:rPr lang="tr-TR" dirty="0"/>
-              <a:t>sisteme kayıt olmalı ve</a:t>
-            </a:r>
-          </a:p>
-          <a:p>
-            <a:r>
-              <a:rPr lang="tr-TR" dirty="0"/>
-              <a:t>aldıkları ID bilgisini optik</a:t>
-            </a:r>
-          </a:p>
-          <a:p>
-            <a:r>
-              <a:rPr lang="tr-TR" dirty="0"/>
-              <a:t>forma kodlamalıdır.</a:t>
-            </a:r>
-          </a:p>
-        </p:txBody>
-      </p:sp>
-      <p:sp>
-        <p:nvSpPr>
-          <p:cNvPr id="6" name="Metin kutusu 5">
-            <a:extLst>
-              <a:ext uri="{FF2B5EF4-FFF2-40B4-BE49-F238E27FC236}">
-                <a16:creationId xmlns:a16="http://schemas.microsoft.com/office/drawing/2014/main" id="{3F289083-42E0-448B-B613-DBF92709D00D}"/>
-              </a:ext>
-            </a:extLst>
-          </p:cNvPr>
-          <p:cNvSpPr txBox="1"/>
-          <p:nvPr/>
-        </p:nvSpPr>
-        <p:spPr>
-          <a:xfrm>
-            <a:off x="8318358" y="2367170"/>
-            <a:ext cx="2234138" cy="1754326"/>
-          </a:xfrm>
-          <a:prstGeom prst="rect">
-            <a:avLst/>
-          </a:prstGeom>
-          <a:noFill/>
-        </p:spPr>
-        <p:txBody>
-          <a:bodyPr wrap="none" rtlCol="0">
-            <a:spAutoFit/>
-          </a:bodyPr>
-          <a:lstStyle/>
-          <a:p>
-            <a:r>
-              <a:rPr lang="tr-TR" b="1" dirty="0"/>
-              <a:t>ÜÇÜNCÜ ADIM</a:t>
-            </a:r>
-          </a:p>
-          <a:p>
-            <a:r>
-              <a:rPr lang="tr-TR" dirty="0"/>
-              <a:t>Sınav Kodu : 43</a:t>
-            </a:r>
-          </a:p>
-          <a:p>
-            <a:endParaRPr lang="tr-TR" dirty="0"/>
-          </a:p>
-          <a:p>
-            <a:r>
-              <a:rPr lang="tr-TR" dirty="0"/>
-              <a:t>Sınavdan önce sınav</a:t>
-            </a:r>
-          </a:p>
-          <a:p>
-            <a:r>
-              <a:rPr lang="tr-TR" dirty="0"/>
-              <a:t>oluşturulmalı ve optik</a:t>
-            </a:r>
-          </a:p>
-          <a:p>
-            <a:r>
-              <a:rPr lang="tr-TR" dirty="0"/>
-              <a:t>formda kodlanmalıdır. </a:t>
-            </a:r>
-          </a:p>
-        </p:txBody>
-      </p:sp>
-    </p:spTree>
-    <p:extLst>
-      <p:ext uri="{BB962C8B-B14F-4D97-AF65-F5344CB8AC3E}">
-        <p14:creationId xmlns:p14="http://schemas.microsoft.com/office/powerpoint/2010/main" val="4186698889"/>
-      </p:ext>
-    </p:extLst>
-  </p:cSld>
-  <p:clrMapOvr>
-    <a:masterClrMapping/>
-  </p:clrMapOvr>
-</p:sld>
-</file>
-
-<file path=ppt/slides/slide13.xml><?xml version="1.0" encoding="utf-8"?>
-<p:sld xmlns:a="http://schemas.openxmlformats.org/drawingml/2006/main" xmlns:r="http://schemas.openxmlformats.org/officeDocument/2006/relationships" xmlns:p="http://schemas.openxmlformats.org/presentationml/2006/main">
-  <p:cSld>
-    <p:spTree>
-      <p:nvGrpSpPr>
-        <p:cNvPr id="1" name=""/>
-        <p:cNvGrpSpPr/>
-        <p:nvPr/>
-      </p:nvGrpSpPr>
-      <p:grpSpPr>
-        <a:xfrm>
-          <a:off x="0" y="0"/>
-          <a:ext cx="0" cy="0"/>
-          <a:chOff x="0" y="0"/>
-          <a:chExt cx="0" cy="0"/>
-        </a:xfrm>
-      </p:grpSpPr>
-      <p:sp>
-        <p:nvSpPr>
-          <p:cNvPr id="2" name="Başlık 1">
-            <a:extLst>
-              <a:ext uri="{FF2B5EF4-FFF2-40B4-BE49-F238E27FC236}">
-                <a16:creationId xmlns:a16="http://schemas.microsoft.com/office/drawing/2014/main" id="{20168531-7332-4BAA-9E13-76E5313A1A8A}"/>
-              </a:ext>
-            </a:extLst>
-          </p:cNvPr>
-          <p:cNvSpPr>
-            <a:spLocks noGrp="1"/>
-          </p:cNvSpPr>
-          <p:nvPr>
-            <p:ph type="title"/>
-          </p:nvPr>
-        </p:nvSpPr>
-        <p:spPr/>
-        <p:txBody>
-          <a:bodyPr/>
-          <a:lstStyle/>
-          <a:p>
-            <a:r>
-              <a:rPr lang="tr-TR" dirty="0" err="1"/>
-              <a:t>demo</a:t>
-            </a:r>
-            <a:endParaRPr lang="tr-TR" dirty="0"/>
-          </a:p>
-        </p:txBody>
-      </p:sp>
-      <p:sp>
-        <p:nvSpPr>
-          <p:cNvPr id="3" name="Metin kutusu 2">
-            <a:extLst>
-              <a:ext uri="{FF2B5EF4-FFF2-40B4-BE49-F238E27FC236}">
-                <a16:creationId xmlns:a16="http://schemas.microsoft.com/office/drawing/2014/main" id="{996B5356-D793-4561-8000-D5BC9F1A5FFF}"/>
-              </a:ext>
-            </a:extLst>
-          </p:cNvPr>
-          <p:cNvSpPr txBox="1"/>
-          <p:nvPr/>
-        </p:nvSpPr>
-        <p:spPr>
-          <a:xfrm>
-            <a:off x="4913977" y="2367170"/>
-            <a:ext cx="2034596" cy="1200329"/>
-          </a:xfrm>
-          <a:prstGeom prst="rect">
-            <a:avLst/>
-          </a:prstGeom>
-          <a:noFill/>
-        </p:spPr>
-        <p:txBody>
-          <a:bodyPr wrap="none" rtlCol="0">
-            <a:spAutoFit/>
-          </a:bodyPr>
-          <a:lstStyle/>
-          <a:p>
-            <a:r>
-              <a:rPr lang="tr-TR" b="1" dirty="0"/>
-              <a:t>BEŞİNCİ  ADIM</a:t>
-            </a:r>
-          </a:p>
-          <a:p>
-            <a:endParaRPr lang="tr-TR" b="1" dirty="0"/>
-          </a:p>
-          <a:p>
-            <a:r>
-              <a:rPr lang="tr-TR" dirty="0"/>
-              <a:t>Formaların fotoğrafı</a:t>
-            </a:r>
-          </a:p>
-          <a:p>
-            <a:r>
-              <a:rPr lang="tr-TR" dirty="0"/>
-              <a:t>çekilir.</a:t>
-            </a:r>
-          </a:p>
-        </p:txBody>
-      </p:sp>
-      <p:sp>
-        <p:nvSpPr>
-          <p:cNvPr id="4" name="Metin kutusu 3">
-            <a:extLst>
-              <a:ext uri="{FF2B5EF4-FFF2-40B4-BE49-F238E27FC236}">
-                <a16:creationId xmlns:a16="http://schemas.microsoft.com/office/drawing/2014/main" id="{DA49494C-81F6-4DBD-9367-4C72BBE06E7D}"/>
-              </a:ext>
-            </a:extLst>
-          </p:cNvPr>
-          <p:cNvSpPr txBox="1"/>
-          <p:nvPr/>
-        </p:nvSpPr>
-        <p:spPr>
-          <a:xfrm>
-            <a:off x="1313260" y="2367170"/>
-            <a:ext cx="2351285" cy="923330"/>
-          </a:xfrm>
-          <a:prstGeom prst="rect">
-            <a:avLst/>
-          </a:prstGeom>
-          <a:noFill/>
-        </p:spPr>
-        <p:txBody>
-          <a:bodyPr wrap="none" rtlCol="0">
-            <a:spAutoFit/>
-          </a:bodyPr>
-          <a:lstStyle/>
-          <a:p>
-            <a:r>
-              <a:rPr lang="tr-TR" b="1" dirty="0"/>
-              <a:t>DÖRDÜNCÜ ADIM</a:t>
-            </a:r>
-          </a:p>
-          <a:p>
-            <a:endParaRPr lang="tr-TR" dirty="0"/>
-          </a:p>
-          <a:p>
-            <a:r>
-              <a:rPr lang="tr-TR" dirty="0"/>
-              <a:t>Sınav yapılır</a:t>
-            </a:r>
-          </a:p>
-        </p:txBody>
-      </p:sp>
-      <p:pic>
-        <p:nvPicPr>
-          <p:cNvPr id="8" name="Resim 7" descr="metin içeren bir resim&#10;&#10;Açıklama otomatik olarak oluşturuldu">
-            <a:extLst>
-              <a:ext uri="{FF2B5EF4-FFF2-40B4-BE49-F238E27FC236}">
-                <a16:creationId xmlns:a16="http://schemas.microsoft.com/office/drawing/2014/main" id="{9D3B6A76-4495-4B5B-BCBA-1FC0A3913FB1}"/>
-              </a:ext>
-            </a:extLst>
-          </p:cNvPr>
-          <p:cNvPicPr>
-            <a:picLocks noChangeAspect="1"/>
-          </p:cNvPicPr>
-          <p:nvPr/>
-        </p:nvPicPr>
-        <p:blipFill>
-          <a:blip r:embed="rId2">
-            <a:extLst>
-              <a:ext uri="{28A0092B-C50C-407E-A947-70E740481C1C}">
-                <a14:useLocalDpi xmlns:a14="http://schemas.microsoft.com/office/drawing/2010/main" val="0"/>
-              </a:ext>
-            </a:extLst>
-          </a:blip>
-          <a:stretch>
-            <a:fillRect/>
-          </a:stretch>
-        </p:blipFill>
-        <p:spPr>
-          <a:xfrm>
-            <a:off x="7572228" y="712595"/>
-            <a:ext cx="3866857" cy="5155809"/>
-          </a:xfrm>
-          <a:prstGeom prst="rect">
-            <a:avLst/>
-          </a:prstGeom>
-        </p:spPr>
-      </p:pic>
-    </p:spTree>
-    <p:extLst>
-      <p:ext uri="{BB962C8B-B14F-4D97-AF65-F5344CB8AC3E}">
-        <p14:creationId xmlns:p14="http://schemas.microsoft.com/office/powerpoint/2010/main" val="773467658"/>
-      </p:ext>
-    </p:extLst>
-  </p:cSld>
-  <p:clrMapOvr>
-    <a:masterClrMapping/>
-  </p:clrMapOvr>
-</p:sld>
-</file>
-
-<file path=ppt/slides/slide14.xml><?xml version="1.0" encoding="utf-8"?>
-<p:sld xmlns:a="http://schemas.openxmlformats.org/drawingml/2006/main" xmlns:r="http://schemas.openxmlformats.org/officeDocument/2006/relationships" xmlns:p="http://schemas.openxmlformats.org/presentationml/2006/main">
-  <p:cSld>
-    <p:spTree>
-      <p:nvGrpSpPr>
-        <p:cNvPr id="1" name=""/>
-        <p:cNvGrpSpPr/>
-        <p:nvPr/>
-      </p:nvGrpSpPr>
-      <p:grpSpPr>
-        <a:xfrm>
-          <a:off x="0" y="0"/>
-          <a:ext cx="0" cy="0"/>
-          <a:chOff x="0" y="0"/>
-          <a:chExt cx="0" cy="0"/>
-        </a:xfrm>
-      </p:grpSpPr>
-      <p:sp>
-        <p:nvSpPr>
-          <p:cNvPr id="2" name="Başlık 1">
-            <a:extLst>
-              <a:ext uri="{FF2B5EF4-FFF2-40B4-BE49-F238E27FC236}">
-                <a16:creationId xmlns:a16="http://schemas.microsoft.com/office/drawing/2014/main" id="{20168531-7332-4BAA-9E13-76E5313A1A8A}"/>
-              </a:ext>
-            </a:extLst>
-          </p:cNvPr>
-          <p:cNvSpPr>
-            <a:spLocks noGrp="1"/>
-          </p:cNvSpPr>
-          <p:nvPr>
-            <p:ph type="title"/>
-          </p:nvPr>
-        </p:nvSpPr>
-        <p:spPr/>
-        <p:txBody>
-          <a:bodyPr/>
-          <a:lstStyle/>
-          <a:p>
-            <a:r>
-              <a:rPr lang="tr-TR" dirty="0" err="1"/>
-              <a:t>demo</a:t>
-            </a:r>
-            <a:endParaRPr lang="tr-TR" dirty="0"/>
-          </a:p>
-        </p:txBody>
-      </p:sp>
-      <p:sp>
-        <p:nvSpPr>
-          <p:cNvPr id="4" name="Metin kutusu 3">
-            <a:extLst>
-              <a:ext uri="{FF2B5EF4-FFF2-40B4-BE49-F238E27FC236}">
-                <a16:creationId xmlns:a16="http://schemas.microsoft.com/office/drawing/2014/main" id="{DA49494C-81F6-4DBD-9367-4C72BBE06E7D}"/>
-              </a:ext>
-            </a:extLst>
-          </p:cNvPr>
-          <p:cNvSpPr txBox="1"/>
-          <p:nvPr/>
-        </p:nvSpPr>
-        <p:spPr>
-          <a:xfrm>
-            <a:off x="1313260" y="2367170"/>
-            <a:ext cx="2046714" cy="1754326"/>
-          </a:xfrm>
-          <a:prstGeom prst="rect">
-            <a:avLst/>
-          </a:prstGeom>
-          <a:noFill/>
-        </p:spPr>
-        <p:txBody>
-          <a:bodyPr wrap="none" rtlCol="0">
-            <a:spAutoFit/>
-          </a:bodyPr>
-          <a:lstStyle/>
-          <a:p>
-            <a:r>
-              <a:rPr lang="tr-TR" b="1" dirty="0"/>
-              <a:t>ALTINCI ADIM</a:t>
-            </a:r>
-          </a:p>
-          <a:p>
-            <a:endParaRPr lang="tr-TR" b="1" dirty="0"/>
-          </a:p>
-          <a:p>
-            <a:r>
-              <a:rPr lang="tr-TR" dirty="0"/>
-              <a:t>Masaüstü ara yüzü </a:t>
-            </a:r>
-          </a:p>
-          <a:p>
-            <a:r>
-              <a:rPr lang="tr-TR" dirty="0"/>
-              <a:t>kullanılarak formlar </a:t>
-            </a:r>
-          </a:p>
-          <a:p>
-            <a:r>
-              <a:rPr lang="tr-TR" dirty="0"/>
-              <a:t>okunur ve sunucuya</a:t>
-            </a:r>
-          </a:p>
-          <a:p>
-            <a:r>
-              <a:rPr lang="tr-TR" dirty="0"/>
-              <a:t>gönderilir.</a:t>
-            </a:r>
-          </a:p>
-        </p:txBody>
-      </p:sp>
-      <p:sp>
-        <p:nvSpPr>
-          <p:cNvPr id="7" name="Metin kutusu 6">
-            <a:extLst>
-              <a:ext uri="{FF2B5EF4-FFF2-40B4-BE49-F238E27FC236}">
-                <a16:creationId xmlns:a16="http://schemas.microsoft.com/office/drawing/2014/main" id="{940289FA-3942-4119-9211-32C528CE7F69}"/>
-              </a:ext>
-            </a:extLst>
-          </p:cNvPr>
-          <p:cNvSpPr txBox="1"/>
-          <p:nvPr/>
-        </p:nvSpPr>
-        <p:spPr>
-          <a:xfrm>
-            <a:off x="4787368" y="2367170"/>
-            <a:ext cx="5703356" cy="923330"/>
-          </a:xfrm>
-          <a:prstGeom prst="rect">
-            <a:avLst/>
-          </a:prstGeom>
-          <a:noFill/>
-        </p:spPr>
-        <p:txBody>
-          <a:bodyPr wrap="none" rtlCol="0">
-            <a:spAutoFit/>
-          </a:bodyPr>
-          <a:lstStyle/>
-          <a:p>
-            <a:r>
-              <a:rPr lang="tr-TR" b="1" dirty="0"/>
-              <a:t>SON OLARAK</a:t>
-            </a:r>
-          </a:p>
-          <a:p>
-            <a:endParaRPr lang="tr-TR" b="1" dirty="0"/>
-          </a:p>
-          <a:p>
-            <a:r>
-              <a:rPr lang="tr-TR" dirty="0"/>
-              <a:t>Web ara yüzü ile sonuçlara ve sınav analizlerine ulaşabiliriz.</a:t>
-            </a:r>
-          </a:p>
-        </p:txBody>
-      </p:sp>
-    </p:spTree>
-    <p:extLst>
-      <p:ext uri="{BB962C8B-B14F-4D97-AF65-F5344CB8AC3E}">
-        <p14:creationId xmlns:p14="http://schemas.microsoft.com/office/powerpoint/2010/main" val="1208345272"/>
-      </p:ext>
-    </p:extLst>
-  </p:cSld>
-  <p:clrMapOvr>
-    <a:masterClrMapping/>
-  </p:clrMapOvr>
-</p:sld>
-</file>
-
-<file path=ppt/slides/slide15.xml><?xml version="1.0" encoding="utf-8"?>
-<p:sld xmlns:a="http://schemas.openxmlformats.org/drawingml/2006/main" xmlns:r="http://schemas.openxmlformats.org/officeDocument/2006/relationships" xmlns:p="http://schemas.openxmlformats.org/presentationml/2006/main">
-  <p:cSld>
-    <p:spTree>
-      <p:nvGrpSpPr>
-        <p:cNvPr id="1" name=""/>
-        <p:cNvGrpSpPr/>
-        <p:nvPr/>
-      </p:nvGrpSpPr>
-      <p:grpSpPr>
-        <a:xfrm>
-          <a:off x="0" y="0"/>
-          <a:ext cx="0" cy="0"/>
-          <a:chOff x="0" y="0"/>
-          <a:chExt cx="0" cy="0"/>
-        </a:xfrm>
-      </p:grpSpPr>
-      <p:sp>
-        <p:nvSpPr>
-          <p:cNvPr id="2" name="Başlık 1">
-            <a:extLst>
-              <a:ext uri="{FF2B5EF4-FFF2-40B4-BE49-F238E27FC236}">
-                <a16:creationId xmlns:a16="http://schemas.microsoft.com/office/drawing/2014/main" id="{20168531-7332-4BAA-9E13-76E5313A1A8A}"/>
-              </a:ext>
-            </a:extLst>
-          </p:cNvPr>
-          <p:cNvSpPr>
-            <a:spLocks noGrp="1"/>
-          </p:cNvSpPr>
-          <p:nvPr>
-            <p:ph type="title"/>
-          </p:nvPr>
-        </p:nvSpPr>
-        <p:spPr/>
-        <p:txBody>
-          <a:bodyPr/>
-          <a:lstStyle/>
-          <a:p>
-            <a:r>
-              <a:rPr lang="tr-TR" dirty="0"/>
-              <a:t>katılımlarınız için teşekkürler ederiz.</a:t>
-            </a:r>
-          </a:p>
-        </p:txBody>
-      </p:sp>
-      <p:sp>
-        <p:nvSpPr>
-          <p:cNvPr id="3" name="Başlık 1">
-            <a:extLst>
-              <a:ext uri="{FF2B5EF4-FFF2-40B4-BE49-F238E27FC236}">
-                <a16:creationId xmlns:a16="http://schemas.microsoft.com/office/drawing/2014/main" id="{E5C9BD16-1CFC-44CF-A5F3-EC680DD040AB}"/>
-              </a:ext>
-            </a:extLst>
-          </p:cNvPr>
-          <p:cNvSpPr txBox="1">
-            <a:spLocks/>
-          </p:cNvSpPr>
-          <p:nvPr/>
-        </p:nvSpPr>
-        <p:spPr>
-          <a:xfrm>
-            <a:off x="1451578" y="2110470"/>
-            <a:ext cx="9603275" cy="1049235"/>
-          </a:xfrm>
-          <a:prstGeom prst="rect">
-            <a:avLst/>
-          </a:prstGeom>
-        </p:spPr>
-        <p:txBody>
-          <a:bodyPr vert="horz" lIns="91440" tIns="45720" rIns="91440" bIns="45720" rtlCol="0" anchor="t">
-            <a:normAutofit/>
-          </a:bodyPr>
-          <a:lstStyle>
-            <a:lvl1pPr algn="l" defTabSz="914400" rtl="0" eaLnBrk="1" latinLnBrk="0" hangingPunct="1">
-              <a:lnSpc>
-                <a:spcPct val="90000"/>
-              </a:lnSpc>
-              <a:spcBef>
-                <a:spcPct val="0"/>
-              </a:spcBef>
-              <a:buNone/>
-              <a:defRPr sz="3200" b="0" i="0" kern="1200" cap="all">
-                <a:solidFill>
-                  <a:schemeClr val="tx1"/>
-                </a:solidFill>
-                <a:effectLst/>
-                <a:latin typeface="+mj-lt"/>
-                <a:ea typeface="+mj-ea"/>
-                <a:cs typeface="+mj-cs"/>
-              </a:defRPr>
-            </a:lvl1pPr>
-          </a:lstStyle>
-          <a:p>
-            <a:r>
-              <a:rPr lang="tr-TR" dirty="0"/>
-              <a:t>önerileriniz ?</a:t>
-            </a:r>
-          </a:p>
-        </p:txBody>
-      </p:sp>
-      <p:sp>
-        <p:nvSpPr>
-          <p:cNvPr id="5" name="Başlık 1">
-            <a:extLst>
-              <a:ext uri="{FF2B5EF4-FFF2-40B4-BE49-F238E27FC236}">
-                <a16:creationId xmlns:a16="http://schemas.microsoft.com/office/drawing/2014/main" id="{54F7DB12-40CB-4BDC-AE4D-4B9D1DBF3232}"/>
-              </a:ext>
-            </a:extLst>
-          </p:cNvPr>
-          <p:cNvSpPr txBox="1">
-            <a:spLocks/>
-          </p:cNvSpPr>
-          <p:nvPr/>
-        </p:nvSpPr>
-        <p:spPr>
-          <a:xfrm>
-            <a:off x="1294362" y="4479629"/>
-            <a:ext cx="9603275" cy="1049235"/>
-          </a:xfrm>
-          <a:prstGeom prst="rect">
-            <a:avLst/>
-          </a:prstGeom>
-        </p:spPr>
-        <p:txBody>
-          <a:bodyPr vert="horz" lIns="91440" tIns="45720" rIns="91440" bIns="45720" rtlCol="0" anchor="t">
-            <a:normAutofit/>
-          </a:bodyPr>
-          <a:lstStyle>
-            <a:lvl1pPr algn="l" defTabSz="914400" rtl="0" eaLnBrk="1" latinLnBrk="0" hangingPunct="1">
-              <a:lnSpc>
-                <a:spcPct val="90000"/>
-              </a:lnSpc>
-              <a:spcBef>
-                <a:spcPct val="0"/>
-              </a:spcBef>
-              <a:buNone/>
-              <a:defRPr sz="3200" b="0" i="0" kern="1200" cap="all">
-                <a:solidFill>
-                  <a:schemeClr val="tx1"/>
-                </a:solidFill>
-                <a:effectLst/>
-                <a:latin typeface="+mj-lt"/>
-                <a:ea typeface="+mj-ea"/>
-                <a:cs typeface="+mj-cs"/>
-              </a:defRPr>
-            </a:lvl1pPr>
-          </a:lstStyle>
-          <a:p>
-            <a:r>
-              <a:rPr lang="tr-TR" dirty="0"/>
-              <a:t>sorularınız ?</a:t>
-            </a:r>
-          </a:p>
-        </p:txBody>
-      </p:sp>
-    </p:spTree>
-    <p:extLst>
-      <p:ext uri="{BB962C8B-B14F-4D97-AF65-F5344CB8AC3E}">
-        <p14:creationId xmlns:p14="http://schemas.microsoft.com/office/powerpoint/2010/main" val="1999594713"/>
-      </p:ext>
-    </p:extLst>
-  </p:cSld>
-  <p:clrMapOvr>
-    <a:masterClrMapping/>
-  </p:clrMapOvr>
-</p:sld>
-</file>
-
-<file path=ppt/slides/slide2.xml><?xml version="1.0" encoding="utf-8"?>
-<p:sld xmlns:a="http://schemas.openxmlformats.org/drawingml/2006/main" xmlns:r="http://schemas.openxmlformats.org/officeDocument/2006/relationships" xmlns:p="http://schemas.openxmlformats.org/presentationml/2006/main">
-  <p:cSld>
-    <p:spTree>
-      <p:nvGrpSpPr>
-        <p:cNvPr id="1" name=""/>
-        <p:cNvGrpSpPr/>
-        <p:nvPr/>
-      </p:nvGrpSpPr>
-      <p:grpSpPr>
-        <a:xfrm>
-          <a:off x="0" y="0"/>
-          <a:ext cx="0" cy="0"/>
-          <a:chOff x="0" y="0"/>
-          <a:chExt cx="0" cy="0"/>
-        </a:xfrm>
-      </p:grpSpPr>
-      <p:sp>
-        <p:nvSpPr>
-          <p:cNvPr id="2" name="Başlık 1">
-            <a:extLst>
-              <a:ext uri="{FF2B5EF4-FFF2-40B4-BE49-F238E27FC236}">
-                <a16:creationId xmlns:a16="http://schemas.microsoft.com/office/drawing/2014/main" id="{BFC0D1B8-2782-4030-A046-ADEA20CF86C9}"/>
-              </a:ext>
-            </a:extLst>
-          </p:cNvPr>
-          <p:cNvSpPr>
-            <a:spLocks noGrp="1"/>
-          </p:cNvSpPr>
-          <p:nvPr>
-            <p:ph type="title"/>
-          </p:nvPr>
-        </p:nvSpPr>
-        <p:spPr/>
-        <p:txBody>
-          <a:bodyPr/>
-          <a:lstStyle/>
-          <a:p>
-            <a:r>
-              <a:rPr lang="tr-TR" dirty="0"/>
-              <a:t>PROJE FİKİRLERİ</a:t>
-            </a:r>
-          </a:p>
-        </p:txBody>
-      </p:sp>
-      <p:sp>
-        <p:nvSpPr>
-          <p:cNvPr id="3" name="İçerik Yer Tutucusu 2">
-            <a:extLst>
-              <a:ext uri="{FF2B5EF4-FFF2-40B4-BE49-F238E27FC236}">
-                <a16:creationId xmlns:a16="http://schemas.microsoft.com/office/drawing/2014/main" id="{7F1EEC49-7964-4DD0-8C41-CB4C6F8C20F0}"/>
-              </a:ext>
-            </a:extLst>
-          </p:cNvPr>
-          <p:cNvSpPr>
-            <a:spLocks noGrp="1"/>
-          </p:cNvSpPr>
-          <p:nvPr>
-            <p:ph idx="1"/>
-          </p:nvPr>
-        </p:nvSpPr>
-        <p:spPr/>
-        <p:txBody>
-          <a:bodyPr/>
-          <a:lstStyle/>
-          <a:p>
-            <a:r>
-              <a:rPr lang="tr-TR" dirty="0"/>
-              <a:t>Sınav Uygulaması</a:t>
-            </a:r>
-          </a:p>
-          <a:p>
-            <a:r>
-              <a:rPr lang="tr-TR" sz="2400" b="1" dirty="0"/>
-              <a:t>Optik Sınav Formu Okuyucusu</a:t>
-            </a:r>
-          </a:p>
-          <a:p>
-            <a:r>
-              <a:rPr lang="tr-TR" dirty="0"/>
-              <a:t>Sınav Oturma Planı ( Kelebek Sistemi ) </a:t>
-            </a:r>
-          </a:p>
-          <a:p>
-            <a:r>
-              <a:rPr lang="tr-TR" dirty="0"/>
-              <a:t>Öğretmenlere Yönelik </a:t>
-            </a:r>
-            <a:r>
-              <a:rPr lang="tr-TR" dirty="0" err="1"/>
-              <a:t>To</a:t>
-            </a:r>
-            <a:r>
-              <a:rPr lang="tr-TR" dirty="0"/>
-              <a:t>-Do Uygulaması</a:t>
-            </a:r>
-          </a:p>
-          <a:p>
-            <a:r>
-              <a:rPr lang="tr-TR" dirty="0"/>
-              <a:t>E-okul İçin Öğrenci Fotoğraflarının Otomatik Hazırlanması</a:t>
-            </a:r>
-          </a:p>
-          <a:p>
-            <a:r>
-              <a:rPr lang="tr-TR" dirty="0"/>
-              <a:t>Host Kablosuz Ağ Bağlantı Güvenliği</a:t>
-            </a:r>
-          </a:p>
-        </p:txBody>
-      </p:sp>
-    </p:spTree>
-    <p:extLst>
-      <p:ext uri="{BB962C8B-B14F-4D97-AF65-F5344CB8AC3E}">
-        <p14:creationId xmlns:p14="http://schemas.microsoft.com/office/powerpoint/2010/main" val="902200424"/>
-      </p:ext>
-    </p:extLst>
-  </p:cSld>
-  <p:clrMapOvr>
-    <a:masterClrMapping/>
-  </p:clrMapOvr>
-</p:sld>
-</file>
-
-<file path=ppt/slides/slide3.xml><?xml version="1.0" encoding="utf-8"?>
-<p:sld xmlns:a="http://schemas.openxmlformats.org/drawingml/2006/main" xmlns:r="http://schemas.openxmlformats.org/officeDocument/2006/relationships" xmlns:p="http://schemas.openxmlformats.org/presentationml/2006/main">
-  <p:cSld>
-    <p:spTree>
-      <p:nvGrpSpPr>
-        <p:cNvPr id="1" name=""/>
-        <p:cNvGrpSpPr/>
-        <p:nvPr/>
-      </p:nvGrpSpPr>
-      <p:grpSpPr>
-        <a:xfrm>
-          <a:off x="0" y="0"/>
-          <a:ext cx="0" cy="0"/>
-          <a:chOff x="0" y="0"/>
-          <a:chExt cx="0" cy="0"/>
-        </a:xfrm>
-      </p:grpSpPr>
-      <p:sp>
-        <p:nvSpPr>
-          <p:cNvPr id="2" name="Başlık 1">
-            <a:extLst>
-              <a:ext uri="{FF2B5EF4-FFF2-40B4-BE49-F238E27FC236}">
-                <a16:creationId xmlns:a16="http://schemas.microsoft.com/office/drawing/2014/main" id="{BFC0D1B8-2782-4030-A046-ADEA20CF86C9}"/>
-              </a:ext>
-            </a:extLst>
-          </p:cNvPr>
-          <p:cNvSpPr>
-            <a:spLocks noGrp="1"/>
-          </p:cNvSpPr>
-          <p:nvPr>
-            <p:ph type="title"/>
-          </p:nvPr>
-        </p:nvSpPr>
-        <p:spPr/>
-        <p:txBody>
-          <a:bodyPr/>
-          <a:lstStyle/>
-          <a:p>
-            <a:r>
-              <a:rPr lang="tr-TR" dirty="0" err="1"/>
-              <a:t>PROJEnin</a:t>
-            </a:r>
-            <a:r>
-              <a:rPr lang="tr-TR" dirty="0"/>
-              <a:t> amacı : </a:t>
-            </a:r>
-          </a:p>
-        </p:txBody>
-      </p:sp>
-      <p:sp>
-        <p:nvSpPr>
-          <p:cNvPr id="3" name="İçerik Yer Tutucusu 2">
-            <a:extLst>
-              <a:ext uri="{FF2B5EF4-FFF2-40B4-BE49-F238E27FC236}">
-                <a16:creationId xmlns:a16="http://schemas.microsoft.com/office/drawing/2014/main" id="{7F1EEC49-7964-4DD0-8C41-CB4C6F8C20F0}"/>
-              </a:ext>
-            </a:extLst>
-          </p:cNvPr>
-          <p:cNvSpPr>
-            <a:spLocks noGrp="1"/>
-          </p:cNvSpPr>
-          <p:nvPr>
-            <p:ph idx="1"/>
-          </p:nvPr>
-        </p:nvSpPr>
-        <p:spPr>
-          <a:xfrm>
-            <a:off x="1451579" y="2015732"/>
-            <a:ext cx="9603275" cy="2499997"/>
-          </a:xfrm>
-        </p:spPr>
-        <p:txBody>
-          <a:bodyPr/>
-          <a:lstStyle/>
-          <a:p>
-            <a:pPr marL="0" indent="0">
-              <a:buNone/>
-            </a:pPr>
-            <a:r>
-              <a:rPr lang="tr-TR" dirty="0"/>
-              <a:t>-  Öğretmen ve öğrencilerin hazırladıkları sınavları hızlı bir şekilde değerlendirebilmeleri</a:t>
-            </a:r>
-          </a:p>
-          <a:p>
-            <a:pPr>
-              <a:buFontTx/>
-              <a:buChar char="-"/>
-            </a:pPr>
-            <a:r>
-              <a:rPr lang="tr-TR" dirty="0"/>
-              <a:t>Ek donanıma ihtiyaç duymadan, cep telefonu ile kamerası veya tarayıcı ile okunacak formların bilgisayar ortamına aktarılabilmek</a:t>
-            </a:r>
-          </a:p>
-          <a:p>
-            <a:pPr>
-              <a:buFontTx/>
-              <a:buChar char="-"/>
-            </a:pPr>
-            <a:r>
-              <a:rPr lang="tr-TR" dirty="0"/>
-              <a:t>Sınavların değerlendirilmesindeki maliyeti ortadan kaldırmak</a:t>
-            </a:r>
-          </a:p>
-          <a:p>
-            <a:pPr>
-              <a:buFontTx/>
-              <a:buChar char="-"/>
-            </a:pPr>
-            <a:r>
-              <a:rPr lang="tr-TR" dirty="0"/>
-              <a:t>Sınav analizleri ve raporlarının hazırlanmasını kolaylaştırmak</a:t>
-            </a:r>
-          </a:p>
-        </p:txBody>
-      </p:sp>
-    </p:spTree>
-    <p:extLst>
-      <p:ext uri="{BB962C8B-B14F-4D97-AF65-F5344CB8AC3E}">
-        <p14:creationId xmlns:p14="http://schemas.microsoft.com/office/powerpoint/2010/main" val="2707560527"/>
-      </p:ext>
-    </p:extLst>
-  </p:cSld>
-  <p:clrMapOvr>
-    <a:masterClrMapping/>
-  </p:clrMapOvr>
-</p:sld>
-</file>
-
-<file path=ppt/slides/slide4.xml><?xml version="1.0" encoding="utf-8"?>
-<p:sld xmlns:a="http://schemas.openxmlformats.org/drawingml/2006/main" xmlns:r="http://schemas.openxmlformats.org/officeDocument/2006/relationships" xmlns:p="http://schemas.openxmlformats.org/presentationml/2006/main">
-  <p:cSld>
-    <p:spTree>
-      <p:nvGrpSpPr>
-        <p:cNvPr id="1" name=""/>
-        <p:cNvGrpSpPr/>
-        <p:nvPr/>
-      </p:nvGrpSpPr>
-      <p:grpSpPr>
-        <a:xfrm>
-          <a:off x="0" y="0"/>
-          <a:ext cx="0" cy="0"/>
-          <a:chOff x="0" y="0"/>
-          <a:chExt cx="0" cy="0"/>
-        </a:xfrm>
-      </p:grpSpPr>
-      <p:sp>
-        <p:nvSpPr>
-          <p:cNvPr id="2" name="Başlık 1">
-            <a:extLst>
-              <a:ext uri="{FF2B5EF4-FFF2-40B4-BE49-F238E27FC236}">
-                <a16:creationId xmlns:a16="http://schemas.microsoft.com/office/drawing/2014/main" id="{68EFB24A-AF48-4A54-812F-9CC1D40C635D}"/>
-              </a:ext>
-            </a:extLst>
-          </p:cNvPr>
-          <p:cNvSpPr>
-            <a:spLocks noGrp="1"/>
-          </p:cNvSpPr>
-          <p:nvPr>
-            <p:ph type="title"/>
-          </p:nvPr>
-        </p:nvSpPr>
-        <p:spPr/>
-        <p:txBody>
-          <a:bodyPr/>
-          <a:lstStyle/>
-          <a:p>
-            <a:r>
-              <a:rPr lang="tr-TR" dirty="0"/>
-              <a:t>OPTİK FORM OKUYUCU</a:t>
-            </a:r>
-          </a:p>
-        </p:txBody>
-      </p:sp>
-      <p:sp>
-        <p:nvSpPr>
-          <p:cNvPr id="3" name="İçerik Yer Tutucusu 2">
-            <a:extLst>
-              <a:ext uri="{FF2B5EF4-FFF2-40B4-BE49-F238E27FC236}">
-                <a16:creationId xmlns:a16="http://schemas.microsoft.com/office/drawing/2014/main" id="{3952E0CE-8413-461F-B74A-F3242B7B1B5E}"/>
-              </a:ext>
-            </a:extLst>
-          </p:cNvPr>
-          <p:cNvSpPr>
-            <a:spLocks noGrp="1"/>
-          </p:cNvSpPr>
-          <p:nvPr>
-            <p:ph idx="1"/>
-          </p:nvPr>
-        </p:nvSpPr>
-        <p:spPr/>
-        <p:txBody>
-          <a:bodyPr>
-            <a:normAutofit/>
-          </a:bodyPr>
-          <a:lstStyle/>
-          <a:p>
-            <a:pPr marL="0" indent="0">
-              <a:buNone/>
-            </a:pPr>
-            <a:r>
-              <a:rPr lang="tr-TR" dirty="0"/>
-              <a:t>Üç Bölümden Oluşmaktadır.</a:t>
-            </a:r>
-            <a:endParaRPr lang="tr-TR" sz="2800" dirty="0"/>
-          </a:p>
-          <a:p>
-            <a:pPr lvl="1"/>
-            <a:r>
-              <a:rPr lang="tr-TR" sz="2800" dirty="0"/>
-              <a:t>REST-API ve Web Uygulaması  ( </a:t>
-            </a:r>
-            <a:r>
-              <a:rPr lang="tr-TR" sz="2800" dirty="0" err="1"/>
-              <a:t>django</a:t>
-            </a:r>
-            <a:r>
-              <a:rPr lang="tr-TR" sz="2800" dirty="0"/>
-              <a:t> )</a:t>
-            </a:r>
-          </a:p>
-          <a:p>
-            <a:pPr marL="457200" lvl="1" indent="0">
-              <a:buNone/>
-            </a:pPr>
-            <a:endParaRPr lang="tr-TR" sz="2800" dirty="0"/>
-          </a:p>
-          <a:p>
-            <a:pPr lvl="1"/>
-            <a:r>
-              <a:rPr lang="tr-TR" sz="2800" dirty="0"/>
-              <a:t>Optik Form Okuma ( </a:t>
-            </a:r>
-            <a:r>
-              <a:rPr lang="tr-TR" sz="2800" dirty="0" err="1"/>
-              <a:t>opencv</a:t>
-            </a:r>
-            <a:r>
-              <a:rPr lang="tr-TR" sz="2800" dirty="0"/>
-              <a:t> )</a:t>
-            </a:r>
-          </a:p>
-          <a:p>
-            <a:pPr marL="457200" lvl="1" indent="0">
-              <a:buNone/>
-            </a:pPr>
-            <a:endParaRPr lang="tr-TR" sz="2800" dirty="0"/>
-          </a:p>
-          <a:p>
-            <a:pPr lvl="1"/>
-            <a:r>
-              <a:rPr lang="tr-TR" sz="2800" dirty="0"/>
-              <a:t>Masaüstü Ara Yüzü ( pyqt5 )</a:t>
-            </a:r>
-          </a:p>
-          <a:p>
-            <a:pPr marL="457200" lvl="1" indent="0">
-              <a:buNone/>
-            </a:pPr>
-            <a:endParaRPr lang="tr-TR" sz="2800" dirty="0"/>
-          </a:p>
-          <a:p>
-            <a:pPr marL="457200" lvl="1" indent="0">
-              <a:buNone/>
-            </a:pPr>
-            <a:endParaRPr lang="tr-TR" sz="2800" dirty="0"/>
-          </a:p>
-        </p:txBody>
-      </p:sp>
-    </p:spTree>
-    <p:extLst>
-      <p:ext uri="{BB962C8B-B14F-4D97-AF65-F5344CB8AC3E}">
-        <p14:creationId xmlns:p14="http://schemas.microsoft.com/office/powerpoint/2010/main" val="622964702"/>
-      </p:ext>
-    </p:extLst>
-  </p:cSld>
-  <p:clrMapOvr>
-    <a:masterClrMapping/>
-  </p:clrMapOvr>
-</p:sld>
-</file>
-
-<file path=ppt/slides/slide5.xml><?xml version="1.0" encoding="utf-8"?>
-<p:sld xmlns:a="http://schemas.openxmlformats.org/drawingml/2006/main" xmlns:r="http://schemas.openxmlformats.org/officeDocument/2006/relationships" xmlns:p="http://schemas.openxmlformats.org/presentationml/2006/main">
-  <p:cSld>
-    <p:spTree>
-      <p:nvGrpSpPr>
-        <p:cNvPr id="1" name=""/>
-        <p:cNvGrpSpPr/>
-        <p:nvPr/>
-      </p:nvGrpSpPr>
-      <p:grpSpPr>
-        <a:xfrm>
-          <a:off x="0" y="0"/>
-          <a:ext cx="0" cy="0"/>
-          <a:chOff x="0" y="0"/>
-          <a:chExt cx="0" cy="0"/>
-        </a:xfrm>
-      </p:grpSpPr>
-      <p:sp>
-        <p:nvSpPr>
-          <p:cNvPr id="2" name="Başlık 1">
-            <a:extLst>
-              <a:ext uri="{FF2B5EF4-FFF2-40B4-BE49-F238E27FC236}">
-                <a16:creationId xmlns:a16="http://schemas.microsoft.com/office/drawing/2014/main" id="{97905E91-C2F8-49BB-8997-738F1AA9A1E7}"/>
-              </a:ext>
-            </a:extLst>
-          </p:cNvPr>
-          <p:cNvSpPr>
-            <a:spLocks noGrp="1"/>
-          </p:cNvSpPr>
-          <p:nvPr>
-            <p:ph type="title"/>
-          </p:nvPr>
-        </p:nvSpPr>
-        <p:spPr/>
-        <p:txBody>
-          <a:bodyPr/>
-          <a:lstStyle/>
-          <a:p>
-            <a:r>
-              <a:rPr lang="tr-TR" sz="3200" dirty="0"/>
-              <a:t>REST-API ve Web Uygulaması</a:t>
-            </a:r>
-            <a:br>
-              <a:rPr lang="tr-TR" sz="3200" dirty="0"/>
-            </a:br>
-            <a:endParaRPr lang="tr-TR" dirty="0"/>
-          </a:p>
-        </p:txBody>
-      </p:sp>
-      <p:pic>
-        <p:nvPicPr>
-          <p:cNvPr id="5" name="Resim 4" descr="ekran görüntüsü içeren bir resim&#10;&#10;Açıklama otomatik olarak oluşturuldu">
-            <a:extLst>
-              <a:ext uri="{FF2B5EF4-FFF2-40B4-BE49-F238E27FC236}">
-                <a16:creationId xmlns:a16="http://schemas.microsoft.com/office/drawing/2014/main" id="{7196C5D2-6EC9-4B90-A9A5-BB5E7CC0CF36}"/>
-              </a:ext>
-            </a:extLst>
-          </p:cNvPr>
-          <p:cNvPicPr>
-            <a:picLocks noChangeAspect="1"/>
-          </p:cNvPicPr>
-          <p:nvPr/>
-        </p:nvPicPr>
-        <p:blipFill>
-          <a:blip r:embed="rId2">
-            <a:extLst>
-              <a:ext uri="{28A0092B-C50C-407E-A947-70E740481C1C}">
-                <a14:useLocalDpi xmlns:a14="http://schemas.microsoft.com/office/drawing/2010/main" val="0"/>
-              </a:ext>
-            </a:extLst>
-          </a:blip>
-          <a:stretch>
-            <a:fillRect/>
-          </a:stretch>
-        </p:blipFill>
-        <p:spPr>
-          <a:xfrm>
-            <a:off x="7308217" y="908515"/>
-            <a:ext cx="4525006" cy="4534533"/>
-          </a:xfrm>
-          <a:prstGeom prst="rect">
-            <a:avLst/>
-          </a:prstGeom>
-        </p:spPr>
-      </p:pic>
-    </p:spTree>
-    <p:extLst>
-      <p:ext uri="{BB962C8B-B14F-4D97-AF65-F5344CB8AC3E}">
-        <p14:creationId xmlns:p14="http://schemas.microsoft.com/office/powerpoint/2010/main" val="3812836456"/>
-      </p:ext>
-    </p:extLst>
-  </p:cSld>
-  <p:clrMapOvr>
-    <a:masterClrMapping/>
-  </p:clrMapOvr>
-</p:sld>
-</file>
-
-<file path=ppt/slides/slide6.xml><?xml version="1.0" encoding="utf-8"?>
-<p:sld xmlns:a="http://schemas.openxmlformats.org/drawingml/2006/main" xmlns:r="http://schemas.openxmlformats.org/officeDocument/2006/relationships" xmlns:p="http://schemas.openxmlformats.org/presentationml/2006/main">
-  <p:cSld>
-    <p:spTree>
-      <p:nvGrpSpPr>
-        <p:cNvPr id="1" name=""/>
-        <p:cNvGrpSpPr/>
-        <p:nvPr/>
-      </p:nvGrpSpPr>
-      <p:grpSpPr>
-        <a:xfrm>
-          <a:off x="0" y="0"/>
-          <a:ext cx="0" cy="0"/>
-          <a:chOff x="0" y="0"/>
-          <a:chExt cx="0" cy="0"/>
-        </a:xfrm>
-      </p:grpSpPr>
-      <p:sp>
-        <p:nvSpPr>
-          <p:cNvPr id="2" name="Başlık 1">
-            <a:extLst>
-              <a:ext uri="{FF2B5EF4-FFF2-40B4-BE49-F238E27FC236}">
-                <a16:creationId xmlns:a16="http://schemas.microsoft.com/office/drawing/2014/main" id="{97905E91-C2F8-49BB-8997-738F1AA9A1E7}"/>
-              </a:ext>
-            </a:extLst>
-          </p:cNvPr>
-          <p:cNvSpPr>
-            <a:spLocks noGrp="1"/>
-          </p:cNvSpPr>
-          <p:nvPr>
-            <p:ph type="title"/>
-          </p:nvPr>
-        </p:nvSpPr>
-        <p:spPr/>
-        <p:txBody>
-          <a:bodyPr/>
-          <a:lstStyle/>
-          <a:p>
-            <a:r>
-              <a:rPr lang="tr-TR" sz="3200" dirty="0"/>
-              <a:t>REST-API ve Web Uygulaması</a:t>
-            </a:r>
-            <a:br>
-              <a:rPr lang="tr-TR" sz="3200" dirty="0"/>
-            </a:br>
-            <a:endParaRPr lang="tr-TR" dirty="0"/>
-          </a:p>
-        </p:txBody>
-      </p:sp>
-      <p:sp>
-        <p:nvSpPr>
-          <p:cNvPr id="3" name="Metin kutusu 2">
-            <a:extLst>
-              <a:ext uri="{FF2B5EF4-FFF2-40B4-BE49-F238E27FC236}">
-                <a16:creationId xmlns:a16="http://schemas.microsoft.com/office/drawing/2014/main" id="{90388D11-7F86-4D65-8CF9-BC7214981DD8}"/>
-              </a:ext>
-            </a:extLst>
-          </p:cNvPr>
-          <p:cNvSpPr txBox="1"/>
-          <p:nvPr/>
-        </p:nvSpPr>
-        <p:spPr>
-          <a:xfrm>
-            <a:off x="1083212" y="2089370"/>
-            <a:ext cx="9971641" cy="1631216"/>
-          </a:xfrm>
-          <a:prstGeom prst="rect">
-            <a:avLst/>
-          </a:prstGeom>
-          <a:noFill/>
-        </p:spPr>
-        <p:txBody>
-          <a:bodyPr wrap="square" rtlCol="0">
-            <a:spAutoFit/>
-          </a:bodyPr>
-          <a:lstStyle/>
-          <a:p>
-            <a:r>
-              <a:rPr lang="tr-TR" sz="2000" dirty="0"/>
-              <a:t>ÖĞRENCİ GİRİŞİ:</a:t>
-            </a:r>
-          </a:p>
-          <a:p>
-            <a:endParaRPr lang="tr-TR" sz="2000" dirty="0"/>
-          </a:p>
-          <a:p>
-            <a:r>
-              <a:rPr lang="tr-TR" sz="2000" dirty="0"/>
-              <a:t>- Öğrenciye verilen KİMLİK (ID) optik formalarda öğrenciyi tanımlamak için kullanılacaktır. </a:t>
-            </a:r>
-          </a:p>
-          <a:p>
-            <a:endParaRPr lang="tr-TR" sz="2000" dirty="0"/>
-          </a:p>
-          <a:p>
-            <a:r>
-              <a:rPr lang="tr-TR" sz="2000" dirty="0"/>
-              <a:t>- Bu yüzden öğrenci sınava girmeden sisteme kayıt olarak </a:t>
-            </a:r>
-            <a:r>
-              <a:rPr lang="tr-TR" sz="2000" dirty="0" err="1"/>
-              <a:t>id</a:t>
-            </a:r>
-            <a:r>
-              <a:rPr lang="tr-TR" sz="2000" dirty="0"/>
-              <a:t>  almalı ve sınavda forma işlemelidir.</a:t>
-            </a:r>
-          </a:p>
-        </p:txBody>
-      </p:sp>
-      <p:pic>
-        <p:nvPicPr>
-          <p:cNvPr id="6" name="Resim 5" descr="tablo, hazır, ahşap, tutma içeren bir resim&#10;&#10;Açıklama otomatik olarak oluşturuldu">
-            <a:extLst>
-              <a:ext uri="{FF2B5EF4-FFF2-40B4-BE49-F238E27FC236}">
-                <a16:creationId xmlns:a16="http://schemas.microsoft.com/office/drawing/2014/main" id="{0FCC10B3-5B21-4623-B6C4-B453F4FB8EC4}"/>
-              </a:ext>
-            </a:extLst>
-          </p:cNvPr>
-          <p:cNvPicPr>
-            <a:picLocks noChangeAspect="1"/>
-          </p:cNvPicPr>
-          <p:nvPr/>
-        </p:nvPicPr>
-        <p:blipFill>
-          <a:blip r:embed="rId2">
-            <a:extLst>
-              <a:ext uri="{28A0092B-C50C-407E-A947-70E740481C1C}">
-                <a14:useLocalDpi xmlns:a14="http://schemas.microsoft.com/office/drawing/2010/main" val="0"/>
-              </a:ext>
-            </a:extLst>
-          </a:blip>
-          <a:stretch>
-            <a:fillRect/>
-          </a:stretch>
-        </p:blipFill>
-        <p:spPr>
-          <a:xfrm>
-            <a:off x="3133343" y="4079313"/>
-            <a:ext cx="6239746" cy="1400370"/>
-          </a:xfrm>
-          <a:prstGeom prst="rect">
-            <a:avLst/>
-          </a:prstGeom>
-        </p:spPr>
-      </p:pic>
-    </p:spTree>
-    <p:extLst>
-      <p:ext uri="{BB962C8B-B14F-4D97-AF65-F5344CB8AC3E}">
-        <p14:creationId xmlns:p14="http://schemas.microsoft.com/office/powerpoint/2010/main" val="1082340492"/>
-      </p:ext>
-    </p:extLst>
-  </p:cSld>
-  <p:clrMapOvr>
-    <a:masterClrMapping/>
-  </p:clrMapOvr>
-</p:sld>
-</file>
-
-<file path=ppt/slides/slide7.xml><?xml version="1.0" encoding="utf-8"?>
-<p:sld xmlns:a="http://schemas.openxmlformats.org/drawingml/2006/main" xmlns:r="http://schemas.openxmlformats.org/officeDocument/2006/relationships" xmlns:p="http://schemas.openxmlformats.org/presentationml/2006/main">
-  <p:cSld>
-    <p:spTree>
-      <p:nvGrpSpPr>
-        <p:cNvPr id="1" name=""/>
-        <p:cNvGrpSpPr/>
-        <p:nvPr/>
-      </p:nvGrpSpPr>
-      <p:grpSpPr>
-        <a:xfrm>
-          <a:off x="0" y="0"/>
-          <a:ext cx="0" cy="0"/>
-          <a:chOff x="0" y="0"/>
-          <a:chExt cx="0" cy="0"/>
-        </a:xfrm>
-      </p:grpSpPr>
-      <p:sp>
-        <p:nvSpPr>
-          <p:cNvPr id="2" name="Başlık 1">
-            <a:extLst>
-              <a:ext uri="{FF2B5EF4-FFF2-40B4-BE49-F238E27FC236}">
-                <a16:creationId xmlns:a16="http://schemas.microsoft.com/office/drawing/2014/main" id="{97905E91-C2F8-49BB-8997-738F1AA9A1E7}"/>
-              </a:ext>
-            </a:extLst>
-          </p:cNvPr>
-          <p:cNvSpPr>
-            <a:spLocks noGrp="1"/>
-          </p:cNvSpPr>
-          <p:nvPr>
-            <p:ph type="title"/>
-          </p:nvPr>
-        </p:nvSpPr>
-        <p:spPr/>
-        <p:txBody>
-          <a:bodyPr/>
-          <a:lstStyle/>
-          <a:p>
-            <a:r>
-              <a:rPr lang="tr-TR" sz="3200" dirty="0"/>
-              <a:t>REST-API ve Web Uygulaması</a:t>
-            </a:r>
-            <a:br>
-              <a:rPr lang="tr-TR" sz="3200" dirty="0"/>
-            </a:br>
-            <a:endParaRPr lang="tr-TR" dirty="0"/>
-          </a:p>
-        </p:txBody>
-      </p:sp>
-      <p:sp>
-        <p:nvSpPr>
-          <p:cNvPr id="3" name="Metin kutusu 2">
-            <a:extLst>
-              <a:ext uri="{FF2B5EF4-FFF2-40B4-BE49-F238E27FC236}">
-                <a16:creationId xmlns:a16="http://schemas.microsoft.com/office/drawing/2014/main" id="{90388D11-7F86-4D65-8CF9-BC7214981DD8}"/>
-              </a:ext>
-            </a:extLst>
-          </p:cNvPr>
-          <p:cNvSpPr txBox="1"/>
-          <p:nvPr/>
-        </p:nvSpPr>
-        <p:spPr>
-          <a:xfrm>
-            <a:off x="1102073" y="1914221"/>
-            <a:ext cx="9987854" cy="1631216"/>
-          </a:xfrm>
-          <a:prstGeom prst="rect">
-            <a:avLst/>
-          </a:prstGeom>
-          <a:noFill/>
-        </p:spPr>
-        <p:txBody>
-          <a:bodyPr wrap="square" rtlCol="0">
-            <a:spAutoFit/>
-          </a:bodyPr>
-          <a:lstStyle/>
-          <a:p>
-            <a:r>
-              <a:rPr lang="tr-TR" sz="2000" dirty="0"/>
-              <a:t>ÖĞRETMEN GİRİŞİ:</a:t>
-            </a:r>
-          </a:p>
-          <a:p>
-            <a:endParaRPr lang="tr-TR" sz="2000" dirty="0"/>
-          </a:p>
-          <a:p>
-            <a:pPr marL="342900" indent="-342900">
-              <a:buFontTx/>
-              <a:buChar char="-"/>
-            </a:pPr>
-            <a:r>
-              <a:rPr lang="tr-TR" sz="2000" dirty="0"/>
-              <a:t>Öğretmen sınav yapmadan önce, web üzerinde sınav tanımlamalıdır.</a:t>
-            </a:r>
-          </a:p>
-          <a:p>
-            <a:r>
-              <a:rPr lang="tr-TR" sz="2000" dirty="0"/>
-              <a:t> </a:t>
-            </a:r>
-          </a:p>
-          <a:p>
-            <a:r>
-              <a:rPr lang="tr-TR" sz="2000" dirty="0"/>
-              <a:t>-    Kendisine verilen sınav kodu optik forma işlenmelidir.</a:t>
-            </a:r>
-          </a:p>
-        </p:txBody>
-      </p:sp>
-      <p:pic>
-        <p:nvPicPr>
-          <p:cNvPr id="5" name="Resim 4" descr="ekran görüntüsü içeren bir resim&#10;&#10;Açıklama otomatik olarak oluşturuldu">
-            <a:extLst>
-              <a:ext uri="{FF2B5EF4-FFF2-40B4-BE49-F238E27FC236}">
-                <a16:creationId xmlns:a16="http://schemas.microsoft.com/office/drawing/2014/main" id="{8438C85C-916C-49EA-A20A-BAB8A3F4756D}"/>
-              </a:ext>
-            </a:extLst>
-          </p:cNvPr>
-          <p:cNvPicPr>
-            <a:picLocks noChangeAspect="1"/>
-          </p:cNvPicPr>
-          <p:nvPr/>
-        </p:nvPicPr>
-        <p:blipFill>
-          <a:blip r:embed="rId2">
-            <a:extLst>
-              <a:ext uri="{28A0092B-C50C-407E-A947-70E740481C1C}">
-                <a14:useLocalDpi xmlns:a14="http://schemas.microsoft.com/office/drawing/2010/main" val="0"/>
-              </a:ext>
-            </a:extLst>
-          </a:blip>
-          <a:stretch>
-            <a:fillRect/>
-          </a:stretch>
-        </p:blipFill>
-        <p:spPr>
-          <a:xfrm>
-            <a:off x="1052887" y="3605904"/>
-            <a:ext cx="10659963" cy="2057687"/>
-          </a:xfrm>
-          <a:prstGeom prst="rect">
-            <a:avLst/>
-          </a:prstGeom>
-        </p:spPr>
-      </p:pic>
-    </p:spTree>
-    <p:extLst>
-      <p:ext uri="{BB962C8B-B14F-4D97-AF65-F5344CB8AC3E}">
-        <p14:creationId xmlns:p14="http://schemas.microsoft.com/office/powerpoint/2010/main" val="3362338801"/>
-      </p:ext>
-    </p:extLst>
-  </p:cSld>
-  <p:clrMapOvr>
-    <a:masterClrMapping/>
-  </p:clrMapOvr>
-</p:sld>
-</file>
-
-<file path=ppt/slides/slide8.xml><?xml version="1.0" encoding="utf-8"?>
-<p:sld xmlns:a="http://schemas.openxmlformats.org/drawingml/2006/main" xmlns:r="http://schemas.openxmlformats.org/officeDocument/2006/relationships" xmlns:p="http://schemas.openxmlformats.org/presentationml/2006/main">
-  <p:cSld>
-    <p:spTree>
-      <p:nvGrpSpPr>
-        <p:cNvPr id="1" name=""/>
-        <p:cNvGrpSpPr/>
-        <p:nvPr/>
-      </p:nvGrpSpPr>
-      <p:grpSpPr>
-        <a:xfrm>
-          <a:off x="0" y="0"/>
-          <a:ext cx="0" cy="0"/>
-          <a:chOff x="0" y="0"/>
-          <a:chExt cx="0" cy="0"/>
-        </a:xfrm>
-      </p:grpSpPr>
-      <p:sp>
-        <p:nvSpPr>
-          <p:cNvPr id="2" name="Başlık 1">
-            <a:extLst>
-              <a:ext uri="{FF2B5EF4-FFF2-40B4-BE49-F238E27FC236}">
-                <a16:creationId xmlns:a16="http://schemas.microsoft.com/office/drawing/2014/main" id="{97905E91-C2F8-49BB-8997-738F1AA9A1E7}"/>
-              </a:ext>
-            </a:extLst>
-          </p:cNvPr>
-          <p:cNvSpPr>
-            <a:spLocks noGrp="1"/>
-          </p:cNvSpPr>
-          <p:nvPr>
-            <p:ph type="title"/>
-          </p:nvPr>
-        </p:nvSpPr>
-        <p:spPr/>
-        <p:txBody>
-          <a:bodyPr/>
-          <a:lstStyle/>
-          <a:p>
-            <a:r>
-              <a:rPr lang="tr-TR" sz="3200" dirty="0"/>
-              <a:t>OPTİK FORM OKUMA</a:t>
-            </a:r>
-            <a:br>
-              <a:rPr lang="tr-TR" sz="3200" dirty="0"/>
-            </a:br>
-            <a:endParaRPr lang="tr-TR" dirty="0"/>
-          </a:p>
-        </p:txBody>
-      </p:sp>
-      <p:sp>
-        <p:nvSpPr>
-          <p:cNvPr id="3" name="Metin kutusu 2">
-            <a:extLst>
-              <a:ext uri="{FF2B5EF4-FFF2-40B4-BE49-F238E27FC236}">
-                <a16:creationId xmlns:a16="http://schemas.microsoft.com/office/drawing/2014/main" id="{90388D11-7F86-4D65-8CF9-BC7214981DD8}"/>
-              </a:ext>
-            </a:extLst>
-          </p:cNvPr>
-          <p:cNvSpPr txBox="1"/>
-          <p:nvPr/>
-        </p:nvSpPr>
-        <p:spPr>
-          <a:xfrm>
-            <a:off x="1282767" y="2459504"/>
-            <a:ext cx="6089359" cy="1200329"/>
-          </a:xfrm>
-          <a:prstGeom prst="rect">
-            <a:avLst/>
-          </a:prstGeom>
-          <a:noFill/>
-        </p:spPr>
-        <p:txBody>
-          <a:bodyPr wrap="none" rtlCol="0">
-            <a:spAutoFit/>
-          </a:bodyPr>
-          <a:lstStyle/>
-          <a:p>
-            <a:r>
-              <a:rPr lang="tr-TR" sz="2400" dirty="0">
-                <a:hlinkClick r:id="rId2"/>
-              </a:rPr>
-              <a:t>https://github.com/Udayraj123/OMRChecker.git</a:t>
-            </a:r>
-            <a:endParaRPr lang="tr-TR" sz="2400" dirty="0"/>
-          </a:p>
-          <a:p>
-            <a:endParaRPr lang="tr-TR" sz="2400" dirty="0"/>
-          </a:p>
-          <a:p>
-            <a:r>
-              <a:rPr lang="tr-TR" sz="2400" dirty="0"/>
-              <a:t>adresinden </a:t>
-            </a:r>
-            <a:r>
-              <a:rPr lang="tr-TR" sz="2400" dirty="0" err="1"/>
-              <a:t>fork</a:t>
-            </a:r>
-            <a:r>
-              <a:rPr lang="tr-TR" sz="2400" dirty="0"/>
-              <a:t> edildi.</a:t>
-            </a:r>
-          </a:p>
-        </p:txBody>
-      </p:sp>
-    </p:spTree>
-    <p:extLst>
-      <p:ext uri="{BB962C8B-B14F-4D97-AF65-F5344CB8AC3E}">
-        <p14:creationId xmlns:p14="http://schemas.microsoft.com/office/powerpoint/2010/main" val="3290489158"/>
-      </p:ext>
-    </p:extLst>
-  </p:cSld>
-  <p:clrMapOvr>
-    <a:masterClrMapping/>
-  </p:clrMapOvr>
-</p:sld>
-</file>
-
-<file path=ppt/slides/slide9.xml><?xml version="1.0" encoding="utf-8"?>
-<p:sld xmlns:a="http://schemas.openxmlformats.org/drawingml/2006/main" xmlns:r="http://schemas.openxmlformats.org/officeDocument/2006/relationships" xmlns:p="http://schemas.openxmlformats.org/presentationml/2006/main">
-  <p:cSld>
-    <p:spTree>
-      <p:nvGrpSpPr>
-        <p:cNvPr id="1" name=""/>
-        <p:cNvGrpSpPr/>
-        <p:nvPr/>
-      </p:nvGrpSpPr>
-      <p:grpSpPr>
-        <a:xfrm>
-          <a:off x="0" y="0"/>
-          <a:ext cx="0" cy="0"/>
-          <a:chOff x="0" y="0"/>
-          <a:chExt cx="0" cy="0"/>
-        </a:xfrm>
-      </p:grpSpPr>
-      <p:sp>
-        <p:nvSpPr>
-          <p:cNvPr id="2" name="Başlık 1">
-            <a:extLst>
-              <a:ext uri="{FF2B5EF4-FFF2-40B4-BE49-F238E27FC236}">
                 <a16:creationId xmlns:a16="http://schemas.microsoft.com/office/drawing/2014/main" id="{97905E91-C2F8-49BB-8997-738F1AA9A1E7}"/>
               </a:ext>
             </a:extLst>
@@ -6370,7 +4444,7 @@
           <a:graphicData uri="http://schemas.openxmlformats.org/presentationml/2006/ole">
             <mc:AlternateContent xmlns:mc="http://schemas.openxmlformats.org/markup-compatibility/2006">
               <mc:Choice xmlns:v="urn:schemas-microsoft-com:vml" Requires="v">
-                <p:oleObj spid="_x0000_s1064" name="Paketleyici Kabuk Nesnesi" showAsIcon="1" r:id="rId5" imgW="825120" imgH="491040" progId="Package">
+                <p:oleObj spid="_x0000_s1066" name="Paketleyici Kabuk Nesnesi" showAsIcon="1" r:id="rId5" imgW="825120" imgH="491040" progId="Package">
                   <p:embed/>
                 </p:oleObj>
               </mc:Choice>
@@ -6409,6 +4483,2145 @@
     <p:extLst>
       <p:ext uri="{BB962C8B-B14F-4D97-AF65-F5344CB8AC3E}">
         <p14:creationId xmlns:p14="http://schemas.microsoft.com/office/powerpoint/2010/main" val="2609831053"/>
+      </p:ext>
+    </p:extLst>
+  </p:cSld>
+  <p:clrMapOvr>
+    <a:masterClrMapping/>
+  </p:clrMapOvr>
+</p:sld>
+</file>
+
+<file path=ppt/slides/slide11.xml><?xml version="1.0" encoding="utf-8"?>
+<p:sld xmlns:a="http://schemas.openxmlformats.org/drawingml/2006/main" xmlns:r="http://schemas.openxmlformats.org/officeDocument/2006/relationships" xmlns:p="http://schemas.openxmlformats.org/presentationml/2006/main">
+  <p:cSld>
+    <p:spTree>
+      <p:nvGrpSpPr>
+        <p:cNvPr id="1" name=""/>
+        <p:cNvGrpSpPr/>
+        <p:nvPr/>
+      </p:nvGrpSpPr>
+      <p:grpSpPr>
+        <a:xfrm>
+          <a:off x="0" y="0"/>
+          <a:ext cx="0" cy="0"/>
+          <a:chOff x="0" y="0"/>
+          <a:chExt cx="0" cy="0"/>
+        </a:xfrm>
+      </p:grpSpPr>
+      <p:sp>
+        <p:nvSpPr>
+          <p:cNvPr id="2" name="Başlık 1">
+            <a:extLst>
+              <a:ext uri="{FF2B5EF4-FFF2-40B4-BE49-F238E27FC236}">
+                <a16:creationId xmlns:a16="http://schemas.microsoft.com/office/drawing/2014/main" id="{85F3963A-1D4E-4306-B04C-8FF6A60EB33B}"/>
+              </a:ext>
+            </a:extLst>
+          </p:cNvPr>
+          <p:cNvSpPr>
+            <a:spLocks noGrp="1"/>
+          </p:cNvSpPr>
+          <p:nvPr>
+            <p:ph type="title"/>
+          </p:nvPr>
+        </p:nvSpPr>
+        <p:spPr/>
+        <p:txBody>
+          <a:bodyPr/>
+          <a:lstStyle/>
+          <a:p>
+            <a:r>
+              <a:rPr lang="tr-TR" dirty="0"/>
+              <a:t>MASAÜSÜTÜ ARAYÜZÜ</a:t>
+            </a:r>
+          </a:p>
+        </p:txBody>
+      </p:sp>
+      <p:sp>
+        <p:nvSpPr>
+          <p:cNvPr id="3" name="İçerik Yer Tutucusu 2">
+            <a:extLst>
+              <a:ext uri="{FF2B5EF4-FFF2-40B4-BE49-F238E27FC236}">
+                <a16:creationId xmlns:a16="http://schemas.microsoft.com/office/drawing/2014/main" id="{47710F72-9082-4833-BEA4-ED272BED9678}"/>
+              </a:ext>
+            </a:extLst>
+          </p:cNvPr>
+          <p:cNvSpPr>
+            <a:spLocks noGrp="1"/>
+          </p:cNvSpPr>
+          <p:nvPr>
+            <p:ph idx="1"/>
+          </p:nvPr>
+        </p:nvSpPr>
+        <p:spPr/>
+        <p:txBody>
+          <a:bodyPr/>
+          <a:lstStyle/>
+          <a:p>
+            <a:r>
+              <a:rPr lang="tr-TR" dirty="0"/>
+              <a:t>Kullanıcı Giriş Ekranı:</a:t>
+            </a:r>
+          </a:p>
+          <a:p>
+            <a:pPr marL="0" indent="0">
+              <a:buNone/>
+            </a:pPr>
+            <a:endParaRPr lang="tr-TR" dirty="0"/>
+          </a:p>
+        </p:txBody>
+      </p:sp>
+      <p:pic>
+        <p:nvPicPr>
+          <p:cNvPr id="4" name="Resim 3" descr="ekran görüntüsü içeren bir resim&#10;&#10;Açıklama otomatik olarak oluşturuldu">
+            <a:extLst>
+              <a:ext uri="{FF2B5EF4-FFF2-40B4-BE49-F238E27FC236}">
+                <a16:creationId xmlns:a16="http://schemas.microsoft.com/office/drawing/2014/main" id="{2533905A-6514-49F5-BA94-60E05FAFB188}"/>
+              </a:ext>
+            </a:extLst>
+          </p:cNvPr>
+          <p:cNvPicPr/>
+          <p:nvPr/>
+        </p:nvPicPr>
+        <p:blipFill>
+          <a:blip r:embed="rId2">
+            <a:extLst>
+              <a:ext uri="{28A0092B-C50C-407E-A947-70E740481C1C}">
+                <a14:useLocalDpi xmlns:a14="http://schemas.microsoft.com/office/drawing/2010/main" val="0"/>
+              </a:ext>
+            </a:extLst>
+          </a:blip>
+          <a:stretch>
+            <a:fillRect/>
+          </a:stretch>
+        </p:blipFill>
+        <p:spPr>
+          <a:xfrm>
+            <a:off x="5219383" y="1853754"/>
+            <a:ext cx="4191904" cy="4199727"/>
+          </a:xfrm>
+          <a:prstGeom prst="rect">
+            <a:avLst/>
+          </a:prstGeom>
+        </p:spPr>
+      </p:pic>
+    </p:spTree>
+    <p:extLst>
+      <p:ext uri="{BB962C8B-B14F-4D97-AF65-F5344CB8AC3E}">
+        <p14:creationId xmlns:p14="http://schemas.microsoft.com/office/powerpoint/2010/main" val="2894857076"/>
+      </p:ext>
+    </p:extLst>
+  </p:cSld>
+  <p:clrMapOvr>
+    <a:masterClrMapping/>
+  </p:clrMapOvr>
+</p:sld>
+</file>
+
+<file path=ppt/slides/slide12.xml><?xml version="1.0" encoding="utf-8"?>
+<p:sld xmlns:a="http://schemas.openxmlformats.org/drawingml/2006/main" xmlns:r="http://schemas.openxmlformats.org/officeDocument/2006/relationships" xmlns:p="http://schemas.openxmlformats.org/presentationml/2006/main">
+  <p:cSld>
+    <p:spTree>
+      <p:nvGrpSpPr>
+        <p:cNvPr id="1" name=""/>
+        <p:cNvGrpSpPr/>
+        <p:nvPr/>
+      </p:nvGrpSpPr>
+      <p:grpSpPr>
+        <a:xfrm>
+          <a:off x="0" y="0"/>
+          <a:ext cx="0" cy="0"/>
+          <a:chOff x="0" y="0"/>
+          <a:chExt cx="0" cy="0"/>
+        </a:xfrm>
+      </p:grpSpPr>
+      <p:sp>
+        <p:nvSpPr>
+          <p:cNvPr id="2" name="Başlık 1">
+            <a:extLst>
+              <a:ext uri="{FF2B5EF4-FFF2-40B4-BE49-F238E27FC236}">
+                <a16:creationId xmlns:a16="http://schemas.microsoft.com/office/drawing/2014/main" id="{1F5AFE5F-9AA8-4D6E-A25B-C4D99DAE4840}"/>
+              </a:ext>
+            </a:extLst>
+          </p:cNvPr>
+          <p:cNvSpPr>
+            <a:spLocks noGrp="1"/>
+          </p:cNvSpPr>
+          <p:nvPr>
+            <p:ph type="title"/>
+          </p:nvPr>
+        </p:nvSpPr>
+        <p:spPr/>
+        <p:txBody>
+          <a:bodyPr/>
+          <a:lstStyle/>
+          <a:p>
+            <a:r>
+              <a:rPr lang="tr-TR" dirty="0"/>
+              <a:t>optik form</a:t>
+            </a:r>
+            <a:br>
+              <a:rPr lang="tr-TR" dirty="0"/>
+            </a:br>
+            <a:r>
+              <a:rPr lang="tr-TR" dirty="0"/>
+              <a:t>işlemleri</a:t>
+            </a:r>
+          </a:p>
+        </p:txBody>
+      </p:sp>
+      <p:pic>
+        <p:nvPicPr>
+          <p:cNvPr id="4" name="Resim 3" descr="ekran görüntüsü içeren bir resim&#10;&#10;Açıklama otomatik olarak oluşturuldu">
+            <a:extLst>
+              <a:ext uri="{FF2B5EF4-FFF2-40B4-BE49-F238E27FC236}">
+                <a16:creationId xmlns:a16="http://schemas.microsoft.com/office/drawing/2014/main" id="{B90F1C5B-5753-47DE-82B8-477CA5CA44F9}"/>
+              </a:ext>
+            </a:extLst>
+          </p:cNvPr>
+          <p:cNvPicPr/>
+          <p:nvPr/>
+        </p:nvPicPr>
+        <p:blipFill>
+          <a:blip r:embed="rId2">
+            <a:extLst>
+              <a:ext uri="{28A0092B-C50C-407E-A947-70E740481C1C}">
+                <a14:useLocalDpi xmlns:a14="http://schemas.microsoft.com/office/drawing/2010/main" val="0"/>
+              </a:ext>
+            </a:extLst>
+          </a:blip>
+          <a:stretch>
+            <a:fillRect/>
+          </a:stretch>
+        </p:blipFill>
+        <p:spPr>
+          <a:xfrm>
+            <a:off x="4987924" y="263452"/>
+            <a:ext cx="6603853" cy="6489040"/>
+          </a:xfrm>
+          <a:prstGeom prst="rect">
+            <a:avLst/>
+          </a:prstGeom>
+        </p:spPr>
+      </p:pic>
+      <p:sp>
+        <p:nvSpPr>
+          <p:cNvPr id="3" name="Metin kutusu 2">
+            <a:extLst>
+              <a:ext uri="{FF2B5EF4-FFF2-40B4-BE49-F238E27FC236}">
+                <a16:creationId xmlns:a16="http://schemas.microsoft.com/office/drawing/2014/main" id="{034C215B-3424-4E64-9773-7BDA537DEF58}"/>
+              </a:ext>
+            </a:extLst>
+          </p:cNvPr>
+          <p:cNvSpPr txBox="1"/>
+          <p:nvPr/>
+        </p:nvSpPr>
+        <p:spPr>
+          <a:xfrm>
+            <a:off x="1451579" y="2293034"/>
+            <a:ext cx="3470630" cy="1754326"/>
+          </a:xfrm>
+          <a:prstGeom prst="rect">
+            <a:avLst/>
+          </a:prstGeom>
+          <a:noFill/>
+        </p:spPr>
+        <p:txBody>
+          <a:bodyPr wrap="none" rtlCol="0">
+            <a:spAutoFit/>
+          </a:bodyPr>
+          <a:lstStyle/>
+          <a:p>
+            <a:r>
+              <a:rPr lang="tr-TR" dirty="0"/>
+              <a:t>DİKKAT :</a:t>
+            </a:r>
+          </a:p>
+          <a:p>
+            <a:endParaRPr lang="tr-TR" dirty="0"/>
+          </a:p>
+          <a:p>
+            <a:r>
+              <a:rPr lang="tr-TR" dirty="0"/>
+              <a:t>Sınav yapmadan önce </a:t>
+            </a:r>
+          </a:p>
+          <a:p>
+            <a:r>
+              <a:rPr lang="tr-TR" dirty="0"/>
+              <a:t>sınav oluşturduğunuzdan ve</a:t>
+            </a:r>
+          </a:p>
+          <a:p>
+            <a:r>
+              <a:rPr lang="tr-TR" dirty="0"/>
+              <a:t>cevap anahtarını doldurduğunuzdan</a:t>
+            </a:r>
+          </a:p>
+          <a:p>
+            <a:r>
+              <a:rPr lang="tr-TR"/>
+              <a:t>emin olun.</a:t>
+            </a:r>
+          </a:p>
+        </p:txBody>
+      </p:sp>
+    </p:spTree>
+    <p:extLst>
+      <p:ext uri="{BB962C8B-B14F-4D97-AF65-F5344CB8AC3E}">
+        <p14:creationId xmlns:p14="http://schemas.microsoft.com/office/powerpoint/2010/main" val="137358782"/>
+      </p:ext>
+    </p:extLst>
+  </p:cSld>
+  <p:clrMapOvr>
+    <a:masterClrMapping/>
+  </p:clrMapOvr>
+</p:sld>
+</file>
+
+<file path=ppt/slides/slide13.xml><?xml version="1.0" encoding="utf-8"?>
+<p:sld xmlns:a="http://schemas.openxmlformats.org/drawingml/2006/main" xmlns:r="http://schemas.openxmlformats.org/officeDocument/2006/relationships" xmlns:p="http://schemas.openxmlformats.org/presentationml/2006/main">
+  <p:cSld>
+    <p:spTree>
+      <p:nvGrpSpPr>
+        <p:cNvPr id="1" name=""/>
+        <p:cNvGrpSpPr/>
+        <p:nvPr/>
+      </p:nvGrpSpPr>
+      <p:grpSpPr>
+        <a:xfrm>
+          <a:off x="0" y="0"/>
+          <a:ext cx="0" cy="0"/>
+          <a:chOff x="0" y="0"/>
+          <a:chExt cx="0" cy="0"/>
+        </a:xfrm>
+      </p:grpSpPr>
+      <p:sp>
+        <p:nvSpPr>
+          <p:cNvPr id="2" name="Başlık 1">
+            <a:extLst>
+              <a:ext uri="{FF2B5EF4-FFF2-40B4-BE49-F238E27FC236}">
+                <a16:creationId xmlns:a16="http://schemas.microsoft.com/office/drawing/2014/main" id="{20168531-7332-4BAA-9E13-76E5313A1A8A}"/>
+              </a:ext>
+            </a:extLst>
+          </p:cNvPr>
+          <p:cNvSpPr>
+            <a:spLocks noGrp="1"/>
+          </p:cNvSpPr>
+          <p:nvPr>
+            <p:ph type="title"/>
+          </p:nvPr>
+        </p:nvSpPr>
+        <p:spPr/>
+        <p:txBody>
+          <a:bodyPr/>
+          <a:lstStyle/>
+          <a:p>
+            <a:r>
+              <a:rPr lang="tr-TR" dirty="0" err="1"/>
+              <a:t>demo</a:t>
+            </a:r>
+            <a:endParaRPr lang="tr-TR" dirty="0"/>
+          </a:p>
+        </p:txBody>
+      </p:sp>
+      <p:sp>
+        <p:nvSpPr>
+          <p:cNvPr id="3" name="Metin kutusu 2">
+            <a:extLst>
+              <a:ext uri="{FF2B5EF4-FFF2-40B4-BE49-F238E27FC236}">
+                <a16:creationId xmlns:a16="http://schemas.microsoft.com/office/drawing/2014/main" id="{996B5356-D793-4561-8000-D5BC9F1A5FFF}"/>
+              </a:ext>
+            </a:extLst>
+          </p:cNvPr>
+          <p:cNvSpPr txBox="1"/>
+          <p:nvPr/>
+        </p:nvSpPr>
+        <p:spPr>
+          <a:xfrm>
+            <a:off x="4913977" y="2367170"/>
+            <a:ext cx="2364045" cy="923330"/>
+          </a:xfrm>
+          <a:prstGeom prst="rect">
+            <a:avLst/>
+          </a:prstGeom>
+          <a:noFill/>
+        </p:spPr>
+        <p:txBody>
+          <a:bodyPr wrap="none" rtlCol="0">
+            <a:spAutoFit/>
+          </a:bodyPr>
+          <a:lstStyle/>
+          <a:p>
+            <a:r>
+              <a:rPr lang="tr-TR" b="1" dirty="0"/>
+              <a:t>İKİNCİ ADIM</a:t>
+            </a:r>
+          </a:p>
+          <a:p>
+            <a:r>
+              <a:rPr lang="tr-TR" dirty="0"/>
+              <a:t>Öğretmen Kullanıcı Adı</a:t>
+            </a:r>
+          </a:p>
+          <a:p>
+            <a:r>
+              <a:rPr lang="tr-TR" dirty="0"/>
+              <a:t>Öğretmen Parola</a:t>
+            </a:r>
+          </a:p>
+        </p:txBody>
+      </p:sp>
+      <p:sp>
+        <p:nvSpPr>
+          <p:cNvPr id="4" name="Metin kutusu 3">
+            <a:extLst>
+              <a:ext uri="{FF2B5EF4-FFF2-40B4-BE49-F238E27FC236}">
+                <a16:creationId xmlns:a16="http://schemas.microsoft.com/office/drawing/2014/main" id="{DA49494C-81F6-4DBD-9367-4C72BBE06E7D}"/>
+              </a:ext>
+            </a:extLst>
+          </p:cNvPr>
+          <p:cNvSpPr txBox="1"/>
+          <p:nvPr/>
+        </p:nvSpPr>
+        <p:spPr>
+          <a:xfrm>
+            <a:off x="1313260" y="2367170"/>
+            <a:ext cx="2560381" cy="2031325"/>
+          </a:xfrm>
+          <a:prstGeom prst="rect">
+            <a:avLst/>
+          </a:prstGeom>
+          <a:noFill/>
+        </p:spPr>
+        <p:txBody>
+          <a:bodyPr wrap="none" rtlCol="0">
+            <a:spAutoFit/>
+          </a:bodyPr>
+          <a:lstStyle/>
+          <a:p>
+            <a:r>
+              <a:rPr lang="tr-TR" b="1" dirty="0"/>
+              <a:t>BİRİNCİ ADIM</a:t>
+            </a:r>
+          </a:p>
+          <a:p>
+            <a:r>
+              <a:rPr lang="tr-TR" dirty="0"/>
+              <a:t>Öğrenci </a:t>
+            </a:r>
+            <a:r>
+              <a:rPr lang="tr-TR" dirty="0" err="1"/>
+              <a:t>idleri</a:t>
+            </a:r>
+            <a:r>
+              <a:rPr lang="tr-TR" dirty="0"/>
+              <a:t>:</a:t>
+            </a:r>
+          </a:p>
+          <a:p>
+            <a:endParaRPr lang="tr-TR" dirty="0"/>
+          </a:p>
+          <a:p>
+            <a:r>
+              <a:rPr lang="tr-TR" dirty="0"/>
+              <a:t>Öğrenciler sınavdan önce</a:t>
+            </a:r>
+          </a:p>
+          <a:p>
+            <a:r>
+              <a:rPr lang="tr-TR" dirty="0"/>
+              <a:t>sisteme kayıt olmalı ve</a:t>
+            </a:r>
+          </a:p>
+          <a:p>
+            <a:r>
+              <a:rPr lang="tr-TR" dirty="0"/>
+              <a:t>aldıkları ID bilgisini optik</a:t>
+            </a:r>
+          </a:p>
+          <a:p>
+            <a:r>
+              <a:rPr lang="tr-TR" dirty="0"/>
+              <a:t>forma kodlamalıdır.</a:t>
+            </a:r>
+          </a:p>
+        </p:txBody>
+      </p:sp>
+      <p:sp>
+        <p:nvSpPr>
+          <p:cNvPr id="6" name="Metin kutusu 5">
+            <a:extLst>
+              <a:ext uri="{FF2B5EF4-FFF2-40B4-BE49-F238E27FC236}">
+                <a16:creationId xmlns:a16="http://schemas.microsoft.com/office/drawing/2014/main" id="{3F289083-42E0-448B-B613-DBF92709D00D}"/>
+              </a:ext>
+            </a:extLst>
+          </p:cNvPr>
+          <p:cNvSpPr txBox="1"/>
+          <p:nvPr/>
+        </p:nvSpPr>
+        <p:spPr>
+          <a:xfrm>
+            <a:off x="8318358" y="2367170"/>
+            <a:ext cx="2234138" cy="1754326"/>
+          </a:xfrm>
+          <a:prstGeom prst="rect">
+            <a:avLst/>
+          </a:prstGeom>
+          <a:noFill/>
+        </p:spPr>
+        <p:txBody>
+          <a:bodyPr wrap="none" rtlCol="0">
+            <a:spAutoFit/>
+          </a:bodyPr>
+          <a:lstStyle/>
+          <a:p>
+            <a:r>
+              <a:rPr lang="tr-TR" b="1" dirty="0"/>
+              <a:t>ÜÇÜNCÜ ADIM</a:t>
+            </a:r>
+          </a:p>
+          <a:p>
+            <a:r>
+              <a:rPr lang="tr-TR" dirty="0"/>
+              <a:t>Sınav Kodu : 43</a:t>
+            </a:r>
+          </a:p>
+          <a:p>
+            <a:endParaRPr lang="tr-TR" dirty="0"/>
+          </a:p>
+          <a:p>
+            <a:r>
+              <a:rPr lang="tr-TR" dirty="0"/>
+              <a:t>Sınavdan önce sınav</a:t>
+            </a:r>
+          </a:p>
+          <a:p>
+            <a:r>
+              <a:rPr lang="tr-TR" dirty="0"/>
+              <a:t>oluşturulmalı ve optik</a:t>
+            </a:r>
+          </a:p>
+          <a:p>
+            <a:r>
+              <a:rPr lang="tr-TR" dirty="0"/>
+              <a:t>formda kodlanmalıdır. </a:t>
+            </a:r>
+          </a:p>
+        </p:txBody>
+      </p:sp>
+    </p:spTree>
+    <p:extLst>
+      <p:ext uri="{BB962C8B-B14F-4D97-AF65-F5344CB8AC3E}">
+        <p14:creationId xmlns:p14="http://schemas.microsoft.com/office/powerpoint/2010/main" val="4186698889"/>
+      </p:ext>
+    </p:extLst>
+  </p:cSld>
+  <p:clrMapOvr>
+    <a:masterClrMapping/>
+  </p:clrMapOvr>
+</p:sld>
+</file>
+
+<file path=ppt/slides/slide14.xml><?xml version="1.0" encoding="utf-8"?>
+<p:sld xmlns:a="http://schemas.openxmlformats.org/drawingml/2006/main" xmlns:r="http://schemas.openxmlformats.org/officeDocument/2006/relationships" xmlns:p="http://schemas.openxmlformats.org/presentationml/2006/main">
+  <p:cSld>
+    <p:spTree>
+      <p:nvGrpSpPr>
+        <p:cNvPr id="1" name=""/>
+        <p:cNvGrpSpPr/>
+        <p:nvPr/>
+      </p:nvGrpSpPr>
+      <p:grpSpPr>
+        <a:xfrm>
+          <a:off x="0" y="0"/>
+          <a:ext cx="0" cy="0"/>
+          <a:chOff x="0" y="0"/>
+          <a:chExt cx="0" cy="0"/>
+        </a:xfrm>
+      </p:grpSpPr>
+      <p:sp>
+        <p:nvSpPr>
+          <p:cNvPr id="2" name="Başlık 1">
+            <a:extLst>
+              <a:ext uri="{FF2B5EF4-FFF2-40B4-BE49-F238E27FC236}">
+                <a16:creationId xmlns:a16="http://schemas.microsoft.com/office/drawing/2014/main" id="{20168531-7332-4BAA-9E13-76E5313A1A8A}"/>
+              </a:ext>
+            </a:extLst>
+          </p:cNvPr>
+          <p:cNvSpPr>
+            <a:spLocks noGrp="1"/>
+          </p:cNvSpPr>
+          <p:nvPr>
+            <p:ph type="title"/>
+          </p:nvPr>
+        </p:nvSpPr>
+        <p:spPr/>
+        <p:txBody>
+          <a:bodyPr/>
+          <a:lstStyle/>
+          <a:p>
+            <a:r>
+              <a:rPr lang="tr-TR" dirty="0" err="1"/>
+              <a:t>demo</a:t>
+            </a:r>
+            <a:endParaRPr lang="tr-TR" dirty="0"/>
+          </a:p>
+        </p:txBody>
+      </p:sp>
+      <p:sp>
+        <p:nvSpPr>
+          <p:cNvPr id="3" name="Metin kutusu 2">
+            <a:extLst>
+              <a:ext uri="{FF2B5EF4-FFF2-40B4-BE49-F238E27FC236}">
+                <a16:creationId xmlns:a16="http://schemas.microsoft.com/office/drawing/2014/main" id="{996B5356-D793-4561-8000-D5BC9F1A5FFF}"/>
+              </a:ext>
+            </a:extLst>
+          </p:cNvPr>
+          <p:cNvSpPr txBox="1"/>
+          <p:nvPr/>
+        </p:nvSpPr>
+        <p:spPr>
+          <a:xfrm>
+            <a:off x="4913977" y="2367170"/>
+            <a:ext cx="2034596" cy="1200329"/>
+          </a:xfrm>
+          <a:prstGeom prst="rect">
+            <a:avLst/>
+          </a:prstGeom>
+          <a:noFill/>
+        </p:spPr>
+        <p:txBody>
+          <a:bodyPr wrap="none" rtlCol="0">
+            <a:spAutoFit/>
+          </a:bodyPr>
+          <a:lstStyle/>
+          <a:p>
+            <a:r>
+              <a:rPr lang="tr-TR" b="1" dirty="0"/>
+              <a:t>BEŞİNCİ  ADIM</a:t>
+            </a:r>
+          </a:p>
+          <a:p>
+            <a:endParaRPr lang="tr-TR" b="1" dirty="0"/>
+          </a:p>
+          <a:p>
+            <a:r>
+              <a:rPr lang="tr-TR" dirty="0"/>
+              <a:t>Formaların fotoğrafı</a:t>
+            </a:r>
+          </a:p>
+          <a:p>
+            <a:r>
+              <a:rPr lang="tr-TR" dirty="0"/>
+              <a:t>çekilir.</a:t>
+            </a:r>
+          </a:p>
+        </p:txBody>
+      </p:sp>
+      <p:sp>
+        <p:nvSpPr>
+          <p:cNvPr id="4" name="Metin kutusu 3">
+            <a:extLst>
+              <a:ext uri="{FF2B5EF4-FFF2-40B4-BE49-F238E27FC236}">
+                <a16:creationId xmlns:a16="http://schemas.microsoft.com/office/drawing/2014/main" id="{DA49494C-81F6-4DBD-9367-4C72BBE06E7D}"/>
+              </a:ext>
+            </a:extLst>
+          </p:cNvPr>
+          <p:cNvSpPr txBox="1"/>
+          <p:nvPr/>
+        </p:nvSpPr>
+        <p:spPr>
+          <a:xfrm>
+            <a:off x="1313260" y="2367170"/>
+            <a:ext cx="2351285" cy="923330"/>
+          </a:xfrm>
+          <a:prstGeom prst="rect">
+            <a:avLst/>
+          </a:prstGeom>
+          <a:noFill/>
+        </p:spPr>
+        <p:txBody>
+          <a:bodyPr wrap="none" rtlCol="0">
+            <a:spAutoFit/>
+          </a:bodyPr>
+          <a:lstStyle/>
+          <a:p>
+            <a:r>
+              <a:rPr lang="tr-TR" b="1" dirty="0"/>
+              <a:t>DÖRDÜNCÜ ADIM</a:t>
+            </a:r>
+          </a:p>
+          <a:p>
+            <a:endParaRPr lang="tr-TR" dirty="0"/>
+          </a:p>
+          <a:p>
+            <a:r>
+              <a:rPr lang="tr-TR" dirty="0"/>
+              <a:t>Sınav yapılır</a:t>
+            </a:r>
+          </a:p>
+        </p:txBody>
+      </p:sp>
+      <p:pic>
+        <p:nvPicPr>
+          <p:cNvPr id="8" name="Resim 7" descr="metin içeren bir resim&#10;&#10;Açıklama otomatik olarak oluşturuldu">
+            <a:extLst>
+              <a:ext uri="{FF2B5EF4-FFF2-40B4-BE49-F238E27FC236}">
+                <a16:creationId xmlns:a16="http://schemas.microsoft.com/office/drawing/2014/main" id="{9D3B6A76-4495-4B5B-BCBA-1FC0A3913FB1}"/>
+              </a:ext>
+            </a:extLst>
+          </p:cNvPr>
+          <p:cNvPicPr>
+            <a:picLocks noChangeAspect="1"/>
+          </p:cNvPicPr>
+          <p:nvPr/>
+        </p:nvPicPr>
+        <p:blipFill>
+          <a:blip r:embed="rId2">
+            <a:extLst>
+              <a:ext uri="{28A0092B-C50C-407E-A947-70E740481C1C}">
+                <a14:useLocalDpi xmlns:a14="http://schemas.microsoft.com/office/drawing/2010/main" val="0"/>
+              </a:ext>
+            </a:extLst>
+          </a:blip>
+          <a:stretch>
+            <a:fillRect/>
+          </a:stretch>
+        </p:blipFill>
+        <p:spPr>
+          <a:xfrm>
+            <a:off x="7572228" y="712595"/>
+            <a:ext cx="3866857" cy="5155809"/>
+          </a:xfrm>
+          <a:prstGeom prst="rect">
+            <a:avLst/>
+          </a:prstGeom>
+        </p:spPr>
+      </p:pic>
+    </p:spTree>
+    <p:extLst>
+      <p:ext uri="{BB962C8B-B14F-4D97-AF65-F5344CB8AC3E}">
+        <p14:creationId xmlns:p14="http://schemas.microsoft.com/office/powerpoint/2010/main" val="773467658"/>
+      </p:ext>
+    </p:extLst>
+  </p:cSld>
+  <p:clrMapOvr>
+    <a:masterClrMapping/>
+  </p:clrMapOvr>
+</p:sld>
+</file>
+
+<file path=ppt/slides/slide15.xml><?xml version="1.0" encoding="utf-8"?>
+<p:sld xmlns:a="http://schemas.openxmlformats.org/drawingml/2006/main" xmlns:r="http://schemas.openxmlformats.org/officeDocument/2006/relationships" xmlns:p="http://schemas.openxmlformats.org/presentationml/2006/main">
+  <p:cSld>
+    <p:spTree>
+      <p:nvGrpSpPr>
+        <p:cNvPr id="1" name=""/>
+        <p:cNvGrpSpPr/>
+        <p:nvPr/>
+      </p:nvGrpSpPr>
+      <p:grpSpPr>
+        <a:xfrm>
+          <a:off x="0" y="0"/>
+          <a:ext cx="0" cy="0"/>
+          <a:chOff x="0" y="0"/>
+          <a:chExt cx="0" cy="0"/>
+        </a:xfrm>
+      </p:grpSpPr>
+      <p:sp>
+        <p:nvSpPr>
+          <p:cNvPr id="2" name="Başlık 1">
+            <a:extLst>
+              <a:ext uri="{FF2B5EF4-FFF2-40B4-BE49-F238E27FC236}">
+                <a16:creationId xmlns:a16="http://schemas.microsoft.com/office/drawing/2014/main" id="{20168531-7332-4BAA-9E13-76E5313A1A8A}"/>
+              </a:ext>
+            </a:extLst>
+          </p:cNvPr>
+          <p:cNvSpPr>
+            <a:spLocks noGrp="1"/>
+          </p:cNvSpPr>
+          <p:nvPr>
+            <p:ph type="title"/>
+          </p:nvPr>
+        </p:nvSpPr>
+        <p:spPr/>
+        <p:txBody>
+          <a:bodyPr/>
+          <a:lstStyle/>
+          <a:p>
+            <a:r>
+              <a:rPr lang="tr-TR" dirty="0" err="1"/>
+              <a:t>demo</a:t>
+            </a:r>
+            <a:endParaRPr lang="tr-TR" dirty="0"/>
+          </a:p>
+        </p:txBody>
+      </p:sp>
+      <p:sp>
+        <p:nvSpPr>
+          <p:cNvPr id="4" name="Metin kutusu 3">
+            <a:extLst>
+              <a:ext uri="{FF2B5EF4-FFF2-40B4-BE49-F238E27FC236}">
+                <a16:creationId xmlns:a16="http://schemas.microsoft.com/office/drawing/2014/main" id="{DA49494C-81F6-4DBD-9367-4C72BBE06E7D}"/>
+              </a:ext>
+            </a:extLst>
+          </p:cNvPr>
+          <p:cNvSpPr txBox="1"/>
+          <p:nvPr/>
+        </p:nvSpPr>
+        <p:spPr>
+          <a:xfrm>
+            <a:off x="1313260" y="2367170"/>
+            <a:ext cx="2046714" cy="1754326"/>
+          </a:xfrm>
+          <a:prstGeom prst="rect">
+            <a:avLst/>
+          </a:prstGeom>
+          <a:noFill/>
+        </p:spPr>
+        <p:txBody>
+          <a:bodyPr wrap="none" rtlCol="0">
+            <a:spAutoFit/>
+          </a:bodyPr>
+          <a:lstStyle/>
+          <a:p>
+            <a:r>
+              <a:rPr lang="tr-TR" b="1" dirty="0"/>
+              <a:t>ALTINCI ADIM</a:t>
+            </a:r>
+          </a:p>
+          <a:p>
+            <a:endParaRPr lang="tr-TR" b="1" dirty="0"/>
+          </a:p>
+          <a:p>
+            <a:r>
+              <a:rPr lang="tr-TR" dirty="0"/>
+              <a:t>Masaüstü ara yüzü </a:t>
+            </a:r>
+          </a:p>
+          <a:p>
+            <a:r>
+              <a:rPr lang="tr-TR" dirty="0"/>
+              <a:t>kullanılarak formlar </a:t>
+            </a:r>
+          </a:p>
+          <a:p>
+            <a:r>
+              <a:rPr lang="tr-TR" dirty="0"/>
+              <a:t>okunur ve sunucuya</a:t>
+            </a:r>
+          </a:p>
+          <a:p>
+            <a:r>
+              <a:rPr lang="tr-TR" dirty="0"/>
+              <a:t>gönderilir.</a:t>
+            </a:r>
+          </a:p>
+        </p:txBody>
+      </p:sp>
+      <p:sp>
+        <p:nvSpPr>
+          <p:cNvPr id="7" name="Metin kutusu 6">
+            <a:extLst>
+              <a:ext uri="{FF2B5EF4-FFF2-40B4-BE49-F238E27FC236}">
+                <a16:creationId xmlns:a16="http://schemas.microsoft.com/office/drawing/2014/main" id="{940289FA-3942-4119-9211-32C528CE7F69}"/>
+              </a:ext>
+            </a:extLst>
+          </p:cNvPr>
+          <p:cNvSpPr txBox="1"/>
+          <p:nvPr/>
+        </p:nvSpPr>
+        <p:spPr>
+          <a:xfrm>
+            <a:off x="4787368" y="2367170"/>
+            <a:ext cx="5703356" cy="923330"/>
+          </a:xfrm>
+          <a:prstGeom prst="rect">
+            <a:avLst/>
+          </a:prstGeom>
+          <a:noFill/>
+        </p:spPr>
+        <p:txBody>
+          <a:bodyPr wrap="none" rtlCol="0">
+            <a:spAutoFit/>
+          </a:bodyPr>
+          <a:lstStyle/>
+          <a:p>
+            <a:r>
+              <a:rPr lang="tr-TR" b="1" dirty="0"/>
+              <a:t>SON OLARAK</a:t>
+            </a:r>
+          </a:p>
+          <a:p>
+            <a:endParaRPr lang="tr-TR" b="1" dirty="0"/>
+          </a:p>
+          <a:p>
+            <a:r>
+              <a:rPr lang="tr-TR" dirty="0"/>
+              <a:t>Web ara yüzü ile sonuçlara ve sınav analizlerine ulaşabiliriz.</a:t>
+            </a:r>
+          </a:p>
+        </p:txBody>
+      </p:sp>
+    </p:spTree>
+    <p:extLst>
+      <p:ext uri="{BB962C8B-B14F-4D97-AF65-F5344CB8AC3E}">
+        <p14:creationId xmlns:p14="http://schemas.microsoft.com/office/powerpoint/2010/main" val="1208345272"/>
+      </p:ext>
+    </p:extLst>
+  </p:cSld>
+  <p:clrMapOvr>
+    <a:masterClrMapping/>
+  </p:clrMapOvr>
+</p:sld>
+</file>
+
+<file path=ppt/slides/slide16.xml><?xml version="1.0" encoding="utf-8"?>
+<p:sld xmlns:a="http://schemas.openxmlformats.org/drawingml/2006/main" xmlns:r="http://schemas.openxmlformats.org/officeDocument/2006/relationships" xmlns:p="http://schemas.openxmlformats.org/presentationml/2006/main">
+  <p:cSld>
+    <p:spTree>
+      <p:nvGrpSpPr>
+        <p:cNvPr id="1" name=""/>
+        <p:cNvGrpSpPr/>
+        <p:nvPr/>
+      </p:nvGrpSpPr>
+      <p:grpSpPr>
+        <a:xfrm>
+          <a:off x="0" y="0"/>
+          <a:ext cx="0" cy="0"/>
+          <a:chOff x="0" y="0"/>
+          <a:chExt cx="0" cy="0"/>
+        </a:xfrm>
+      </p:grpSpPr>
+      <p:sp>
+        <p:nvSpPr>
+          <p:cNvPr id="2" name="Başlık 1">
+            <a:extLst>
+              <a:ext uri="{FF2B5EF4-FFF2-40B4-BE49-F238E27FC236}">
+                <a16:creationId xmlns:a16="http://schemas.microsoft.com/office/drawing/2014/main" id="{20168531-7332-4BAA-9E13-76E5313A1A8A}"/>
+              </a:ext>
+            </a:extLst>
+          </p:cNvPr>
+          <p:cNvSpPr>
+            <a:spLocks noGrp="1"/>
+          </p:cNvSpPr>
+          <p:nvPr>
+            <p:ph type="title"/>
+          </p:nvPr>
+        </p:nvSpPr>
+        <p:spPr/>
+        <p:txBody>
+          <a:bodyPr/>
+          <a:lstStyle/>
+          <a:p>
+            <a:r>
+              <a:rPr lang="tr-TR" dirty="0"/>
+              <a:t>katılımlarınız için teşekkürler ederiz.</a:t>
+            </a:r>
+          </a:p>
+        </p:txBody>
+      </p:sp>
+      <p:sp>
+        <p:nvSpPr>
+          <p:cNvPr id="3" name="Başlık 1">
+            <a:extLst>
+              <a:ext uri="{FF2B5EF4-FFF2-40B4-BE49-F238E27FC236}">
+                <a16:creationId xmlns:a16="http://schemas.microsoft.com/office/drawing/2014/main" id="{E5C9BD16-1CFC-44CF-A5F3-EC680DD040AB}"/>
+              </a:ext>
+            </a:extLst>
+          </p:cNvPr>
+          <p:cNvSpPr txBox="1">
+            <a:spLocks/>
+          </p:cNvSpPr>
+          <p:nvPr/>
+        </p:nvSpPr>
+        <p:spPr>
+          <a:xfrm>
+            <a:off x="1451578" y="2110470"/>
+            <a:ext cx="9603275" cy="1049235"/>
+          </a:xfrm>
+          <a:prstGeom prst="rect">
+            <a:avLst/>
+          </a:prstGeom>
+        </p:spPr>
+        <p:txBody>
+          <a:bodyPr vert="horz" lIns="91440" tIns="45720" rIns="91440" bIns="45720" rtlCol="0" anchor="t">
+            <a:normAutofit/>
+          </a:bodyPr>
+          <a:lstStyle>
+            <a:lvl1pPr algn="l" defTabSz="914400" rtl="0" eaLnBrk="1" latinLnBrk="0" hangingPunct="1">
+              <a:lnSpc>
+                <a:spcPct val="90000"/>
+              </a:lnSpc>
+              <a:spcBef>
+                <a:spcPct val="0"/>
+              </a:spcBef>
+              <a:buNone/>
+              <a:defRPr sz="3200" b="0" i="0" kern="1200" cap="all">
+                <a:solidFill>
+                  <a:schemeClr val="tx1"/>
+                </a:solidFill>
+                <a:effectLst/>
+                <a:latin typeface="+mj-lt"/>
+                <a:ea typeface="+mj-ea"/>
+                <a:cs typeface="+mj-cs"/>
+              </a:defRPr>
+            </a:lvl1pPr>
+          </a:lstStyle>
+          <a:p>
+            <a:r>
+              <a:rPr lang="tr-TR" dirty="0"/>
+              <a:t>önerileriniz ?</a:t>
+            </a:r>
+          </a:p>
+        </p:txBody>
+      </p:sp>
+      <p:sp>
+        <p:nvSpPr>
+          <p:cNvPr id="5" name="Başlık 1">
+            <a:extLst>
+              <a:ext uri="{FF2B5EF4-FFF2-40B4-BE49-F238E27FC236}">
+                <a16:creationId xmlns:a16="http://schemas.microsoft.com/office/drawing/2014/main" id="{54F7DB12-40CB-4BDC-AE4D-4B9D1DBF3232}"/>
+              </a:ext>
+            </a:extLst>
+          </p:cNvPr>
+          <p:cNvSpPr txBox="1">
+            <a:spLocks/>
+          </p:cNvSpPr>
+          <p:nvPr/>
+        </p:nvSpPr>
+        <p:spPr>
+          <a:xfrm>
+            <a:off x="1294362" y="4479629"/>
+            <a:ext cx="9603275" cy="1049235"/>
+          </a:xfrm>
+          <a:prstGeom prst="rect">
+            <a:avLst/>
+          </a:prstGeom>
+        </p:spPr>
+        <p:txBody>
+          <a:bodyPr vert="horz" lIns="91440" tIns="45720" rIns="91440" bIns="45720" rtlCol="0" anchor="t">
+            <a:normAutofit/>
+          </a:bodyPr>
+          <a:lstStyle>
+            <a:lvl1pPr algn="l" defTabSz="914400" rtl="0" eaLnBrk="1" latinLnBrk="0" hangingPunct="1">
+              <a:lnSpc>
+                <a:spcPct val="90000"/>
+              </a:lnSpc>
+              <a:spcBef>
+                <a:spcPct val="0"/>
+              </a:spcBef>
+              <a:buNone/>
+              <a:defRPr sz="3200" b="0" i="0" kern="1200" cap="all">
+                <a:solidFill>
+                  <a:schemeClr val="tx1"/>
+                </a:solidFill>
+                <a:effectLst/>
+                <a:latin typeface="+mj-lt"/>
+                <a:ea typeface="+mj-ea"/>
+                <a:cs typeface="+mj-cs"/>
+              </a:defRPr>
+            </a:lvl1pPr>
+          </a:lstStyle>
+          <a:p>
+            <a:r>
+              <a:rPr lang="tr-TR" dirty="0"/>
+              <a:t>sorularınız ?</a:t>
+            </a:r>
+          </a:p>
+        </p:txBody>
+      </p:sp>
+    </p:spTree>
+    <p:extLst>
+      <p:ext uri="{BB962C8B-B14F-4D97-AF65-F5344CB8AC3E}">
+        <p14:creationId xmlns:p14="http://schemas.microsoft.com/office/powerpoint/2010/main" val="1999594713"/>
+      </p:ext>
+    </p:extLst>
+  </p:cSld>
+  <p:clrMapOvr>
+    <a:masterClrMapping/>
+  </p:clrMapOvr>
+</p:sld>
+</file>
+
+<file path=ppt/slides/slide2.xml><?xml version="1.0" encoding="utf-8"?>
+<p:sld xmlns:a="http://schemas.openxmlformats.org/drawingml/2006/main" xmlns:r="http://schemas.openxmlformats.org/officeDocument/2006/relationships" xmlns:p="http://schemas.openxmlformats.org/presentationml/2006/main">
+  <p:cSld>
+    <p:spTree>
+      <p:nvGrpSpPr>
+        <p:cNvPr id="1" name=""/>
+        <p:cNvGrpSpPr/>
+        <p:nvPr/>
+      </p:nvGrpSpPr>
+      <p:grpSpPr>
+        <a:xfrm>
+          <a:off x="0" y="0"/>
+          <a:ext cx="0" cy="0"/>
+          <a:chOff x="0" y="0"/>
+          <a:chExt cx="0" cy="0"/>
+        </a:xfrm>
+      </p:grpSpPr>
+      <p:sp>
+        <p:nvSpPr>
+          <p:cNvPr id="2" name="Başlık 1">
+            <a:extLst>
+              <a:ext uri="{FF2B5EF4-FFF2-40B4-BE49-F238E27FC236}">
+                <a16:creationId xmlns:a16="http://schemas.microsoft.com/office/drawing/2014/main" id="{BFC0D1B8-2782-4030-A046-ADEA20CF86C9}"/>
+              </a:ext>
+            </a:extLst>
+          </p:cNvPr>
+          <p:cNvSpPr>
+            <a:spLocks noGrp="1"/>
+          </p:cNvSpPr>
+          <p:nvPr>
+            <p:ph type="title"/>
+          </p:nvPr>
+        </p:nvSpPr>
+        <p:spPr/>
+        <p:txBody>
+          <a:bodyPr/>
+          <a:lstStyle/>
+          <a:p>
+            <a:r>
+              <a:rPr lang="tr-TR" dirty="0"/>
+              <a:t>PROJE FİKİRLERİ</a:t>
+            </a:r>
+          </a:p>
+        </p:txBody>
+      </p:sp>
+      <p:sp>
+        <p:nvSpPr>
+          <p:cNvPr id="3" name="İçerik Yer Tutucusu 2">
+            <a:extLst>
+              <a:ext uri="{FF2B5EF4-FFF2-40B4-BE49-F238E27FC236}">
+                <a16:creationId xmlns:a16="http://schemas.microsoft.com/office/drawing/2014/main" id="{7F1EEC49-7964-4DD0-8C41-CB4C6F8C20F0}"/>
+              </a:ext>
+            </a:extLst>
+          </p:cNvPr>
+          <p:cNvSpPr>
+            <a:spLocks noGrp="1"/>
+          </p:cNvSpPr>
+          <p:nvPr>
+            <p:ph idx="1"/>
+          </p:nvPr>
+        </p:nvSpPr>
+        <p:spPr/>
+        <p:txBody>
+          <a:bodyPr/>
+          <a:lstStyle/>
+          <a:p>
+            <a:r>
+              <a:rPr lang="tr-TR" dirty="0"/>
+              <a:t>Sınav Uygulaması</a:t>
+            </a:r>
+          </a:p>
+          <a:p>
+            <a:r>
+              <a:rPr lang="tr-TR" sz="2400" b="1" dirty="0"/>
+              <a:t>Optik Sınav Formu Okuyucusu</a:t>
+            </a:r>
+          </a:p>
+          <a:p>
+            <a:r>
+              <a:rPr lang="tr-TR" dirty="0"/>
+              <a:t>Sınav Oturma Planı ( Kelebek Sistemi ) </a:t>
+            </a:r>
+          </a:p>
+          <a:p>
+            <a:r>
+              <a:rPr lang="tr-TR" dirty="0"/>
+              <a:t>Öğretmenlere Yönelik </a:t>
+            </a:r>
+            <a:r>
+              <a:rPr lang="tr-TR" dirty="0" err="1"/>
+              <a:t>To</a:t>
+            </a:r>
+            <a:r>
+              <a:rPr lang="tr-TR" dirty="0"/>
+              <a:t>-Do Uygulaması</a:t>
+            </a:r>
+          </a:p>
+          <a:p>
+            <a:r>
+              <a:rPr lang="tr-TR" dirty="0"/>
+              <a:t>E-okul İçin Öğrenci Fotoğraflarının Otomatik Hazırlanması</a:t>
+            </a:r>
+          </a:p>
+          <a:p>
+            <a:r>
+              <a:rPr lang="tr-TR" dirty="0"/>
+              <a:t>Host Kablosuz Ağ Bağlantı Güvenliği</a:t>
+            </a:r>
+          </a:p>
+        </p:txBody>
+      </p:sp>
+    </p:spTree>
+    <p:extLst>
+      <p:ext uri="{BB962C8B-B14F-4D97-AF65-F5344CB8AC3E}">
+        <p14:creationId xmlns:p14="http://schemas.microsoft.com/office/powerpoint/2010/main" val="902200424"/>
+      </p:ext>
+    </p:extLst>
+  </p:cSld>
+  <p:clrMapOvr>
+    <a:masterClrMapping/>
+  </p:clrMapOvr>
+</p:sld>
+</file>
+
+<file path=ppt/slides/slide3.xml><?xml version="1.0" encoding="utf-8"?>
+<p:sld xmlns:a="http://schemas.openxmlformats.org/drawingml/2006/main" xmlns:r="http://schemas.openxmlformats.org/officeDocument/2006/relationships" xmlns:p="http://schemas.openxmlformats.org/presentationml/2006/main">
+  <p:cSld>
+    <p:spTree>
+      <p:nvGrpSpPr>
+        <p:cNvPr id="1" name=""/>
+        <p:cNvGrpSpPr/>
+        <p:nvPr/>
+      </p:nvGrpSpPr>
+      <p:grpSpPr>
+        <a:xfrm>
+          <a:off x="0" y="0"/>
+          <a:ext cx="0" cy="0"/>
+          <a:chOff x="0" y="0"/>
+          <a:chExt cx="0" cy="0"/>
+        </a:xfrm>
+      </p:grpSpPr>
+      <p:sp>
+        <p:nvSpPr>
+          <p:cNvPr id="2" name="Başlık 1">
+            <a:extLst>
+              <a:ext uri="{FF2B5EF4-FFF2-40B4-BE49-F238E27FC236}">
+                <a16:creationId xmlns:a16="http://schemas.microsoft.com/office/drawing/2014/main" id="{BFC0D1B8-2782-4030-A046-ADEA20CF86C9}"/>
+              </a:ext>
+            </a:extLst>
+          </p:cNvPr>
+          <p:cNvSpPr>
+            <a:spLocks noGrp="1"/>
+          </p:cNvSpPr>
+          <p:nvPr>
+            <p:ph type="title"/>
+          </p:nvPr>
+        </p:nvSpPr>
+        <p:spPr/>
+        <p:txBody>
+          <a:bodyPr/>
+          <a:lstStyle/>
+          <a:p>
+            <a:r>
+              <a:rPr lang="tr-TR" dirty="0" err="1"/>
+              <a:t>PROJEnin</a:t>
+            </a:r>
+            <a:r>
+              <a:rPr lang="tr-TR" dirty="0"/>
+              <a:t> amacı : </a:t>
+            </a:r>
+          </a:p>
+        </p:txBody>
+      </p:sp>
+      <p:sp>
+        <p:nvSpPr>
+          <p:cNvPr id="3" name="İçerik Yer Tutucusu 2">
+            <a:extLst>
+              <a:ext uri="{FF2B5EF4-FFF2-40B4-BE49-F238E27FC236}">
+                <a16:creationId xmlns:a16="http://schemas.microsoft.com/office/drawing/2014/main" id="{7F1EEC49-7964-4DD0-8C41-CB4C6F8C20F0}"/>
+              </a:ext>
+            </a:extLst>
+          </p:cNvPr>
+          <p:cNvSpPr>
+            <a:spLocks noGrp="1"/>
+          </p:cNvSpPr>
+          <p:nvPr>
+            <p:ph idx="1"/>
+          </p:nvPr>
+        </p:nvSpPr>
+        <p:spPr>
+          <a:xfrm>
+            <a:off x="1451579" y="2015732"/>
+            <a:ext cx="9603275" cy="2499997"/>
+          </a:xfrm>
+        </p:spPr>
+        <p:txBody>
+          <a:bodyPr/>
+          <a:lstStyle/>
+          <a:p>
+            <a:pPr marL="0" indent="0">
+              <a:buNone/>
+            </a:pPr>
+            <a:r>
+              <a:rPr lang="tr-TR" dirty="0"/>
+              <a:t>-  Öğretmen ve öğrencilerin hazırladıkları sınavları hızlı bir şekilde değerlendirebilmeleri</a:t>
+            </a:r>
+          </a:p>
+          <a:p>
+            <a:pPr>
+              <a:buFontTx/>
+              <a:buChar char="-"/>
+            </a:pPr>
+            <a:r>
+              <a:rPr lang="tr-TR" dirty="0"/>
+              <a:t>Ek donanıma ihtiyaç duymadan, cep telefonu ile kamerası veya tarayıcı ile okunacak formların bilgisayar ortamına aktarılabilmek</a:t>
+            </a:r>
+          </a:p>
+          <a:p>
+            <a:pPr>
+              <a:buFontTx/>
+              <a:buChar char="-"/>
+            </a:pPr>
+            <a:r>
+              <a:rPr lang="tr-TR" dirty="0"/>
+              <a:t>Sınavların değerlendirilmesindeki maliyeti ortadan kaldırmak</a:t>
+            </a:r>
+          </a:p>
+          <a:p>
+            <a:pPr>
+              <a:buFontTx/>
+              <a:buChar char="-"/>
+            </a:pPr>
+            <a:r>
+              <a:rPr lang="tr-TR" dirty="0"/>
+              <a:t>Sınav analizleri ve raporlarının hazırlanmasını kolaylaştırmak</a:t>
+            </a:r>
+          </a:p>
+        </p:txBody>
+      </p:sp>
+    </p:spTree>
+    <p:extLst>
+      <p:ext uri="{BB962C8B-B14F-4D97-AF65-F5344CB8AC3E}">
+        <p14:creationId xmlns:p14="http://schemas.microsoft.com/office/powerpoint/2010/main" val="2707560527"/>
+      </p:ext>
+    </p:extLst>
+  </p:cSld>
+  <p:clrMapOvr>
+    <a:masterClrMapping/>
+  </p:clrMapOvr>
+</p:sld>
+</file>
+
+<file path=ppt/slides/slide4.xml><?xml version="1.0" encoding="utf-8"?>
+<p:sld xmlns:a="http://schemas.openxmlformats.org/drawingml/2006/main" xmlns:r="http://schemas.openxmlformats.org/officeDocument/2006/relationships" xmlns:p="http://schemas.openxmlformats.org/presentationml/2006/main">
+  <p:cSld>
+    <p:spTree>
+      <p:nvGrpSpPr>
+        <p:cNvPr id="1" name=""/>
+        <p:cNvGrpSpPr/>
+        <p:nvPr/>
+      </p:nvGrpSpPr>
+      <p:grpSpPr>
+        <a:xfrm>
+          <a:off x="0" y="0"/>
+          <a:ext cx="0" cy="0"/>
+          <a:chOff x="0" y="0"/>
+          <a:chExt cx="0" cy="0"/>
+        </a:xfrm>
+      </p:grpSpPr>
+      <p:sp>
+        <p:nvSpPr>
+          <p:cNvPr id="2" name="Başlık 1">
+            <a:extLst>
+              <a:ext uri="{FF2B5EF4-FFF2-40B4-BE49-F238E27FC236}">
+                <a16:creationId xmlns:a16="http://schemas.microsoft.com/office/drawing/2014/main" id="{68EFB24A-AF48-4A54-812F-9CC1D40C635D}"/>
+              </a:ext>
+            </a:extLst>
+          </p:cNvPr>
+          <p:cNvSpPr>
+            <a:spLocks noGrp="1"/>
+          </p:cNvSpPr>
+          <p:nvPr>
+            <p:ph type="title"/>
+          </p:nvPr>
+        </p:nvSpPr>
+        <p:spPr/>
+        <p:txBody>
+          <a:bodyPr/>
+          <a:lstStyle/>
+          <a:p>
+            <a:r>
+              <a:rPr lang="tr-TR" dirty="0"/>
+              <a:t>OPTİK FORM OKUYUCU</a:t>
+            </a:r>
+          </a:p>
+        </p:txBody>
+      </p:sp>
+      <p:sp>
+        <p:nvSpPr>
+          <p:cNvPr id="3" name="İçerik Yer Tutucusu 2">
+            <a:extLst>
+              <a:ext uri="{FF2B5EF4-FFF2-40B4-BE49-F238E27FC236}">
+                <a16:creationId xmlns:a16="http://schemas.microsoft.com/office/drawing/2014/main" id="{3952E0CE-8413-461F-B74A-F3242B7B1B5E}"/>
+              </a:ext>
+            </a:extLst>
+          </p:cNvPr>
+          <p:cNvSpPr>
+            <a:spLocks noGrp="1"/>
+          </p:cNvSpPr>
+          <p:nvPr>
+            <p:ph idx="1"/>
+          </p:nvPr>
+        </p:nvSpPr>
+        <p:spPr/>
+        <p:txBody>
+          <a:bodyPr>
+            <a:normAutofit/>
+          </a:bodyPr>
+          <a:lstStyle/>
+          <a:p>
+            <a:pPr marL="0" indent="0">
+              <a:buNone/>
+            </a:pPr>
+            <a:r>
+              <a:rPr lang="tr-TR" dirty="0"/>
+              <a:t>Üç Bölümden Oluşmaktadır.</a:t>
+            </a:r>
+            <a:endParaRPr lang="tr-TR" sz="2800" dirty="0"/>
+          </a:p>
+          <a:p>
+            <a:pPr lvl="1"/>
+            <a:r>
+              <a:rPr lang="tr-TR" sz="2800" dirty="0"/>
+              <a:t>REST-API ve Web Uygulaması  ( </a:t>
+            </a:r>
+            <a:r>
+              <a:rPr lang="tr-TR" sz="2800" dirty="0" err="1"/>
+              <a:t>django</a:t>
+            </a:r>
+            <a:r>
+              <a:rPr lang="tr-TR" sz="2800" dirty="0"/>
+              <a:t> )</a:t>
+            </a:r>
+          </a:p>
+          <a:p>
+            <a:pPr marL="457200" lvl="1" indent="0">
+              <a:buNone/>
+            </a:pPr>
+            <a:endParaRPr lang="tr-TR" sz="2800" dirty="0"/>
+          </a:p>
+          <a:p>
+            <a:pPr lvl="1"/>
+            <a:r>
+              <a:rPr lang="tr-TR" sz="2800" dirty="0"/>
+              <a:t>Optik Form Okuma ( </a:t>
+            </a:r>
+            <a:r>
+              <a:rPr lang="tr-TR" sz="2800" dirty="0" err="1"/>
+              <a:t>opencv</a:t>
+            </a:r>
+            <a:r>
+              <a:rPr lang="tr-TR" sz="2800" dirty="0"/>
+              <a:t> )</a:t>
+            </a:r>
+          </a:p>
+          <a:p>
+            <a:pPr marL="457200" lvl="1" indent="0">
+              <a:buNone/>
+            </a:pPr>
+            <a:endParaRPr lang="tr-TR" sz="2800" dirty="0"/>
+          </a:p>
+          <a:p>
+            <a:pPr lvl="1"/>
+            <a:r>
+              <a:rPr lang="tr-TR" sz="2800" dirty="0"/>
+              <a:t>Masaüstü Ara Yüzü ( pyqt5 )</a:t>
+            </a:r>
+          </a:p>
+          <a:p>
+            <a:pPr marL="457200" lvl="1" indent="0">
+              <a:buNone/>
+            </a:pPr>
+            <a:endParaRPr lang="tr-TR" sz="2800" dirty="0"/>
+          </a:p>
+          <a:p>
+            <a:pPr marL="457200" lvl="1" indent="0">
+              <a:buNone/>
+            </a:pPr>
+            <a:endParaRPr lang="tr-TR" sz="2800" dirty="0"/>
+          </a:p>
+        </p:txBody>
+      </p:sp>
+    </p:spTree>
+    <p:extLst>
+      <p:ext uri="{BB962C8B-B14F-4D97-AF65-F5344CB8AC3E}">
+        <p14:creationId xmlns:p14="http://schemas.microsoft.com/office/powerpoint/2010/main" val="622964702"/>
+      </p:ext>
+    </p:extLst>
+  </p:cSld>
+  <p:clrMapOvr>
+    <a:masterClrMapping/>
+  </p:clrMapOvr>
+</p:sld>
+</file>
+
+<file path=ppt/slides/slide5.xml><?xml version="1.0" encoding="utf-8"?>
+<p:sld xmlns:a="http://schemas.openxmlformats.org/drawingml/2006/main" xmlns:r="http://schemas.openxmlformats.org/officeDocument/2006/relationships" xmlns:p="http://schemas.openxmlformats.org/presentationml/2006/main">
+  <p:cSld>
+    <p:spTree>
+      <p:nvGrpSpPr>
+        <p:cNvPr id="1" name=""/>
+        <p:cNvGrpSpPr/>
+        <p:nvPr/>
+      </p:nvGrpSpPr>
+      <p:grpSpPr>
+        <a:xfrm>
+          <a:off x="0" y="0"/>
+          <a:ext cx="0" cy="0"/>
+          <a:chOff x="0" y="0"/>
+          <a:chExt cx="0" cy="0"/>
+        </a:xfrm>
+      </p:grpSpPr>
+      <p:sp>
+        <p:nvSpPr>
+          <p:cNvPr id="2" name="Başlık 1">
+            <a:extLst>
+              <a:ext uri="{FF2B5EF4-FFF2-40B4-BE49-F238E27FC236}">
+                <a16:creationId xmlns:a16="http://schemas.microsoft.com/office/drawing/2014/main" id="{97905E91-C2F8-49BB-8997-738F1AA9A1E7}"/>
+              </a:ext>
+            </a:extLst>
+          </p:cNvPr>
+          <p:cNvSpPr>
+            <a:spLocks noGrp="1"/>
+          </p:cNvSpPr>
+          <p:nvPr>
+            <p:ph type="title"/>
+          </p:nvPr>
+        </p:nvSpPr>
+        <p:spPr/>
+        <p:txBody>
+          <a:bodyPr/>
+          <a:lstStyle/>
+          <a:p>
+            <a:r>
+              <a:rPr lang="tr-TR" sz="3200" dirty="0"/>
+              <a:t>REST-API ve Web Uygulaması</a:t>
+            </a:r>
+            <a:br>
+              <a:rPr lang="tr-TR" sz="3200" dirty="0"/>
+            </a:br>
+            <a:endParaRPr lang="tr-TR" dirty="0"/>
+          </a:p>
+        </p:txBody>
+      </p:sp>
+      <p:pic>
+        <p:nvPicPr>
+          <p:cNvPr id="5" name="Resim 4" descr="ekran görüntüsü içeren bir resim&#10;&#10;Açıklama otomatik olarak oluşturuldu">
+            <a:extLst>
+              <a:ext uri="{FF2B5EF4-FFF2-40B4-BE49-F238E27FC236}">
+                <a16:creationId xmlns:a16="http://schemas.microsoft.com/office/drawing/2014/main" id="{7196C5D2-6EC9-4B90-A9A5-BB5E7CC0CF36}"/>
+              </a:ext>
+            </a:extLst>
+          </p:cNvPr>
+          <p:cNvPicPr>
+            <a:picLocks noChangeAspect="1"/>
+          </p:cNvPicPr>
+          <p:nvPr/>
+        </p:nvPicPr>
+        <p:blipFill>
+          <a:blip r:embed="rId2">
+            <a:extLst>
+              <a:ext uri="{28A0092B-C50C-407E-A947-70E740481C1C}">
+                <a14:useLocalDpi xmlns:a14="http://schemas.microsoft.com/office/drawing/2010/main" val="0"/>
+              </a:ext>
+            </a:extLst>
+          </a:blip>
+          <a:stretch>
+            <a:fillRect/>
+          </a:stretch>
+        </p:blipFill>
+        <p:spPr>
+          <a:xfrm>
+            <a:off x="7308217" y="908515"/>
+            <a:ext cx="4525006" cy="4534533"/>
+          </a:xfrm>
+          <a:prstGeom prst="rect">
+            <a:avLst/>
+          </a:prstGeom>
+        </p:spPr>
+      </p:pic>
+    </p:spTree>
+    <p:extLst>
+      <p:ext uri="{BB962C8B-B14F-4D97-AF65-F5344CB8AC3E}">
+        <p14:creationId xmlns:p14="http://schemas.microsoft.com/office/powerpoint/2010/main" val="3812836456"/>
+      </p:ext>
+    </p:extLst>
+  </p:cSld>
+  <p:clrMapOvr>
+    <a:masterClrMapping/>
+  </p:clrMapOvr>
+</p:sld>
+</file>
+
+<file path=ppt/slides/slide6.xml><?xml version="1.0" encoding="utf-8"?>
+<p:sld xmlns:a="http://schemas.openxmlformats.org/drawingml/2006/main" xmlns:r="http://schemas.openxmlformats.org/officeDocument/2006/relationships" xmlns:p="http://schemas.openxmlformats.org/presentationml/2006/main">
+  <p:cSld>
+    <p:spTree>
+      <p:nvGrpSpPr>
+        <p:cNvPr id="1" name=""/>
+        <p:cNvGrpSpPr/>
+        <p:nvPr/>
+      </p:nvGrpSpPr>
+      <p:grpSpPr>
+        <a:xfrm>
+          <a:off x="0" y="0"/>
+          <a:ext cx="0" cy="0"/>
+          <a:chOff x="0" y="0"/>
+          <a:chExt cx="0" cy="0"/>
+        </a:xfrm>
+      </p:grpSpPr>
+      <p:sp>
+        <p:nvSpPr>
+          <p:cNvPr id="2" name="Başlık 1">
+            <a:extLst>
+              <a:ext uri="{FF2B5EF4-FFF2-40B4-BE49-F238E27FC236}">
+                <a16:creationId xmlns:a16="http://schemas.microsoft.com/office/drawing/2014/main" id="{97905E91-C2F8-49BB-8997-738F1AA9A1E7}"/>
+              </a:ext>
+            </a:extLst>
+          </p:cNvPr>
+          <p:cNvSpPr>
+            <a:spLocks noGrp="1"/>
+          </p:cNvSpPr>
+          <p:nvPr>
+            <p:ph type="title"/>
+          </p:nvPr>
+        </p:nvSpPr>
+        <p:spPr/>
+        <p:txBody>
+          <a:bodyPr/>
+          <a:lstStyle/>
+          <a:p>
+            <a:r>
+              <a:rPr lang="tr-TR" sz="3200" dirty="0"/>
+              <a:t>REST-API ve Web Uygulaması</a:t>
+            </a:r>
+            <a:br>
+              <a:rPr lang="tr-TR" sz="3200" dirty="0"/>
+            </a:br>
+            <a:endParaRPr lang="tr-TR" dirty="0"/>
+          </a:p>
+        </p:txBody>
+      </p:sp>
+      <p:sp>
+        <p:nvSpPr>
+          <p:cNvPr id="3" name="Metin kutusu 2">
+            <a:extLst>
+              <a:ext uri="{FF2B5EF4-FFF2-40B4-BE49-F238E27FC236}">
+                <a16:creationId xmlns:a16="http://schemas.microsoft.com/office/drawing/2014/main" id="{90388D11-7F86-4D65-8CF9-BC7214981DD8}"/>
+              </a:ext>
+            </a:extLst>
+          </p:cNvPr>
+          <p:cNvSpPr txBox="1"/>
+          <p:nvPr/>
+        </p:nvSpPr>
+        <p:spPr>
+          <a:xfrm>
+            <a:off x="1083212" y="2089370"/>
+            <a:ext cx="9971641" cy="1631216"/>
+          </a:xfrm>
+          <a:prstGeom prst="rect">
+            <a:avLst/>
+          </a:prstGeom>
+          <a:noFill/>
+        </p:spPr>
+        <p:txBody>
+          <a:bodyPr wrap="square" rtlCol="0">
+            <a:spAutoFit/>
+          </a:bodyPr>
+          <a:lstStyle/>
+          <a:p>
+            <a:r>
+              <a:rPr lang="tr-TR" sz="2000" dirty="0"/>
+              <a:t>ÖĞRENCİ GİRİŞİ:</a:t>
+            </a:r>
+          </a:p>
+          <a:p>
+            <a:endParaRPr lang="tr-TR" sz="2000" dirty="0"/>
+          </a:p>
+          <a:p>
+            <a:r>
+              <a:rPr lang="tr-TR" sz="2000" dirty="0"/>
+              <a:t>- Öğrenciye verilen KİMLİK (ID) optik formalarda öğrenciyi tanımlamak için kullanılacaktır. </a:t>
+            </a:r>
+          </a:p>
+          <a:p>
+            <a:endParaRPr lang="tr-TR" sz="2000" dirty="0"/>
+          </a:p>
+          <a:p>
+            <a:r>
+              <a:rPr lang="tr-TR" sz="2000" dirty="0"/>
+              <a:t>- Bu yüzden öğrenci sınava girmeden sisteme kayıt olarak </a:t>
+            </a:r>
+            <a:r>
+              <a:rPr lang="tr-TR" sz="2000" dirty="0" err="1"/>
+              <a:t>id</a:t>
+            </a:r>
+            <a:r>
+              <a:rPr lang="tr-TR" sz="2000" dirty="0"/>
+              <a:t>  almalı ve sınavda forma işlemelidir.</a:t>
+            </a:r>
+          </a:p>
+        </p:txBody>
+      </p:sp>
+      <p:pic>
+        <p:nvPicPr>
+          <p:cNvPr id="6" name="Resim 5" descr="tablo, hazır, ahşap, tutma içeren bir resim&#10;&#10;Açıklama otomatik olarak oluşturuldu">
+            <a:extLst>
+              <a:ext uri="{FF2B5EF4-FFF2-40B4-BE49-F238E27FC236}">
+                <a16:creationId xmlns:a16="http://schemas.microsoft.com/office/drawing/2014/main" id="{0FCC10B3-5B21-4623-B6C4-B453F4FB8EC4}"/>
+              </a:ext>
+            </a:extLst>
+          </p:cNvPr>
+          <p:cNvPicPr>
+            <a:picLocks noChangeAspect="1"/>
+          </p:cNvPicPr>
+          <p:nvPr/>
+        </p:nvPicPr>
+        <p:blipFill>
+          <a:blip r:embed="rId2">
+            <a:extLst>
+              <a:ext uri="{28A0092B-C50C-407E-A947-70E740481C1C}">
+                <a14:useLocalDpi xmlns:a14="http://schemas.microsoft.com/office/drawing/2010/main" val="0"/>
+              </a:ext>
+            </a:extLst>
+          </a:blip>
+          <a:stretch>
+            <a:fillRect/>
+          </a:stretch>
+        </p:blipFill>
+        <p:spPr>
+          <a:xfrm>
+            <a:off x="3133343" y="4079313"/>
+            <a:ext cx="6239746" cy="1400370"/>
+          </a:xfrm>
+          <a:prstGeom prst="rect">
+            <a:avLst/>
+          </a:prstGeom>
+        </p:spPr>
+      </p:pic>
+    </p:spTree>
+    <p:extLst>
+      <p:ext uri="{BB962C8B-B14F-4D97-AF65-F5344CB8AC3E}">
+        <p14:creationId xmlns:p14="http://schemas.microsoft.com/office/powerpoint/2010/main" val="1082340492"/>
+      </p:ext>
+    </p:extLst>
+  </p:cSld>
+  <p:clrMapOvr>
+    <a:masterClrMapping/>
+  </p:clrMapOvr>
+</p:sld>
+</file>
+
+<file path=ppt/slides/slide7.xml><?xml version="1.0" encoding="utf-8"?>
+<p:sld xmlns:a="http://schemas.openxmlformats.org/drawingml/2006/main" xmlns:r="http://schemas.openxmlformats.org/officeDocument/2006/relationships" xmlns:p="http://schemas.openxmlformats.org/presentationml/2006/main">
+  <p:cSld>
+    <p:spTree>
+      <p:nvGrpSpPr>
+        <p:cNvPr id="1" name=""/>
+        <p:cNvGrpSpPr/>
+        <p:nvPr/>
+      </p:nvGrpSpPr>
+      <p:grpSpPr>
+        <a:xfrm>
+          <a:off x="0" y="0"/>
+          <a:ext cx="0" cy="0"/>
+          <a:chOff x="0" y="0"/>
+          <a:chExt cx="0" cy="0"/>
+        </a:xfrm>
+      </p:grpSpPr>
+      <p:sp>
+        <p:nvSpPr>
+          <p:cNvPr id="2" name="Başlık 1">
+            <a:extLst>
+              <a:ext uri="{FF2B5EF4-FFF2-40B4-BE49-F238E27FC236}">
+                <a16:creationId xmlns:a16="http://schemas.microsoft.com/office/drawing/2014/main" id="{97905E91-C2F8-49BB-8997-738F1AA9A1E7}"/>
+              </a:ext>
+            </a:extLst>
+          </p:cNvPr>
+          <p:cNvSpPr>
+            <a:spLocks noGrp="1"/>
+          </p:cNvSpPr>
+          <p:nvPr>
+            <p:ph type="title"/>
+          </p:nvPr>
+        </p:nvSpPr>
+        <p:spPr/>
+        <p:txBody>
+          <a:bodyPr/>
+          <a:lstStyle/>
+          <a:p>
+            <a:r>
+              <a:rPr lang="tr-TR" sz="3200" dirty="0"/>
+              <a:t>REST-API ve Web Uygulaması</a:t>
+            </a:r>
+            <a:br>
+              <a:rPr lang="tr-TR" sz="3200" dirty="0"/>
+            </a:br>
+            <a:endParaRPr lang="tr-TR" dirty="0"/>
+          </a:p>
+        </p:txBody>
+      </p:sp>
+      <p:sp>
+        <p:nvSpPr>
+          <p:cNvPr id="3" name="Metin kutusu 2">
+            <a:extLst>
+              <a:ext uri="{FF2B5EF4-FFF2-40B4-BE49-F238E27FC236}">
+                <a16:creationId xmlns:a16="http://schemas.microsoft.com/office/drawing/2014/main" id="{90388D11-7F86-4D65-8CF9-BC7214981DD8}"/>
+              </a:ext>
+            </a:extLst>
+          </p:cNvPr>
+          <p:cNvSpPr txBox="1"/>
+          <p:nvPr/>
+        </p:nvSpPr>
+        <p:spPr>
+          <a:xfrm>
+            <a:off x="1102073" y="1914221"/>
+            <a:ext cx="9987854" cy="1631216"/>
+          </a:xfrm>
+          <a:prstGeom prst="rect">
+            <a:avLst/>
+          </a:prstGeom>
+          <a:noFill/>
+        </p:spPr>
+        <p:txBody>
+          <a:bodyPr wrap="square" rtlCol="0">
+            <a:spAutoFit/>
+          </a:bodyPr>
+          <a:lstStyle/>
+          <a:p>
+            <a:r>
+              <a:rPr lang="tr-TR" sz="2000" dirty="0"/>
+              <a:t>ÖĞRETMEN GİRİŞİ:</a:t>
+            </a:r>
+          </a:p>
+          <a:p>
+            <a:endParaRPr lang="tr-TR" sz="2000" dirty="0"/>
+          </a:p>
+          <a:p>
+            <a:pPr marL="342900" indent="-342900">
+              <a:buFontTx/>
+              <a:buChar char="-"/>
+            </a:pPr>
+            <a:r>
+              <a:rPr lang="tr-TR" sz="2000" dirty="0"/>
+              <a:t>Öğretmen sınav yapmadan önce, web üzerinde sınav tanımlamalıdır.</a:t>
+            </a:r>
+          </a:p>
+          <a:p>
+            <a:r>
+              <a:rPr lang="tr-TR" sz="2000" dirty="0"/>
+              <a:t> </a:t>
+            </a:r>
+          </a:p>
+          <a:p>
+            <a:r>
+              <a:rPr lang="tr-TR" sz="2000" dirty="0"/>
+              <a:t>-    Kendisine verilen sınav kodu optik forma işlenmelidir.</a:t>
+            </a:r>
+          </a:p>
+        </p:txBody>
+      </p:sp>
+      <p:pic>
+        <p:nvPicPr>
+          <p:cNvPr id="5" name="Resim 4" descr="ekran görüntüsü içeren bir resim&#10;&#10;Açıklama otomatik olarak oluşturuldu">
+            <a:extLst>
+              <a:ext uri="{FF2B5EF4-FFF2-40B4-BE49-F238E27FC236}">
+                <a16:creationId xmlns:a16="http://schemas.microsoft.com/office/drawing/2014/main" id="{8438C85C-916C-49EA-A20A-BAB8A3F4756D}"/>
+              </a:ext>
+            </a:extLst>
+          </p:cNvPr>
+          <p:cNvPicPr>
+            <a:picLocks noChangeAspect="1"/>
+          </p:cNvPicPr>
+          <p:nvPr/>
+        </p:nvPicPr>
+        <p:blipFill>
+          <a:blip r:embed="rId2">
+            <a:extLst>
+              <a:ext uri="{28A0092B-C50C-407E-A947-70E740481C1C}">
+                <a14:useLocalDpi xmlns:a14="http://schemas.microsoft.com/office/drawing/2010/main" val="0"/>
+              </a:ext>
+            </a:extLst>
+          </a:blip>
+          <a:stretch>
+            <a:fillRect/>
+          </a:stretch>
+        </p:blipFill>
+        <p:spPr>
+          <a:xfrm>
+            <a:off x="1052887" y="3605904"/>
+            <a:ext cx="10659963" cy="2057687"/>
+          </a:xfrm>
+          <a:prstGeom prst="rect">
+            <a:avLst/>
+          </a:prstGeom>
+        </p:spPr>
+      </p:pic>
+    </p:spTree>
+    <p:extLst>
+      <p:ext uri="{BB962C8B-B14F-4D97-AF65-F5344CB8AC3E}">
+        <p14:creationId xmlns:p14="http://schemas.microsoft.com/office/powerpoint/2010/main" val="3362338801"/>
+      </p:ext>
+    </p:extLst>
+  </p:cSld>
+  <p:clrMapOvr>
+    <a:masterClrMapping/>
+  </p:clrMapOvr>
+</p:sld>
+</file>
+
+<file path=ppt/slides/slide8.xml><?xml version="1.0" encoding="utf-8"?>
+<p:sld xmlns:a="http://schemas.openxmlformats.org/drawingml/2006/main" xmlns:r="http://schemas.openxmlformats.org/officeDocument/2006/relationships" xmlns:p="http://schemas.openxmlformats.org/presentationml/2006/main">
+  <p:cSld>
+    <p:spTree>
+      <p:nvGrpSpPr>
+        <p:cNvPr id="1" name=""/>
+        <p:cNvGrpSpPr/>
+        <p:nvPr/>
+      </p:nvGrpSpPr>
+      <p:grpSpPr>
+        <a:xfrm>
+          <a:off x="0" y="0"/>
+          <a:ext cx="0" cy="0"/>
+          <a:chOff x="0" y="0"/>
+          <a:chExt cx="0" cy="0"/>
+        </a:xfrm>
+      </p:grpSpPr>
+      <p:sp>
+        <p:nvSpPr>
+          <p:cNvPr id="2" name="Başlık 1">
+            <a:extLst>
+              <a:ext uri="{FF2B5EF4-FFF2-40B4-BE49-F238E27FC236}">
+                <a16:creationId xmlns:a16="http://schemas.microsoft.com/office/drawing/2014/main" id="{97905E91-C2F8-49BB-8997-738F1AA9A1E7}"/>
+              </a:ext>
+            </a:extLst>
+          </p:cNvPr>
+          <p:cNvSpPr>
+            <a:spLocks noGrp="1"/>
+          </p:cNvSpPr>
+          <p:nvPr>
+            <p:ph type="title"/>
+          </p:nvPr>
+        </p:nvSpPr>
+        <p:spPr/>
+        <p:txBody>
+          <a:bodyPr/>
+          <a:lstStyle/>
+          <a:p>
+            <a:r>
+              <a:rPr lang="tr-TR" sz="3200" dirty="0"/>
+              <a:t>REST-API ve Web Uygulaması</a:t>
+            </a:r>
+            <a:br>
+              <a:rPr lang="tr-TR" sz="3200" dirty="0"/>
+            </a:br>
+            <a:endParaRPr lang="tr-TR" dirty="0"/>
+          </a:p>
+        </p:txBody>
+      </p:sp>
+      <p:sp>
+        <p:nvSpPr>
+          <p:cNvPr id="3" name="Metin kutusu 2">
+            <a:extLst>
+              <a:ext uri="{FF2B5EF4-FFF2-40B4-BE49-F238E27FC236}">
+                <a16:creationId xmlns:a16="http://schemas.microsoft.com/office/drawing/2014/main" id="{90388D11-7F86-4D65-8CF9-BC7214981DD8}"/>
+              </a:ext>
+            </a:extLst>
+          </p:cNvPr>
+          <p:cNvSpPr txBox="1"/>
+          <p:nvPr/>
+        </p:nvSpPr>
+        <p:spPr>
+          <a:xfrm>
+            <a:off x="1102073" y="1914221"/>
+            <a:ext cx="9987854" cy="1015663"/>
+          </a:xfrm>
+          <a:prstGeom prst="rect">
+            <a:avLst/>
+          </a:prstGeom>
+          <a:noFill/>
+        </p:spPr>
+        <p:txBody>
+          <a:bodyPr wrap="square" rtlCol="0">
+            <a:spAutoFit/>
+          </a:bodyPr>
+          <a:lstStyle/>
+          <a:p>
+            <a:pPr marL="342900" indent="-342900">
+              <a:buFontTx/>
+              <a:buChar char="-"/>
+            </a:pPr>
+            <a:r>
+              <a:rPr lang="tr-TR" sz="2000" dirty="0"/>
+              <a:t>Doğru cevaplar işlenmelidir.</a:t>
+            </a:r>
+          </a:p>
+          <a:p>
+            <a:r>
+              <a:rPr lang="tr-TR" sz="2000" dirty="0"/>
+              <a:t> </a:t>
+            </a:r>
+          </a:p>
+          <a:p>
+            <a:r>
+              <a:rPr lang="tr-TR" sz="2000" dirty="0"/>
+              <a:t>-    Kazanımlar işlenmelidir.</a:t>
+            </a:r>
+          </a:p>
+        </p:txBody>
+      </p:sp>
+      <p:pic>
+        <p:nvPicPr>
+          <p:cNvPr id="5" name="Resim 4" descr="ekran görüntüsü içeren bir resim&#10;&#10;Açıklama otomatik olarak oluşturuldu">
+            <a:extLst>
+              <a:ext uri="{FF2B5EF4-FFF2-40B4-BE49-F238E27FC236}">
+                <a16:creationId xmlns:a16="http://schemas.microsoft.com/office/drawing/2014/main" id="{8438C85C-916C-49EA-A20A-BAB8A3F4756D}"/>
+              </a:ext>
+            </a:extLst>
+          </p:cNvPr>
+          <p:cNvPicPr>
+            <a:picLocks noChangeAspect="1"/>
+          </p:cNvPicPr>
+          <p:nvPr/>
+        </p:nvPicPr>
+        <p:blipFill>
+          <a:blip r:embed="rId2">
+            <a:extLst>
+              <a:ext uri="{28A0092B-C50C-407E-A947-70E740481C1C}">
+                <a14:useLocalDpi xmlns:a14="http://schemas.microsoft.com/office/drawing/2010/main" val="0"/>
+              </a:ext>
+            </a:extLst>
+          </a:blip>
+          <a:stretch>
+            <a:fillRect/>
+          </a:stretch>
+        </p:blipFill>
+        <p:spPr>
+          <a:xfrm>
+            <a:off x="1052887" y="3605904"/>
+            <a:ext cx="10659963" cy="2057687"/>
+          </a:xfrm>
+          <a:prstGeom prst="rect">
+            <a:avLst/>
+          </a:prstGeom>
+        </p:spPr>
+      </p:pic>
+    </p:spTree>
+    <p:extLst>
+      <p:ext uri="{BB962C8B-B14F-4D97-AF65-F5344CB8AC3E}">
+        <p14:creationId xmlns:p14="http://schemas.microsoft.com/office/powerpoint/2010/main" val="2916959410"/>
+      </p:ext>
+    </p:extLst>
+  </p:cSld>
+  <p:clrMapOvr>
+    <a:masterClrMapping/>
+  </p:clrMapOvr>
+</p:sld>
+</file>
+
+<file path=ppt/slides/slide9.xml><?xml version="1.0" encoding="utf-8"?>
+<p:sld xmlns:a="http://schemas.openxmlformats.org/drawingml/2006/main" xmlns:r="http://schemas.openxmlformats.org/officeDocument/2006/relationships" xmlns:p="http://schemas.openxmlformats.org/presentationml/2006/main">
+  <p:cSld>
+    <p:spTree>
+      <p:nvGrpSpPr>
+        <p:cNvPr id="1" name=""/>
+        <p:cNvGrpSpPr/>
+        <p:nvPr/>
+      </p:nvGrpSpPr>
+      <p:grpSpPr>
+        <a:xfrm>
+          <a:off x="0" y="0"/>
+          <a:ext cx="0" cy="0"/>
+          <a:chOff x="0" y="0"/>
+          <a:chExt cx="0" cy="0"/>
+        </a:xfrm>
+      </p:grpSpPr>
+      <p:sp>
+        <p:nvSpPr>
+          <p:cNvPr id="2" name="Başlık 1">
+            <a:extLst>
+              <a:ext uri="{FF2B5EF4-FFF2-40B4-BE49-F238E27FC236}">
+                <a16:creationId xmlns:a16="http://schemas.microsoft.com/office/drawing/2014/main" id="{97905E91-C2F8-49BB-8997-738F1AA9A1E7}"/>
+              </a:ext>
+            </a:extLst>
+          </p:cNvPr>
+          <p:cNvSpPr>
+            <a:spLocks noGrp="1"/>
+          </p:cNvSpPr>
+          <p:nvPr>
+            <p:ph type="title"/>
+          </p:nvPr>
+        </p:nvSpPr>
+        <p:spPr/>
+        <p:txBody>
+          <a:bodyPr/>
+          <a:lstStyle/>
+          <a:p>
+            <a:r>
+              <a:rPr lang="tr-TR" sz="3200" dirty="0"/>
+              <a:t>OPTİK FORM OKUMA</a:t>
+            </a:r>
+            <a:br>
+              <a:rPr lang="tr-TR" sz="3200" dirty="0"/>
+            </a:br>
+            <a:endParaRPr lang="tr-TR" dirty="0"/>
+          </a:p>
+        </p:txBody>
+      </p:sp>
+      <p:sp>
+        <p:nvSpPr>
+          <p:cNvPr id="3" name="Metin kutusu 2">
+            <a:extLst>
+              <a:ext uri="{FF2B5EF4-FFF2-40B4-BE49-F238E27FC236}">
+                <a16:creationId xmlns:a16="http://schemas.microsoft.com/office/drawing/2014/main" id="{90388D11-7F86-4D65-8CF9-BC7214981DD8}"/>
+              </a:ext>
+            </a:extLst>
+          </p:cNvPr>
+          <p:cNvSpPr txBox="1"/>
+          <p:nvPr/>
+        </p:nvSpPr>
+        <p:spPr>
+          <a:xfrm>
+            <a:off x="1282767" y="2459504"/>
+            <a:ext cx="6089359" cy="1200329"/>
+          </a:xfrm>
+          <a:prstGeom prst="rect">
+            <a:avLst/>
+          </a:prstGeom>
+          <a:noFill/>
+        </p:spPr>
+        <p:txBody>
+          <a:bodyPr wrap="none" rtlCol="0">
+            <a:spAutoFit/>
+          </a:bodyPr>
+          <a:lstStyle/>
+          <a:p>
+            <a:r>
+              <a:rPr lang="tr-TR" sz="2400" dirty="0">
+                <a:hlinkClick r:id="rId2"/>
+              </a:rPr>
+              <a:t>https://github.com/Udayraj123/OMRChecker.git</a:t>
+            </a:r>
+            <a:endParaRPr lang="tr-TR" sz="2400" dirty="0"/>
+          </a:p>
+          <a:p>
+            <a:endParaRPr lang="tr-TR" sz="2400" dirty="0"/>
+          </a:p>
+          <a:p>
+            <a:r>
+              <a:rPr lang="tr-TR" sz="2400" dirty="0"/>
+              <a:t>adresinden </a:t>
+            </a:r>
+            <a:r>
+              <a:rPr lang="tr-TR" sz="2400" dirty="0" err="1"/>
+              <a:t>fork</a:t>
+            </a:r>
+            <a:r>
+              <a:rPr lang="tr-TR" sz="2400" dirty="0"/>
+              <a:t> edildi.</a:t>
+            </a:r>
+          </a:p>
+        </p:txBody>
+      </p:sp>
+    </p:spTree>
+    <p:extLst>
+      <p:ext uri="{BB962C8B-B14F-4D97-AF65-F5344CB8AC3E}">
+        <p14:creationId xmlns:p14="http://schemas.microsoft.com/office/powerpoint/2010/main" val="3290489158"/>
       </p:ext>
     </p:extLst>
   </p:cSld>

--- a/Proje Sunumu.pptx
+++ b/Proje Sunumu.pptx
@@ -17,10 +17,11 @@
     <p:sldId id="265" r:id="rId11"/>
     <p:sldId id="259" r:id="rId12"/>
     <p:sldId id="260" r:id="rId13"/>
-    <p:sldId id="266" r:id="rId14"/>
-    <p:sldId id="269" r:id="rId15"/>
-    <p:sldId id="270" r:id="rId16"/>
-    <p:sldId id="267" r:id="rId17"/>
+    <p:sldId id="272" r:id="rId14"/>
+    <p:sldId id="266" r:id="rId15"/>
+    <p:sldId id="269" r:id="rId16"/>
+    <p:sldId id="270" r:id="rId17"/>
+    <p:sldId id="267" r:id="rId18"/>
   </p:sldIdLst>
   <p:sldSz cx="12192000" cy="6858000"/>
   <p:notesSz cx="6858000" cy="9144000"/>
@@ -148,6 +149,7 @@
           <p14:sldIdLst>
             <p14:sldId id="259"/>
             <p14:sldId id="260"/>
+            <p14:sldId id="272"/>
           </p14:sldIdLst>
         </p14:section>
         <p14:section name="DEMO" id="{6B44D727-E56D-4B6C-8415-ED3D79E56562}">
@@ -4444,7 +4446,7 @@
           <a:graphicData uri="http://schemas.openxmlformats.org/presentationml/2006/ole">
             <mc:AlternateContent xmlns:mc="http://schemas.openxmlformats.org/markup-compatibility/2006">
               <mc:Choice xmlns:v="urn:schemas-microsoft-com:vml" Requires="v">
-                <p:oleObj spid="_x0000_s1066" name="Paketleyici Kabuk Nesnesi" showAsIcon="1" r:id="rId5" imgW="825120" imgH="491040" progId="Package">
+                <p:oleObj spid="_x0000_s1070" name="Paketleyici Kabuk Nesnesi" showAsIcon="1" r:id="rId5" imgW="825120" imgH="491040" progId="Package">
                   <p:embed/>
                 </p:oleObj>
               </mc:Choice>
@@ -4573,14 +4575,16 @@
       </p:sp>
       <p:pic>
         <p:nvPicPr>
-          <p:cNvPr id="4" name="Resim 3" descr="ekran görüntüsü içeren bir resim&#10;&#10;Açıklama otomatik olarak oluşturuldu">
+          <p:cNvPr id="6" name="Resim 5" descr="ekran görüntüsü içeren bir resim&#10;&#10;Açıklama otomatik olarak oluşturuldu">
             <a:extLst>
               <a:ext uri="{FF2B5EF4-FFF2-40B4-BE49-F238E27FC236}">
-                <a16:creationId xmlns:a16="http://schemas.microsoft.com/office/drawing/2014/main" id="{2533905A-6514-49F5-BA94-60E05FAFB188}"/>
+                <a16:creationId xmlns:a16="http://schemas.microsoft.com/office/drawing/2014/main" id="{A63B0019-CFFD-48BF-B55F-6CE1B0B2A827}"/>
               </a:ext>
             </a:extLst>
           </p:cNvPr>
-          <p:cNvPicPr/>
+          <p:cNvPicPr>
+            <a:picLocks noChangeAspect="1"/>
+          </p:cNvPicPr>
           <p:nvPr/>
         </p:nvPicPr>
         <p:blipFill>
@@ -4597,8 +4601,8 @@
         </p:blipFill>
         <p:spPr>
           <a:xfrm>
-            <a:off x="5219383" y="1853754"/>
-            <a:ext cx="4191904" cy="4199727"/>
+            <a:off x="5660323" y="1520039"/>
+            <a:ext cx="3722828" cy="4533442"/>
           </a:xfrm>
           <a:prstGeom prst="rect">
             <a:avLst/>
@@ -4670,40 +4674,6 @@
           </a:p>
         </p:txBody>
       </p:sp>
-      <p:pic>
-        <p:nvPicPr>
-          <p:cNvPr id="4" name="Resim 3" descr="ekran görüntüsü içeren bir resim&#10;&#10;Açıklama otomatik olarak oluşturuldu">
-            <a:extLst>
-              <a:ext uri="{FF2B5EF4-FFF2-40B4-BE49-F238E27FC236}">
-                <a16:creationId xmlns:a16="http://schemas.microsoft.com/office/drawing/2014/main" id="{B90F1C5B-5753-47DE-82B8-477CA5CA44F9}"/>
-              </a:ext>
-            </a:extLst>
-          </p:cNvPr>
-          <p:cNvPicPr/>
-          <p:nvPr/>
-        </p:nvPicPr>
-        <p:blipFill>
-          <a:blip r:embed="rId2">
-            <a:extLst>
-              <a:ext uri="{28A0092B-C50C-407E-A947-70E740481C1C}">
-                <a14:useLocalDpi xmlns:a14="http://schemas.microsoft.com/office/drawing/2010/main" val="0"/>
-              </a:ext>
-            </a:extLst>
-          </a:blip>
-          <a:stretch>
-            <a:fillRect/>
-          </a:stretch>
-        </p:blipFill>
-        <p:spPr>
-          <a:xfrm>
-            <a:off x="4987924" y="263452"/>
-            <a:ext cx="6603853" cy="6489040"/>
-          </a:xfrm>
-          <a:prstGeom prst="rect">
-            <a:avLst/>
-          </a:prstGeom>
-        </p:spPr>
-      </p:pic>
       <p:sp>
         <p:nvSpPr>
           <p:cNvPr id="3" name="Metin kutusu 2">
@@ -4760,7 +4730,7 @@
           </a:p>
           <a:p>
             <a:r>
-              <a:rPr lang="tr-TR"/>
+              <a:rPr lang="tr-TR" dirty="0"/>
               <a:t>emin olun.</a:t>
             </a:r>
           </a:p>
@@ -4801,7 +4771,7 @@
           <p:cNvPr id="2" name="Başlık 1">
             <a:extLst>
               <a:ext uri="{FF2B5EF4-FFF2-40B4-BE49-F238E27FC236}">
-                <a16:creationId xmlns:a16="http://schemas.microsoft.com/office/drawing/2014/main" id="{20168531-7332-4BAA-9E13-76E5313A1A8A}"/>
+                <a16:creationId xmlns:a16="http://schemas.microsoft.com/office/drawing/2014/main" id="{1F5AFE5F-9AA8-4D6E-A25B-C4D99DAE4840}"/>
               </a:ext>
             </a:extLst>
           </p:cNvPr>
@@ -4818,10 +4788,16 @@
           <a:lstStyle/>
           <a:p>
             <a:r>
-              <a:rPr lang="tr-TR" dirty="0" err="1"/>
-              <a:t>demo</a:t>
-            </a:r>
-            <a:endParaRPr lang="tr-TR" dirty="0"/>
+              <a:rPr lang="tr-TR" dirty="0"/>
+              <a:t>optik form</a:t>
+            </a:r>
+            <a:br>
+              <a:rPr lang="tr-TR" dirty="0"/>
+            </a:br>
+            <a:r>
+              <a:rPr lang="tr-TR" dirty="0"/>
+              <a:t>işlemleri</a:t>
+            </a:r>
           </a:p>
         </p:txBody>
       </p:sp>
@@ -4830,7 +4806,7 @@
           <p:cNvPr id="3" name="Metin kutusu 2">
             <a:extLst>
               <a:ext uri="{FF2B5EF4-FFF2-40B4-BE49-F238E27FC236}">
-                <a16:creationId xmlns:a16="http://schemas.microsoft.com/office/drawing/2014/main" id="{996B5356-D793-4561-8000-D5BC9F1A5FFF}"/>
+                <a16:creationId xmlns:a16="http://schemas.microsoft.com/office/drawing/2014/main" id="{034C215B-3424-4E64-9773-7BDA537DEF58}"/>
               </a:ext>
             </a:extLst>
           </p:cNvPr>
@@ -4839,8 +4815,8 @@
         </p:nvSpPr>
         <p:spPr>
           <a:xfrm>
-            <a:off x="4913977" y="2367170"/>
-            <a:ext cx="2364045" cy="923330"/>
+            <a:off x="616615" y="2166424"/>
+            <a:ext cx="5479385" cy="3785652"/>
           </a:xfrm>
           <a:prstGeom prst="rect">
             <a:avLst/>
@@ -4854,166 +4830,121 @@
           <a:lstStyle/>
           <a:p>
             <a:r>
-              <a:rPr lang="tr-TR" b="1" dirty="0"/>
-              <a:t>İKİNCİ ADIM</a:t>
-            </a:r>
+              <a:rPr lang="tr-TR" sz="2000" b="1" dirty="0"/>
+              <a:t>İşlemleri sırası ile yapınız. Aksi halde hata ile </a:t>
+            </a:r>
+          </a:p>
+          <a:p>
+            <a:r>
+              <a:rPr lang="tr-TR" sz="2000" b="1" dirty="0"/>
+              <a:t>karşılaşırsınız.</a:t>
+            </a:r>
+          </a:p>
+          <a:p>
+            <a:endParaRPr lang="tr-TR" sz="2000" b="1" dirty="0"/>
           </a:p>
           <a:p>
             <a:r>
               <a:rPr lang="tr-TR" dirty="0"/>
-              <a:t>Öğretmen Kullanıcı Adı</a:t>
+              <a:t>1- Kaynak klasörü seçiniz.</a:t>
             </a:r>
           </a:p>
           <a:p>
             <a:r>
               <a:rPr lang="tr-TR" dirty="0"/>
-              <a:t>Öğretmen Parola</a:t>
-            </a:r>
-          </a:p>
-        </p:txBody>
-      </p:sp>
-      <p:sp>
-        <p:nvSpPr>
-          <p:cNvPr id="4" name="Metin kutusu 3">
+              <a:t>2- Çıktı klasörü sabit olduğu için</a:t>
+            </a:r>
+          </a:p>
+          <a:p>
+            <a:r>
+              <a:rPr lang="tr-TR" dirty="0"/>
+              <a:t>    seçmenize gerek yok.</a:t>
+            </a:r>
+          </a:p>
+          <a:p>
+            <a:r>
+              <a:rPr lang="tr-TR" dirty="0"/>
+              <a:t>3- Özel şablon dosyası oluşturmadıysanız</a:t>
+            </a:r>
+          </a:p>
+          <a:p>
+            <a:r>
+              <a:rPr lang="tr-TR" dirty="0"/>
+              <a:t>    "Var olan" seçeneğini seçiniz.</a:t>
+            </a:r>
+          </a:p>
+          <a:p>
+            <a:r>
+              <a:rPr lang="tr-TR" dirty="0"/>
+              <a:t>4- "Kodlama Kısmını Oku" seçeneğiniz seçiniz</a:t>
+            </a:r>
+          </a:p>
+          <a:p>
+            <a:r>
+              <a:rPr lang="tr-TR" dirty="0"/>
+              <a:t>5- Önizleme yapmak için birinci seçeneği seçiniz.</a:t>
+            </a:r>
+          </a:p>
+          <a:p>
+            <a:r>
+              <a:rPr lang="tr-TR" dirty="0"/>
+              <a:t>6- "FORMLARI OKU" butonunu tıklayın.</a:t>
+            </a:r>
+          </a:p>
+          <a:p>
+            <a:r>
+              <a:rPr lang="tr-TR" dirty="0"/>
+              <a:t>7- "SONUCLARI SUNUCUYA GONDER" </a:t>
+            </a:r>
+          </a:p>
+          <a:p>
+            <a:r>
+              <a:rPr lang="tr-TR" dirty="0"/>
+              <a:t>    butonunu tıklayın.</a:t>
+            </a:r>
+          </a:p>
+        </p:txBody>
+      </p:sp>
+      <p:pic>
+        <p:nvPicPr>
+          <p:cNvPr id="6" name="Resim 5" descr="ekran görüntüsü içeren bir resim&#10;&#10;Açıklama otomatik olarak oluşturuldu">
             <a:extLst>
               <a:ext uri="{FF2B5EF4-FFF2-40B4-BE49-F238E27FC236}">
-                <a16:creationId xmlns:a16="http://schemas.microsoft.com/office/drawing/2014/main" id="{DA49494C-81F6-4DBD-9367-4C72BBE06E7D}"/>
+                <a16:creationId xmlns:a16="http://schemas.microsoft.com/office/drawing/2014/main" id="{FD5C08E4-6729-4DD3-878A-FE8AC2210EDC}"/>
               </a:ext>
             </a:extLst>
           </p:cNvPr>
-          <p:cNvSpPr txBox="1"/>
+          <p:cNvPicPr>
+            <a:picLocks noChangeAspect="1"/>
+          </p:cNvPicPr>
           <p:nvPr/>
-        </p:nvSpPr>
-        <p:spPr>
-          <a:xfrm>
-            <a:off x="1313260" y="2367170"/>
-            <a:ext cx="2560381" cy="2031325"/>
+        </p:nvPicPr>
+        <p:blipFill>
+          <a:blip r:embed="rId2">
+            <a:extLst>
+              <a:ext uri="{28A0092B-C50C-407E-A947-70E740481C1C}">
+                <a14:useLocalDpi xmlns:a14="http://schemas.microsoft.com/office/drawing/2010/main" val="0"/>
+              </a:ext>
+            </a:extLst>
+          </a:blip>
+          <a:stretch>
+            <a:fillRect/>
+          </a:stretch>
+        </p:blipFill>
+        <p:spPr>
+          <a:xfrm>
+            <a:off x="6516211" y="277277"/>
+            <a:ext cx="5356921" cy="6303445"/>
           </a:xfrm>
           <a:prstGeom prst="rect">
             <a:avLst/>
           </a:prstGeom>
-          <a:noFill/>
-        </p:spPr>
-        <p:txBody>
-          <a:bodyPr wrap="none" rtlCol="0">
-            <a:spAutoFit/>
-          </a:bodyPr>
-          <a:lstStyle/>
-          <a:p>
-            <a:r>
-              <a:rPr lang="tr-TR" b="1" dirty="0"/>
-              <a:t>BİRİNCİ ADIM</a:t>
-            </a:r>
-          </a:p>
-          <a:p>
-            <a:r>
-              <a:rPr lang="tr-TR" dirty="0"/>
-              <a:t>Öğrenci </a:t>
-            </a:r>
-            <a:r>
-              <a:rPr lang="tr-TR" dirty="0" err="1"/>
-              <a:t>idleri</a:t>
-            </a:r>
-            <a:r>
-              <a:rPr lang="tr-TR" dirty="0"/>
-              <a:t>:</a:t>
-            </a:r>
-          </a:p>
-          <a:p>
-            <a:endParaRPr lang="tr-TR" dirty="0"/>
-          </a:p>
-          <a:p>
-            <a:r>
-              <a:rPr lang="tr-TR" dirty="0"/>
-              <a:t>Öğrenciler sınavdan önce</a:t>
-            </a:r>
-          </a:p>
-          <a:p>
-            <a:r>
-              <a:rPr lang="tr-TR" dirty="0"/>
-              <a:t>sisteme kayıt olmalı ve</a:t>
-            </a:r>
-          </a:p>
-          <a:p>
-            <a:r>
-              <a:rPr lang="tr-TR" dirty="0"/>
-              <a:t>aldıkları ID bilgisini optik</a:t>
-            </a:r>
-          </a:p>
-          <a:p>
-            <a:r>
-              <a:rPr lang="tr-TR" dirty="0"/>
-              <a:t>forma kodlamalıdır.</a:t>
-            </a:r>
-          </a:p>
-        </p:txBody>
-      </p:sp>
-      <p:sp>
-        <p:nvSpPr>
-          <p:cNvPr id="6" name="Metin kutusu 5">
-            <a:extLst>
-              <a:ext uri="{FF2B5EF4-FFF2-40B4-BE49-F238E27FC236}">
-                <a16:creationId xmlns:a16="http://schemas.microsoft.com/office/drawing/2014/main" id="{3F289083-42E0-448B-B613-DBF92709D00D}"/>
-              </a:ext>
-            </a:extLst>
-          </p:cNvPr>
-          <p:cNvSpPr txBox="1"/>
-          <p:nvPr/>
-        </p:nvSpPr>
-        <p:spPr>
-          <a:xfrm>
-            <a:off x="8318358" y="2367170"/>
-            <a:ext cx="2234138" cy="1754326"/>
-          </a:xfrm>
-          <a:prstGeom prst="rect">
-            <a:avLst/>
-          </a:prstGeom>
-          <a:noFill/>
-        </p:spPr>
-        <p:txBody>
-          <a:bodyPr wrap="none" rtlCol="0">
-            <a:spAutoFit/>
-          </a:bodyPr>
-          <a:lstStyle/>
-          <a:p>
-            <a:r>
-              <a:rPr lang="tr-TR" b="1" dirty="0"/>
-              <a:t>ÜÇÜNCÜ ADIM</a:t>
-            </a:r>
-          </a:p>
-          <a:p>
-            <a:r>
-              <a:rPr lang="tr-TR" dirty="0"/>
-              <a:t>Sınav Kodu : 43</a:t>
-            </a:r>
-          </a:p>
-          <a:p>
-            <a:endParaRPr lang="tr-TR" dirty="0"/>
-          </a:p>
-          <a:p>
-            <a:r>
-              <a:rPr lang="tr-TR" dirty="0"/>
-              <a:t>Sınavdan önce sınav</a:t>
-            </a:r>
-          </a:p>
-          <a:p>
-            <a:r>
-              <a:rPr lang="tr-TR" dirty="0"/>
-              <a:t>oluşturulmalı ve optik</a:t>
-            </a:r>
-          </a:p>
-          <a:p>
-            <a:r>
-              <a:rPr lang="tr-TR" dirty="0"/>
-              <a:t>formda kodlanmalıdır. </a:t>
-            </a:r>
-          </a:p>
-        </p:txBody>
-      </p:sp>
+        </p:spPr>
+      </p:pic>
     </p:spTree>
     <p:extLst>
       <p:ext uri="{BB962C8B-B14F-4D97-AF65-F5344CB8AC3E}">
-        <p14:creationId xmlns:p14="http://schemas.microsoft.com/office/powerpoint/2010/main" val="4186698889"/>
+        <p14:creationId xmlns:p14="http://schemas.microsoft.com/office/powerpoint/2010/main" val="2494567822"/>
       </p:ext>
     </p:extLst>
   </p:cSld>
@@ -5084,6 +5015,250 @@
         <p:spPr>
           <a:xfrm>
             <a:off x="4913977" y="2367170"/>
+            <a:ext cx="2364045" cy="923330"/>
+          </a:xfrm>
+          <a:prstGeom prst="rect">
+            <a:avLst/>
+          </a:prstGeom>
+          <a:noFill/>
+        </p:spPr>
+        <p:txBody>
+          <a:bodyPr wrap="none" rtlCol="0">
+            <a:spAutoFit/>
+          </a:bodyPr>
+          <a:lstStyle/>
+          <a:p>
+            <a:r>
+              <a:rPr lang="tr-TR" b="1" dirty="0"/>
+              <a:t>İKİNCİ ADIM</a:t>
+            </a:r>
+          </a:p>
+          <a:p>
+            <a:r>
+              <a:rPr lang="tr-TR" dirty="0"/>
+              <a:t>Öğretmen Kullanıcı Adı</a:t>
+            </a:r>
+          </a:p>
+          <a:p>
+            <a:r>
+              <a:rPr lang="tr-TR" dirty="0"/>
+              <a:t>Öğretmen Parola</a:t>
+            </a:r>
+          </a:p>
+        </p:txBody>
+      </p:sp>
+      <p:sp>
+        <p:nvSpPr>
+          <p:cNvPr id="4" name="Metin kutusu 3">
+            <a:extLst>
+              <a:ext uri="{FF2B5EF4-FFF2-40B4-BE49-F238E27FC236}">
+                <a16:creationId xmlns:a16="http://schemas.microsoft.com/office/drawing/2014/main" id="{DA49494C-81F6-4DBD-9367-4C72BBE06E7D}"/>
+              </a:ext>
+            </a:extLst>
+          </p:cNvPr>
+          <p:cNvSpPr txBox="1"/>
+          <p:nvPr/>
+        </p:nvSpPr>
+        <p:spPr>
+          <a:xfrm>
+            <a:off x="1313260" y="2367170"/>
+            <a:ext cx="2560381" cy="2031325"/>
+          </a:xfrm>
+          <a:prstGeom prst="rect">
+            <a:avLst/>
+          </a:prstGeom>
+          <a:noFill/>
+        </p:spPr>
+        <p:txBody>
+          <a:bodyPr wrap="none" rtlCol="0">
+            <a:spAutoFit/>
+          </a:bodyPr>
+          <a:lstStyle/>
+          <a:p>
+            <a:r>
+              <a:rPr lang="tr-TR" b="1" dirty="0"/>
+              <a:t>BİRİNCİ ADIM</a:t>
+            </a:r>
+          </a:p>
+          <a:p>
+            <a:r>
+              <a:rPr lang="tr-TR" dirty="0"/>
+              <a:t>Öğrenci </a:t>
+            </a:r>
+            <a:r>
+              <a:rPr lang="tr-TR" dirty="0" err="1"/>
+              <a:t>idleri</a:t>
+            </a:r>
+            <a:r>
+              <a:rPr lang="tr-TR" dirty="0"/>
+              <a:t>:</a:t>
+            </a:r>
+          </a:p>
+          <a:p>
+            <a:endParaRPr lang="tr-TR" dirty="0"/>
+          </a:p>
+          <a:p>
+            <a:r>
+              <a:rPr lang="tr-TR" dirty="0"/>
+              <a:t>Öğrenciler sınavdan önce</a:t>
+            </a:r>
+          </a:p>
+          <a:p>
+            <a:r>
+              <a:rPr lang="tr-TR" dirty="0"/>
+              <a:t>sisteme kayıt olmalı ve</a:t>
+            </a:r>
+          </a:p>
+          <a:p>
+            <a:r>
+              <a:rPr lang="tr-TR" dirty="0"/>
+              <a:t>aldıkları ID bilgisini optik</a:t>
+            </a:r>
+          </a:p>
+          <a:p>
+            <a:r>
+              <a:rPr lang="tr-TR" dirty="0"/>
+              <a:t>forma kodlamalıdır.</a:t>
+            </a:r>
+          </a:p>
+        </p:txBody>
+      </p:sp>
+      <p:sp>
+        <p:nvSpPr>
+          <p:cNvPr id="6" name="Metin kutusu 5">
+            <a:extLst>
+              <a:ext uri="{FF2B5EF4-FFF2-40B4-BE49-F238E27FC236}">
+                <a16:creationId xmlns:a16="http://schemas.microsoft.com/office/drawing/2014/main" id="{3F289083-42E0-448B-B613-DBF92709D00D}"/>
+              </a:ext>
+            </a:extLst>
+          </p:cNvPr>
+          <p:cNvSpPr txBox="1"/>
+          <p:nvPr/>
+        </p:nvSpPr>
+        <p:spPr>
+          <a:xfrm>
+            <a:off x="8318358" y="2367170"/>
+            <a:ext cx="2234138" cy="1754326"/>
+          </a:xfrm>
+          <a:prstGeom prst="rect">
+            <a:avLst/>
+          </a:prstGeom>
+          <a:noFill/>
+        </p:spPr>
+        <p:txBody>
+          <a:bodyPr wrap="none" rtlCol="0">
+            <a:spAutoFit/>
+          </a:bodyPr>
+          <a:lstStyle/>
+          <a:p>
+            <a:r>
+              <a:rPr lang="tr-TR" b="1" dirty="0"/>
+              <a:t>ÜÇÜNCÜ ADIM</a:t>
+            </a:r>
+          </a:p>
+          <a:p>
+            <a:r>
+              <a:rPr lang="tr-TR" dirty="0"/>
+              <a:t>Sınav Kodu : 43</a:t>
+            </a:r>
+          </a:p>
+          <a:p>
+            <a:endParaRPr lang="tr-TR" dirty="0"/>
+          </a:p>
+          <a:p>
+            <a:r>
+              <a:rPr lang="tr-TR" dirty="0"/>
+              <a:t>Sınavdan önce sınav</a:t>
+            </a:r>
+          </a:p>
+          <a:p>
+            <a:r>
+              <a:rPr lang="tr-TR" dirty="0"/>
+              <a:t>oluşturulmalı ve optik</a:t>
+            </a:r>
+          </a:p>
+          <a:p>
+            <a:r>
+              <a:rPr lang="tr-TR" dirty="0"/>
+              <a:t>formda kodlanmalıdır. </a:t>
+            </a:r>
+          </a:p>
+        </p:txBody>
+      </p:sp>
+    </p:spTree>
+    <p:extLst>
+      <p:ext uri="{BB962C8B-B14F-4D97-AF65-F5344CB8AC3E}">
+        <p14:creationId xmlns:p14="http://schemas.microsoft.com/office/powerpoint/2010/main" val="4186698889"/>
+      </p:ext>
+    </p:extLst>
+  </p:cSld>
+  <p:clrMapOvr>
+    <a:masterClrMapping/>
+  </p:clrMapOvr>
+</p:sld>
+</file>
+
+<file path=ppt/slides/slide15.xml><?xml version="1.0" encoding="utf-8"?>
+<p:sld xmlns:a="http://schemas.openxmlformats.org/drawingml/2006/main" xmlns:r="http://schemas.openxmlformats.org/officeDocument/2006/relationships" xmlns:p="http://schemas.openxmlformats.org/presentationml/2006/main">
+  <p:cSld>
+    <p:spTree>
+      <p:nvGrpSpPr>
+        <p:cNvPr id="1" name=""/>
+        <p:cNvGrpSpPr/>
+        <p:nvPr/>
+      </p:nvGrpSpPr>
+      <p:grpSpPr>
+        <a:xfrm>
+          <a:off x="0" y="0"/>
+          <a:ext cx="0" cy="0"/>
+          <a:chOff x="0" y="0"/>
+          <a:chExt cx="0" cy="0"/>
+        </a:xfrm>
+      </p:grpSpPr>
+      <p:sp>
+        <p:nvSpPr>
+          <p:cNvPr id="2" name="Başlık 1">
+            <a:extLst>
+              <a:ext uri="{FF2B5EF4-FFF2-40B4-BE49-F238E27FC236}">
+                <a16:creationId xmlns:a16="http://schemas.microsoft.com/office/drawing/2014/main" id="{20168531-7332-4BAA-9E13-76E5313A1A8A}"/>
+              </a:ext>
+            </a:extLst>
+          </p:cNvPr>
+          <p:cNvSpPr>
+            <a:spLocks noGrp="1"/>
+          </p:cNvSpPr>
+          <p:nvPr>
+            <p:ph type="title"/>
+          </p:nvPr>
+        </p:nvSpPr>
+        <p:spPr/>
+        <p:txBody>
+          <a:bodyPr/>
+          <a:lstStyle/>
+          <a:p>
+            <a:r>
+              <a:rPr lang="tr-TR" dirty="0" err="1"/>
+              <a:t>demo</a:t>
+            </a:r>
+            <a:endParaRPr lang="tr-TR" dirty="0"/>
+          </a:p>
+        </p:txBody>
+      </p:sp>
+      <p:sp>
+        <p:nvSpPr>
+          <p:cNvPr id="3" name="Metin kutusu 2">
+            <a:extLst>
+              <a:ext uri="{FF2B5EF4-FFF2-40B4-BE49-F238E27FC236}">
+                <a16:creationId xmlns:a16="http://schemas.microsoft.com/office/drawing/2014/main" id="{996B5356-D793-4561-8000-D5BC9F1A5FFF}"/>
+              </a:ext>
+            </a:extLst>
+          </p:cNvPr>
+          <p:cNvSpPr txBox="1"/>
+          <p:nvPr/>
+        </p:nvSpPr>
+        <p:spPr>
+          <a:xfrm>
+            <a:off x="4913977" y="2367170"/>
             <a:ext cx="2034596" cy="1200329"/>
           </a:xfrm>
           <a:prstGeom prst="rect">
@@ -5212,7 +5387,7 @@
 </p:sld>
 </file>
 
-<file path=ppt/slides/slide15.xml><?xml version="1.0" encoding="utf-8"?>
+<file path=ppt/slides/slide16.xml><?xml version="1.0" encoding="utf-8"?>
 <p:sld xmlns:a="http://schemas.openxmlformats.org/drawingml/2006/main" xmlns:r="http://schemas.openxmlformats.org/officeDocument/2006/relationships" xmlns:p="http://schemas.openxmlformats.org/presentationml/2006/main">
   <p:cSld>
     <p:spTree>
@@ -5377,7 +5552,7 @@
 </p:sld>
 </file>
 
-<file path=ppt/slides/slide16.xml><?xml version="1.0" encoding="utf-8"?>
+<file path=ppt/slides/slide17.xml><?xml version="1.0" encoding="utf-8"?>
 <p:sld xmlns:a="http://schemas.openxmlformats.org/drawingml/2006/main" xmlns:r="http://schemas.openxmlformats.org/officeDocument/2006/relationships" xmlns:p="http://schemas.openxmlformats.org/presentationml/2006/main">
   <p:cSld>
     <p:spTree>
